--- a/Presentation (overview) .pptx
+++ b/Presentation (overview) .pptx
@@ -44,7 +44,7 @@
       </p:grpSpPr>
       <p:sp>
         <p:nvSpPr>
-          <p:cNvPr id="129" name="PlaceHolder 1"/>
+          <p:cNvPr id="120" name="PlaceHolder 1"/>
           <p:cNvSpPr>
             <a:spLocks noGrp="1"/>
           </p:cNvSpPr>
@@ -94,7 +94,7 @@
       </p:sp>
       <p:sp>
         <p:nvSpPr>
-          <p:cNvPr id="130" name="PlaceHolder 2"/>
+          <p:cNvPr id="121" name="PlaceHolder 2"/>
           <p:cNvSpPr>
             <a:spLocks noGrp="1"/>
           </p:cNvSpPr>
@@ -144,7 +144,7 @@
       </p:sp>
       <p:sp>
         <p:nvSpPr>
-          <p:cNvPr id="131" name="PlaceHolder 3"/>
+          <p:cNvPr id="122" name="PlaceHolder 3"/>
           <p:cNvSpPr>
             <a:spLocks noGrp="1"/>
           </p:cNvSpPr>
@@ -195,7 +195,7 @@
       </p:sp>
       <p:sp>
         <p:nvSpPr>
-          <p:cNvPr id="132" name="PlaceHolder 4"/>
+          <p:cNvPr id="123" name="PlaceHolder 4"/>
           <p:cNvSpPr>
             <a:spLocks noGrp="1"/>
           </p:cNvSpPr>
@@ -245,7 +245,7 @@
       </p:sp>
       <p:sp>
         <p:nvSpPr>
-          <p:cNvPr id="133" name="PlaceHolder 5"/>
+          <p:cNvPr id="124" name="PlaceHolder 5"/>
           <p:cNvSpPr>
             <a:spLocks noGrp="1"/>
           </p:cNvSpPr>
@@ -266,7 +266,7 @@
           <a:bodyPr lIns="0" rIns="0" tIns="0" bIns="0" anchor="b"/>
           <a:p>
             <a:pPr algn="r"/>
-            <a:fld id="{13466BF6-4586-411A-AF78-B104935E0F09}" type="slidenum">
+            <a:fld id="{3F364A28-71B1-4AFE-B8D6-914B035F985F}" type="slidenum">
               <a:rPr b="0" lang="en-US" sz="1400" spc="-1" strike="noStrike">
                 <a:solidFill>
                   <a:srgbClr val="000000"/>
@@ -319,7 +319,7 @@
       </p:grpSpPr>
       <p:sp>
         <p:nvSpPr>
-          <p:cNvPr id="154" name="PlaceHolder 1"/>
+          <p:cNvPr id="145" name="PlaceHolder 1"/>
           <p:cNvSpPr>
             <a:spLocks noGrp="1"/>
           </p:cNvSpPr>
@@ -330,14 +330,14 @@
         <p:spPr>
           <a:xfrm>
             <a:off x="685800" y="4400640"/>
-            <a:ext cx="5486040" cy="3600000"/>
-          </a:xfrm>
-          <a:prstGeom prst="rect">
-            <a:avLst/>
-          </a:prstGeom>
-        </p:spPr>
-        <p:txBody>
-          <a:bodyPr/>
+            <a:ext cx="5485680" cy="3599640"/>
+          </a:xfrm>
+          <a:prstGeom prst="rect">
+            <a:avLst/>
+          </a:prstGeom>
+        </p:spPr>
+        <p:txBody>
+          <a:bodyPr lIns="0" rIns="0" tIns="0" bIns="0"/>
           <a:p>
             <a:endParaRPr b="0" lang="en-US" sz="2000" spc="-1" strike="noStrike">
               <a:solidFill>
@@ -355,14 +355,14 @@
       </p:sp>
       <p:sp>
         <p:nvSpPr>
-          <p:cNvPr id="155" name="TextShape 2"/>
-          <p:cNvSpPr txBox="1"/>
+          <p:cNvPr id="146" name="CustomShape 2"/>
+          <p:cNvSpPr/>
           <p:nvPr/>
         </p:nvSpPr>
         <p:spPr>
           <a:xfrm>
             <a:off x="3884760" y="8685360"/>
-            <a:ext cx="2971440" cy="458280"/>
+            <a:ext cx="2971080" cy="457920"/>
           </a:xfrm>
           <a:prstGeom prst="rect">
             <a:avLst/>
@@ -372,15 +372,21 @@
             <a:noFill/>
           </a:ln>
         </p:spPr>
-        <p:txBody>
-          <a:bodyPr anchor="b"/>
+        <p:style>
+          <a:lnRef idx="0"/>
+          <a:fillRef idx="0"/>
+          <a:effectRef idx="0"/>
+          <a:fontRef idx="minor"/>
+        </p:style>
+        <p:txBody>
+          <a:bodyPr lIns="90000" rIns="90000" tIns="45000" bIns="45000" anchor="b"/>
           <a:p>
             <a:pPr algn="r">
               <a:lnSpc>
                 <a:spcPct val="100000"/>
               </a:lnSpc>
             </a:pPr>
-            <a:fld id="{4D138FBC-CDEA-4E7E-9297-3D66933DF283}" type="slidenum">
+            <a:fld id="{9ED49BB8-9074-406B-B6C8-F8243D58EF35}" type="slidenum">
               <a:rPr b="0" lang="en-US" sz="1200" spc="-1" strike="noStrike">
                 <a:solidFill>
                   <a:srgbClr val="000000"/>
@@ -404,7 +410,7 @@
                   <a:srgbClr val="ffffff"/>
                 </a:solidFill>
               </a:uFill>
-              <a:latin typeface="Times New Roman"/>
+              <a:latin typeface="Arial"/>
             </a:endParaRPr>
           </a:p>
         </p:txBody>
@@ -433,7 +439,7 @@
       </p:grpSpPr>
       <p:sp>
         <p:nvSpPr>
-          <p:cNvPr id="156" name="PlaceHolder 1"/>
+          <p:cNvPr id="147" name="PlaceHolder 1"/>
           <p:cNvSpPr>
             <a:spLocks noGrp="1"/>
           </p:cNvSpPr>
@@ -444,14 +450,14 @@
         <p:spPr>
           <a:xfrm>
             <a:off x="685800" y="4400640"/>
-            <a:ext cx="5486040" cy="3600000"/>
-          </a:xfrm>
-          <a:prstGeom prst="rect">
-            <a:avLst/>
-          </a:prstGeom>
-        </p:spPr>
-        <p:txBody>
-          <a:bodyPr/>
+            <a:ext cx="5485680" cy="3599640"/>
+          </a:xfrm>
+          <a:prstGeom prst="rect">
+            <a:avLst/>
+          </a:prstGeom>
+        </p:spPr>
+        <p:txBody>
+          <a:bodyPr lIns="0" rIns="0" tIns="0" bIns="0"/>
           <a:p>
             <a:endParaRPr b="0" lang="en-US" sz="2000" spc="-1" strike="noStrike">
               <a:solidFill>
@@ -469,14 +475,14 @@
       </p:sp>
       <p:sp>
         <p:nvSpPr>
-          <p:cNvPr id="157" name="TextShape 2"/>
-          <p:cNvSpPr txBox="1"/>
+          <p:cNvPr id="148" name="CustomShape 2"/>
+          <p:cNvSpPr/>
           <p:nvPr/>
         </p:nvSpPr>
         <p:spPr>
           <a:xfrm>
             <a:off x="3884760" y="8685360"/>
-            <a:ext cx="2971440" cy="458280"/>
+            <a:ext cx="2971080" cy="457920"/>
           </a:xfrm>
           <a:prstGeom prst="rect">
             <a:avLst/>
@@ -486,15 +492,21 @@
             <a:noFill/>
           </a:ln>
         </p:spPr>
-        <p:txBody>
-          <a:bodyPr anchor="b"/>
+        <p:style>
+          <a:lnRef idx="0"/>
+          <a:fillRef idx="0"/>
+          <a:effectRef idx="0"/>
+          <a:fontRef idx="minor"/>
+        </p:style>
+        <p:txBody>
+          <a:bodyPr lIns="90000" rIns="90000" tIns="45000" bIns="45000" anchor="b"/>
           <a:p>
             <a:pPr algn="r">
               <a:lnSpc>
                 <a:spcPct val="100000"/>
               </a:lnSpc>
             </a:pPr>
-            <a:fld id="{EBBCA346-AB8E-4062-8CB4-1FD368547A7F}" type="slidenum">
+            <a:fld id="{352145ED-7B0C-437B-B28D-ADB3775FE0AA}" type="slidenum">
               <a:rPr b="0" lang="en-US" sz="1200" spc="-1" strike="noStrike">
                 <a:solidFill>
                   <a:srgbClr val="000000"/>
@@ -518,7 +530,7 @@
                   <a:srgbClr val="ffffff"/>
                 </a:solidFill>
               </a:uFill>
-              <a:latin typeface="Times New Roman"/>
+              <a:latin typeface="Arial"/>
             </a:endParaRPr>
           </a:p>
         </p:txBody>
@@ -547,7 +559,7 @@
       </p:grpSpPr>
       <p:sp>
         <p:nvSpPr>
-          <p:cNvPr id="158" name="PlaceHolder 1"/>
+          <p:cNvPr id="149" name="PlaceHolder 1"/>
           <p:cNvSpPr>
             <a:spLocks noGrp="1"/>
           </p:cNvSpPr>
@@ -558,14 +570,14 @@
         <p:spPr>
           <a:xfrm>
             <a:off x="685800" y="4400640"/>
-            <a:ext cx="5486040" cy="3600000"/>
-          </a:xfrm>
-          <a:prstGeom prst="rect">
-            <a:avLst/>
-          </a:prstGeom>
-        </p:spPr>
-        <p:txBody>
-          <a:bodyPr/>
+            <a:ext cx="5485680" cy="3599640"/>
+          </a:xfrm>
+          <a:prstGeom prst="rect">
+            <a:avLst/>
+          </a:prstGeom>
+        </p:spPr>
+        <p:txBody>
+          <a:bodyPr lIns="0" rIns="0" tIns="0" bIns="0"/>
           <a:p>
             <a:endParaRPr b="0" lang="en-US" sz="2000" spc="-1" strike="noStrike">
               <a:solidFill>
@@ -583,14 +595,14 @@
       </p:sp>
       <p:sp>
         <p:nvSpPr>
-          <p:cNvPr id="159" name="TextShape 2"/>
-          <p:cNvSpPr txBox="1"/>
+          <p:cNvPr id="150" name="CustomShape 2"/>
+          <p:cNvSpPr/>
           <p:nvPr/>
         </p:nvSpPr>
         <p:spPr>
           <a:xfrm>
             <a:off x="3884760" y="8685360"/>
-            <a:ext cx="2971440" cy="458280"/>
+            <a:ext cx="2971080" cy="457920"/>
           </a:xfrm>
           <a:prstGeom prst="rect">
             <a:avLst/>
@@ -600,15 +612,21 @@
             <a:noFill/>
           </a:ln>
         </p:spPr>
-        <p:txBody>
-          <a:bodyPr anchor="b"/>
+        <p:style>
+          <a:lnRef idx="0"/>
+          <a:fillRef idx="0"/>
+          <a:effectRef idx="0"/>
+          <a:fontRef idx="minor"/>
+        </p:style>
+        <p:txBody>
+          <a:bodyPr lIns="90000" rIns="90000" tIns="45000" bIns="45000" anchor="b"/>
           <a:p>
             <a:pPr algn="r">
               <a:lnSpc>
                 <a:spcPct val="100000"/>
               </a:lnSpc>
             </a:pPr>
-            <a:fld id="{C4668476-DF09-40A2-AA45-C4E4F11BD4D7}" type="slidenum">
+            <a:fld id="{38F71720-BA6F-4A88-9DA9-84C06B296054}" type="slidenum">
               <a:rPr b="0" lang="en-US" sz="1200" spc="-1" strike="noStrike">
                 <a:solidFill>
                   <a:srgbClr val="000000"/>
@@ -632,7 +650,7 @@
                   <a:srgbClr val="ffffff"/>
                 </a:solidFill>
               </a:uFill>
-              <a:latin typeface="Times New Roman"/>
+              <a:latin typeface="Arial"/>
             </a:endParaRPr>
           </a:p>
         </p:txBody>
@@ -661,7 +679,7 @@
       </p:grpSpPr>
       <p:sp>
         <p:nvSpPr>
-          <p:cNvPr id="160" name="PlaceHolder 1"/>
+          <p:cNvPr id="151" name="PlaceHolder 1"/>
           <p:cNvSpPr>
             <a:spLocks noGrp="1"/>
           </p:cNvSpPr>
@@ -672,14 +690,14 @@
         <p:spPr>
           <a:xfrm>
             <a:off x="685800" y="4400640"/>
-            <a:ext cx="5486040" cy="3600000"/>
-          </a:xfrm>
-          <a:prstGeom prst="rect">
-            <a:avLst/>
-          </a:prstGeom>
-        </p:spPr>
-        <p:txBody>
-          <a:bodyPr/>
+            <a:ext cx="5485680" cy="3599640"/>
+          </a:xfrm>
+          <a:prstGeom prst="rect">
+            <a:avLst/>
+          </a:prstGeom>
+        </p:spPr>
+        <p:txBody>
+          <a:bodyPr lIns="0" rIns="0" tIns="0" bIns="0"/>
           <a:p>
             <a:endParaRPr b="0" lang="en-US" sz="2000" spc="-1" strike="noStrike">
               <a:solidFill>
@@ -697,14 +715,14 @@
       </p:sp>
       <p:sp>
         <p:nvSpPr>
-          <p:cNvPr id="161" name="TextShape 2"/>
-          <p:cNvSpPr txBox="1"/>
+          <p:cNvPr id="152" name="CustomShape 2"/>
+          <p:cNvSpPr/>
           <p:nvPr/>
         </p:nvSpPr>
         <p:spPr>
           <a:xfrm>
             <a:off x="3884760" y="8685360"/>
-            <a:ext cx="2971440" cy="458280"/>
+            <a:ext cx="2971080" cy="457920"/>
           </a:xfrm>
           <a:prstGeom prst="rect">
             <a:avLst/>
@@ -714,15 +732,21 @@
             <a:noFill/>
           </a:ln>
         </p:spPr>
-        <p:txBody>
-          <a:bodyPr anchor="b"/>
+        <p:style>
+          <a:lnRef idx="0"/>
+          <a:fillRef idx="0"/>
+          <a:effectRef idx="0"/>
+          <a:fontRef idx="minor"/>
+        </p:style>
+        <p:txBody>
+          <a:bodyPr lIns="90000" rIns="90000" tIns="45000" bIns="45000" anchor="b"/>
           <a:p>
             <a:pPr algn="r">
               <a:lnSpc>
                 <a:spcPct val="100000"/>
               </a:lnSpc>
             </a:pPr>
-            <a:fld id="{B3A431FE-B0D9-4229-8D21-D78CA2EA22CA}" type="slidenum">
+            <a:fld id="{6D51FA71-EE35-4C66-B319-0FF298D9B213}" type="slidenum">
               <a:rPr b="0" lang="en-US" sz="1200" spc="-1" strike="noStrike">
                 <a:solidFill>
                   <a:srgbClr val="000000"/>
@@ -746,7 +770,7 @@
                   <a:srgbClr val="ffffff"/>
                 </a:solidFill>
               </a:uFill>
-              <a:latin typeface="Times New Roman"/>
+              <a:latin typeface="Arial"/>
             </a:endParaRPr>
           </a:p>
         </p:txBody>
@@ -775,7 +799,7 @@
       </p:grpSpPr>
       <p:sp>
         <p:nvSpPr>
-          <p:cNvPr id="162" name="PlaceHolder 1"/>
+          <p:cNvPr id="153" name="PlaceHolder 1"/>
           <p:cNvSpPr>
             <a:spLocks noGrp="1"/>
           </p:cNvSpPr>
@@ -786,14 +810,14 @@
         <p:spPr>
           <a:xfrm>
             <a:off x="685800" y="4400640"/>
-            <a:ext cx="5486040" cy="3600000"/>
-          </a:xfrm>
-          <a:prstGeom prst="rect">
-            <a:avLst/>
-          </a:prstGeom>
-        </p:spPr>
-        <p:txBody>
-          <a:bodyPr/>
+            <a:ext cx="5485680" cy="3599640"/>
+          </a:xfrm>
+          <a:prstGeom prst="rect">
+            <a:avLst/>
+          </a:prstGeom>
+        </p:spPr>
+        <p:txBody>
+          <a:bodyPr lIns="0" rIns="0" tIns="0" bIns="0"/>
           <a:p>
             <a:endParaRPr b="0" lang="en-US" sz="2000" spc="-1" strike="noStrike">
               <a:solidFill>
@@ -811,14 +835,14 @@
       </p:sp>
       <p:sp>
         <p:nvSpPr>
-          <p:cNvPr id="163" name="TextShape 2"/>
-          <p:cNvSpPr txBox="1"/>
+          <p:cNvPr id="154" name="CustomShape 2"/>
+          <p:cNvSpPr/>
           <p:nvPr/>
         </p:nvSpPr>
         <p:spPr>
           <a:xfrm>
             <a:off x="3884760" y="8685360"/>
-            <a:ext cx="2971440" cy="458280"/>
+            <a:ext cx="2971080" cy="457920"/>
           </a:xfrm>
           <a:prstGeom prst="rect">
             <a:avLst/>
@@ -828,15 +852,21 @@
             <a:noFill/>
           </a:ln>
         </p:spPr>
-        <p:txBody>
-          <a:bodyPr anchor="b"/>
+        <p:style>
+          <a:lnRef idx="0"/>
+          <a:fillRef idx="0"/>
+          <a:effectRef idx="0"/>
+          <a:fontRef idx="minor"/>
+        </p:style>
+        <p:txBody>
+          <a:bodyPr lIns="90000" rIns="90000" tIns="45000" bIns="45000" anchor="b"/>
           <a:p>
             <a:pPr algn="r">
               <a:lnSpc>
                 <a:spcPct val="100000"/>
               </a:lnSpc>
             </a:pPr>
-            <a:fld id="{FE28D566-FE50-4071-B523-0FF5F084545E}" type="slidenum">
+            <a:fld id="{83398628-0FF1-4BB9-88C6-A3F043A0E49C}" type="slidenum">
               <a:rPr b="0" lang="en-US" sz="1200" spc="-1" strike="noStrike">
                 <a:solidFill>
                   <a:srgbClr val="000000"/>
@@ -860,7 +890,7 @@
                   <a:srgbClr val="ffffff"/>
                 </a:solidFill>
               </a:uFill>
-              <a:latin typeface="Times New Roman"/>
+              <a:latin typeface="Arial"/>
             </a:endParaRPr>
           </a:p>
         </p:txBody>
@@ -889,7 +919,7 @@
       </p:grpSpPr>
       <p:sp>
         <p:nvSpPr>
-          <p:cNvPr id="164" name="PlaceHolder 1"/>
+          <p:cNvPr id="155" name="PlaceHolder 1"/>
           <p:cNvSpPr>
             <a:spLocks noGrp="1"/>
           </p:cNvSpPr>
@@ -900,14 +930,14 @@
         <p:spPr>
           <a:xfrm>
             <a:off x="685800" y="4400640"/>
-            <a:ext cx="5486040" cy="3600000"/>
-          </a:xfrm>
-          <a:prstGeom prst="rect">
-            <a:avLst/>
-          </a:prstGeom>
-        </p:spPr>
-        <p:txBody>
-          <a:bodyPr/>
+            <a:ext cx="5485680" cy="3599640"/>
+          </a:xfrm>
+          <a:prstGeom prst="rect">
+            <a:avLst/>
+          </a:prstGeom>
+        </p:spPr>
+        <p:txBody>
+          <a:bodyPr lIns="0" rIns="0" tIns="0" bIns="0"/>
           <a:p>
             <a:endParaRPr b="0" lang="en-US" sz="2000" spc="-1" strike="noStrike">
               <a:solidFill>
@@ -925,14 +955,14 @@
       </p:sp>
       <p:sp>
         <p:nvSpPr>
-          <p:cNvPr id="165" name="TextShape 2"/>
-          <p:cNvSpPr txBox="1"/>
+          <p:cNvPr id="156" name="CustomShape 2"/>
+          <p:cNvSpPr/>
           <p:nvPr/>
         </p:nvSpPr>
         <p:spPr>
           <a:xfrm>
             <a:off x="3884760" y="8685360"/>
-            <a:ext cx="2971440" cy="458280"/>
+            <a:ext cx="2971080" cy="457920"/>
           </a:xfrm>
           <a:prstGeom prst="rect">
             <a:avLst/>
@@ -942,15 +972,21 @@
             <a:noFill/>
           </a:ln>
         </p:spPr>
-        <p:txBody>
-          <a:bodyPr anchor="b"/>
+        <p:style>
+          <a:lnRef idx="0"/>
+          <a:fillRef idx="0"/>
+          <a:effectRef idx="0"/>
+          <a:fontRef idx="minor"/>
+        </p:style>
+        <p:txBody>
+          <a:bodyPr lIns="90000" rIns="90000" tIns="45000" bIns="45000" anchor="b"/>
           <a:p>
             <a:pPr algn="r">
               <a:lnSpc>
                 <a:spcPct val="100000"/>
               </a:lnSpc>
             </a:pPr>
-            <a:fld id="{D5BD9826-BCF6-4195-BF1F-BFFB52F3A775}" type="slidenum">
+            <a:fld id="{BDB6AC61-EBD9-44BF-A83B-C2985CD1698A}" type="slidenum">
               <a:rPr b="0" lang="en-US" sz="1200" spc="-1" strike="noStrike">
                 <a:solidFill>
                   <a:srgbClr val="000000"/>
@@ -974,7 +1010,7 @@
                   <a:srgbClr val="ffffff"/>
                 </a:solidFill>
               </a:uFill>
-              <a:latin typeface="Times New Roman"/>
+              <a:latin typeface="Arial"/>
             </a:endParaRPr>
           </a:p>
         </p:txBody>
@@ -1025,7 +1061,7 @@
       </p:grpSpPr>
       <p:sp>
         <p:nvSpPr>
-          <p:cNvPr id="28" name="PlaceHolder 1"/>
+          <p:cNvPr id="25" name="PlaceHolder 1"/>
           <p:cNvSpPr>
             <a:spLocks noGrp="1"/>
           </p:cNvSpPr>
@@ -1036,7 +1072,7 @@
         <p:spPr>
           <a:xfrm>
             <a:off x="913680" y="618480"/>
-            <a:ext cx="10364040" cy="1595880"/>
+            <a:ext cx="10363680" cy="1595520"/>
           </a:xfrm>
           <a:prstGeom prst="rect">
             <a:avLst/>
@@ -1045,23 +1081,24 @@
         <p:txBody>
           <a:bodyPr lIns="0" rIns="0" tIns="0" bIns="0" anchor="ctr"/>
           <a:p>
-            <a:endParaRPr b="0" lang="en-US" sz="1800" spc="-1" strike="noStrike">
-              <a:solidFill>
-                <a:srgbClr val="000000"/>
-              </a:solidFill>
-              <a:uFill>
-                <a:solidFill>
-                  <a:srgbClr val="ffffff"/>
-                </a:solidFill>
-              </a:uFill>
-              <a:latin typeface="Tw Cen MT"/>
-            </a:endParaRPr>
-          </a:p>
-        </p:txBody>
-      </p:sp>
-      <p:sp>
-        <p:nvSpPr>
-          <p:cNvPr id="29" name="PlaceHolder 2"/>
+            <a:pPr algn="ctr"/>
+            <a:endParaRPr b="0" lang="en-US" sz="4400" spc="-1" strike="noStrike">
+              <a:solidFill>
+                <a:srgbClr val="000000"/>
+              </a:solidFill>
+              <a:uFill>
+                <a:solidFill>
+                  <a:srgbClr val="ffffff"/>
+                </a:solidFill>
+              </a:uFill>
+              <a:latin typeface="Arial"/>
+            </a:endParaRPr>
+          </a:p>
+        </p:txBody>
+      </p:sp>
+      <p:sp>
+        <p:nvSpPr>
+          <p:cNvPr id="26" name="PlaceHolder 2"/>
           <p:cNvSpPr>
             <a:spLocks noGrp="1"/>
           </p:cNvSpPr>
@@ -1083,23 +1120,23 @@
             <a:normAutofit/>
           </a:bodyPr>
           <a:p>
-            <a:endParaRPr b="0" lang="en-US" sz="2000" spc="-1" strike="noStrike" cap="all">
-              <a:solidFill>
-                <a:srgbClr val="000000"/>
-              </a:solidFill>
-              <a:uFill>
-                <a:solidFill>
-                  <a:srgbClr val="ffffff"/>
-                </a:solidFill>
-              </a:uFill>
-              <a:latin typeface="Tw Cen MT"/>
-            </a:endParaRPr>
-          </a:p>
-        </p:txBody>
-      </p:sp>
-      <p:sp>
-        <p:nvSpPr>
-          <p:cNvPr id="30" name="PlaceHolder 3"/>
+            <a:endParaRPr b="0" lang="en-US" sz="3200" spc="-1" strike="noStrike">
+              <a:solidFill>
+                <a:srgbClr val="000000"/>
+              </a:solidFill>
+              <a:uFill>
+                <a:solidFill>
+                  <a:srgbClr val="ffffff"/>
+                </a:solidFill>
+              </a:uFill>
+              <a:latin typeface="Arial"/>
+            </a:endParaRPr>
+          </a:p>
+        </p:txBody>
+      </p:sp>
+      <p:sp>
+        <p:nvSpPr>
+          <p:cNvPr id="27" name="PlaceHolder 3"/>
           <p:cNvSpPr>
             <a:spLocks noGrp="1"/>
           </p:cNvSpPr>
@@ -1121,16 +1158,16 @@
             <a:normAutofit/>
           </a:bodyPr>
           <a:p>
-            <a:endParaRPr b="0" lang="en-US" sz="2000" spc="-1" strike="noStrike" cap="all">
-              <a:solidFill>
-                <a:srgbClr val="000000"/>
-              </a:solidFill>
-              <a:uFill>
-                <a:solidFill>
-                  <a:srgbClr val="ffffff"/>
-                </a:solidFill>
-              </a:uFill>
-              <a:latin typeface="Tw Cen MT"/>
+            <a:endParaRPr b="0" lang="en-US" sz="3200" spc="-1" strike="noStrike">
+              <a:solidFill>
+                <a:srgbClr val="000000"/>
+              </a:solidFill>
+              <a:uFill>
+                <a:solidFill>
+                  <a:srgbClr val="ffffff"/>
+                </a:solidFill>
+              </a:uFill>
+              <a:latin typeface="Arial"/>
             </a:endParaRPr>
           </a:p>
         </p:txBody>
@@ -1159,7 +1196,7 @@
       </p:grpSpPr>
       <p:sp>
         <p:nvSpPr>
-          <p:cNvPr id="31" name="PlaceHolder 1"/>
+          <p:cNvPr id="28" name="PlaceHolder 1"/>
           <p:cNvSpPr>
             <a:spLocks noGrp="1"/>
           </p:cNvSpPr>
@@ -1170,7 +1207,7 @@
         <p:spPr>
           <a:xfrm>
             <a:off x="913680" y="618480"/>
-            <a:ext cx="10364040" cy="1595880"/>
+            <a:ext cx="10363680" cy="1595520"/>
           </a:xfrm>
           <a:prstGeom prst="rect">
             <a:avLst/>
@@ -1179,23 +1216,24 @@
         <p:txBody>
           <a:bodyPr lIns="0" rIns="0" tIns="0" bIns="0" anchor="ctr"/>
           <a:p>
-            <a:endParaRPr b="0" lang="en-US" sz="1800" spc="-1" strike="noStrike">
-              <a:solidFill>
-                <a:srgbClr val="000000"/>
-              </a:solidFill>
-              <a:uFill>
-                <a:solidFill>
-                  <a:srgbClr val="ffffff"/>
-                </a:solidFill>
-              </a:uFill>
-              <a:latin typeface="Tw Cen MT"/>
-            </a:endParaRPr>
-          </a:p>
-        </p:txBody>
-      </p:sp>
-      <p:sp>
-        <p:nvSpPr>
-          <p:cNvPr id="32" name="PlaceHolder 2"/>
+            <a:pPr algn="ctr"/>
+            <a:endParaRPr b="0" lang="en-US" sz="4400" spc="-1" strike="noStrike">
+              <a:solidFill>
+                <a:srgbClr val="000000"/>
+              </a:solidFill>
+              <a:uFill>
+                <a:solidFill>
+                  <a:srgbClr val="ffffff"/>
+                </a:solidFill>
+              </a:uFill>
+              <a:latin typeface="Arial"/>
+            </a:endParaRPr>
+          </a:p>
+        </p:txBody>
+      </p:sp>
+      <p:sp>
+        <p:nvSpPr>
+          <p:cNvPr id="29" name="PlaceHolder 2"/>
           <p:cNvSpPr>
             <a:spLocks noGrp="1"/>
           </p:cNvSpPr>
@@ -1217,23 +1255,23 @@
             <a:normAutofit/>
           </a:bodyPr>
           <a:p>
-            <a:endParaRPr b="0" lang="en-US" sz="2000" spc="-1" strike="noStrike" cap="all">
-              <a:solidFill>
-                <a:srgbClr val="000000"/>
-              </a:solidFill>
-              <a:uFill>
-                <a:solidFill>
-                  <a:srgbClr val="ffffff"/>
-                </a:solidFill>
-              </a:uFill>
-              <a:latin typeface="Tw Cen MT"/>
-            </a:endParaRPr>
-          </a:p>
-        </p:txBody>
-      </p:sp>
-      <p:sp>
-        <p:nvSpPr>
-          <p:cNvPr id="33" name="PlaceHolder 3"/>
+            <a:endParaRPr b="0" lang="en-US" sz="3200" spc="-1" strike="noStrike">
+              <a:solidFill>
+                <a:srgbClr val="000000"/>
+              </a:solidFill>
+              <a:uFill>
+                <a:solidFill>
+                  <a:srgbClr val="ffffff"/>
+                </a:solidFill>
+              </a:uFill>
+              <a:latin typeface="Arial"/>
+            </a:endParaRPr>
+          </a:p>
+        </p:txBody>
+      </p:sp>
+      <p:sp>
+        <p:nvSpPr>
+          <p:cNvPr id="30" name="PlaceHolder 3"/>
           <p:cNvSpPr>
             <a:spLocks noGrp="1"/>
           </p:cNvSpPr>
@@ -1255,23 +1293,23 @@
             <a:normAutofit/>
           </a:bodyPr>
           <a:p>
-            <a:endParaRPr b="0" lang="en-US" sz="2000" spc="-1" strike="noStrike" cap="all">
-              <a:solidFill>
-                <a:srgbClr val="000000"/>
-              </a:solidFill>
-              <a:uFill>
-                <a:solidFill>
-                  <a:srgbClr val="ffffff"/>
-                </a:solidFill>
-              </a:uFill>
-              <a:latin typeface="Tw Cen MT"/>
-            </a:endParaRPr>
-          </a:p>
-        </p:txBody>
-      </p:sp>
-      <p:sp>
-        <p:nvSpPr>
-          <p:cNvPr id="34" name="PlaceHolder 4"/>
+            <a:endParaRPr b="0" lang="en-US" sz="3200" spc="-1" strike="noStrike">
+              <a:solidFill>
+                <a:srgbClr val="000000"/>
+              </a:solidFill>
+              <a:uFill>
+                <a:solidFill>
+                  <a:srgbClr val="ffffff"/>
+                </a:solidFill>
+              </a:uFill>
+              <a:latin typeface="Arial"/>
+            </a:endParaRPr>
+          </a:p>
+        </p:txBody>
+      </p:sp>
+      <p:sp>
+        <p:nvSpPr>
+          <p:cNvPr id="31" name="PlaceHolder 4"/>
           <p:cNvSpPr>
             <a:spLocks noGrp="1"/>
           </p:cNvSpPr>
@@ -1293,23 +1331,23 @@
             <a:normAutofit/>
           </a:bodyPr>
           <a:p>
-            <a:endParaRPr b="0" lang="en-US" sz="2000" spc="-1" strike="noStrike" cap="all">
-              <a:solidFill>
-                <a:srgbClr val="000000"/>
-              </a:solidFill>
-              <a:uFill>
-                <a:solidFill>
-                  <a:srgbClr val="ffffff"/>
-                </a:solidFill>
-              </a:uFill>
-              <a:latin typeface="Tw Cen MT"/>
-            </a:endParaRPr>
-          </a:p>
-        </p:txBody>
-      </p:sp>
-      <p:sp>
-        <p:nvSpPr>
-          <p:cNvPr id="35" name="PlaceHolder 5"/>
+            <a:endParaRPr b="0" lang="en-US" sz="3200" spc="-1" strike="noStrike">
+              <a:solidFill>
+                <a:srgbClr val="000000"/>
+              </a:solidFill>
+              <a:uFill>
+                <a:solidFill>
+                  <a:srgbClr val="ffffff"/>
+                </a:solidFill>
+              </a:uFill>
+              <a:latin typeface="Arial"/>
+            </a:endParaRPr>
+          </a:p>
+        </p:txBody>
+      </p:sp>
+      <p:sp>
+        <p:nvSpPr>
+          <p:cNvPr id="32" name="PlaceHolder 5"/>
           <p:cNvSpPr>
             <a:spLocks noGrp="1"/>
           </p:cNvSpPr>
@@ -1331,16 +1369,16 @@
             <a:normAutofit/>
           </a:bodyPr>
           <a:p>
-            <a:endParaRPr b="0" lang="en-US" sz="2000" spc="-1" strike="noStrike" cap="all">
-              <a:solidFill>
-                <a:srgbClr val="000000"/>
-              </a:solidFill>
-              <a:uFill>
-                <a:solidFill>
-                  <a:srgbClr val="ffffff"/>
-                </a:solidFill>
-              </a:uFill>
-              <a:latin typeface="Tw Cen MT"/>
+            <a:endParaRPr b="0" lang="en-US" sz="3200" spc="-1" strike="noStrike">
+              <a:solidFill>
+                <a:srgbClr val="000000"/>
+              </a:solidFill>
+              <a:uFill>
+                <a:solidFill>
+                  <a:srgbClr val="ffffff"/>
+                </a:solidFill>
+              </a:uFill>
+              <a:latin typeface="Arial"/>
             </a:endParaRPr>
           </a:p>
         </p:txBody>
@@ -1369,7 +1407,7 @@
       </p:grpSpPr>
       <p:sp>
         <p:nvSpPr>
-          <p:cNvPr id="36" name="PlaceHolder 1"/>
+          <p:cNvPr id="33" name="PlaceHolder 1"/>
           <p:cNvSpPr>
             <a:spLocks noGrp="1"/>
           </p:cNvSpPr>
@@ -1380,7 +1418,7 @@
         <p:spPr>
           <a:xfrm>
             <a:off x="913680" y="618480"/>
-            <a:ext cx="10364040" cy="1595880"/>
+            <a:ext cx="10363680" cy="1595520"/>
           </a:xfrm>
           <a:prstGeom prst="rect">
             <a:avLst/>
@@ -1389,23 +1427,24 @@
         <p:txBody>
           <a:bodyPr lIns="0" rIns="0" tIns="0" bIns="0" anchor="ctr"/>
           <a:p>
-            <a:endParaRPr b="0" lang="en-US" sz="1800" spc="-1" strike="noStrike">
-              <a:solidFill>
-                <a:srgbClr val="000000"/>
-              </a:solidFill>
-              <a:uFill>
-                <a:solidFill>
-                  <a:srgbClr val="ffffff"/>
-                </a:solidFill>
-              </a:uFill>
-              <a:latin typeface="Tw Cen MT"/>
-            </a:endParaRPr>
-          </a:p>
-        </p:txBody>
-      </p:sp>
-      <p:sp>
-        <p:nvSpPr>
-          <p:cNvPr id="37" name="PlaceHolder 2"/>
+            <a:pPr algn="ctr"/>
+            <a:endParaRPr b="0" lang="en-US" sz="4400" spc="-1" strike="noStrike">
+              <a:solidFill>
+                <a:srgbClr val="000000"/>
+              </a:solidFill>
+              <a:uFill>
+                <a:solidFill>
+                  <a:srgbClr val="ffffff"/>
+                </a:solidFill>
+              </a:uFill>
+              <a:latin typeface="Arial"/>
+            </a:endParaRPr>
+          </a:p>
+        </p:txBody>
+      </p:sp>
+      <p:sp>
+        <p:nvSpPr>
+          <p:cNvPr id="34" name="PlaceHolder 2"/>
           <p:cNvSpPr>
             <a:spLocks noGrp="1"/>
           </p:cNvSpPr>
@@ -1427,23 +1466,23 @@
             <a:normAutofit/>
           </a:bodyPr>
           <a:p>
-            <a:endParaRPr b="0" lang="en-US" sz="2000" spc="-1" strike="noStrike" cap="all">
-              <a:solidFill>
-                <a:srgbClr val="000000"/>
-              </a:solidFill>
-              <a:uFill>
-                <a:solidFill>
-                  <a:srgbClr val="ffffff"/>
-                </a:solidFill>
-              </a:uFill>
-              <a:latin typeface="Tw Cen MT"/>
-            </a:endParaRPr>
-          </a:p>
-        </p:txBody>
-      </p:sp>
-      <p:sp>
-        <p:nvSpPr>
-          <p:cNvPr id="38" name="PlaceHolder 3"/>
+            <a:endParaRPr b="0" lang="en-US" sz="3200" spc="-1" strike="noStrike">
+              <a:solidFill>
+                <a:srgbClr val="000000"/>
+              </a:solidFill>
+              <a:uFill>
+                <a:solidFill>
+                  <a:srgbClr val="ffffff"/>
+                </a:solidFill>
+              </a:uFill>
+              <a:latin typeface="Arial"/>
+            </a:endParaRPr>
+          </a:p>
+        </p:txBody>
+      </p:sp>
+      <p:sp>
+        <p:nvSpPr>
+          <p:cNvPr id="35" name="PlaceHolder 3"/>
           <p:cNvSpPr>
             <a:spLocks noGrp="1"/>
           </p:cNvSpPr>
@@ -1465,23 +1504,23 @@
             <a:normAutofit/>
           </a:bodyPr>
           <a:p>
-            <a:endParaRPr b="0" lang="en-US" sz="2000" spc="-1" strike="noStrike" cap="all">
-              <a:solidFill>
-                <a:srgbClr val="000000"/>
-              </a:solidFill>
-              <a:uFill>
-                <a:solidFill>
-                  <a:srgbClr val="ffffff"/>
-                </a:solidFill>
-              </a:uFill>
-              <a:latin typeface="Tw Cen MT"/>
-            </a:endParaRPr>
-          </a:p>
-        </p:txBody>
-      </p:sp>
-      <p:sp>
-        <p:nvSpPr>
-          <p:cNvPr id="39" name="PlaceHolder 4"/>
+            <a:endParaRPr b="0" lang="en-US" sz="3200" spc="-1" strike="noStrike">
+              <a:solidFill>
+                <a:srgbClr val="000000"/>
+              </a:solidFill>
+              <a:uFill>
+                <a:solidFill>
+                  <a:srgbClr val="ffffff"/>
+                </a:solidFill>
+              </a:uFill>
+              <a:latin typeface="Arial"/>
+            </a:endParaRPr>
+          </a:p>
+        </p:txBody>
+      </p:sp>
+      <p:sp>
+        <p:nvSpPr>
+          <p:cNvPr id="36" name="PlaceHolder 4"/>
           <p:cNvSpPr>
             <a:spLocks noGrp="1"/>
           </p:cNvSpPr>
@@ -1503,23 +1542,23 @@
             <a:normAutofit/>
           </a:bodyPr>
           <a:p>
-            <a:endParaRPr b="0" lang="en-US" sz="2000" spc="-1" strike="noStrike" cap="all">
-              <a:solidFill>
-                <a:srgbClr val="000000"/>
-              </a:solidFill>
-              <a:uFill>
-                <a:solidFill>
-                  <a:srgbClr val="ffffff"/>
-                </a:solidFill>
-              </a:uFill>
-              <a:latin typeface="Tw Cen MT"/>
-            </a:endParaRPr>
-          </a:p>
-        </p:txBody>
-      </p:sp>
-      <p:sp>
-        <p:nvSpPr>
-          <p:cNvPr id="40" name="PlaceHolder 5"/>
+            <a:endParaRPr b="0" lang="en-US" sz="3200" spc="-1" strike="noStrike">
+              <a:solidFill>
+                <a:srgbClr val="000000"/>
+              </a:solidFill>
+              <a:uFill>
+                <a:solidFill>
+                  <a:srgbClr val="ffffff"/>
+                </a:solidFill>
+              </a:uFill>
+              <a:latin typeface="Arial"/>
+            </a:endParaRPr>
+          </a:p>
+        </p:txBody>
+      </p:sp>
+      <p:sp>
+        <p:nvSpPr>
+          <p:cNvPr id="37" name="PlaceHolder 5"/>
           <p:cNvSpPr>
             <a:spLocks noGrp="1"/>
           </p:cNvSpPr>
@@ -1541,23 +1580,23 @@
             <a:normAutofit/>
           </a:bodyPr>
           <a:p>
-            <a:endParaRPr b="0" lang="en-US" sz="2000" spc="-1" strike="noStrike" cap="all">
-              <a:solidFill>
-                <a:srgbClr val="000000"/>
-              </a:solidFill>
-              <a:uFill>
-                <a:solidFill>
-                  <a:srgbClr val="ffffff"/>
-                </a:solidFill>
-              </a:uFill>
-              <a:latin typeface="Tw Cen MT"/>
-            </a:endParaRPr>
-          </a:p>
-        </p:txBody>
-      </p:sp>
-      <p:sp>
-        <p:nvSpPr>
-          <p:cNvPr id="41" name="PlaceHolder 6"/>
+            <a:endParaRPr b="0" lang="en-US" sz="3200" spc="-1" strike="noStrike">
+              <a:solidFill>
+                <a:srgbClr val="000000"/>
+              </a:solidFill>
+              <a:uFill>
+                <a:solidFill>
+                  <a:srgbClr val="ffffff"/>
+                </a:solidFill>
+              </a:uFill>
+              <a:latin typeface="Arial"/>
+            </a:endParaRPr>
+          </a:p>
+        </p:txBody>
+      </p:sp>
+      <p:sp>
+        <p:nvSpPr>
+          <p:cNvPr id="38" name="PlaceHolder 6"/>
           <p:cNvSpPr>
             <a:spLocks noGrp="1"/>
           </p:cNvSpPr>
@@ -1579,23 +1618,23 @@
             <a:normAutofit/>
           </a:bodyPr>
           <a:p>
-            <a:endParaRPr b="0" lang="en-US" sz="2000" spc="-1" strike="noStrike" cap="all">
-              <a:solidFill>
-                <a:srgbClr val="000000"/>
-              </a:solidFill>
-              <a:uFill>
-                <a:solidFill>
-                  <a:srgbClr val="ffffff"/>
-                </a:solidFill>
-              </a:uFill>
-              <a:latin typeface="Tw Cen MT"/>
-            </a:endParaRPr>
-          </a:p>
-        </p:txBody>
-      </p:sp>
-      <p:sp>
-        <p:nvSpPr>
-          <p:cNvPr id="42" name="PlaceHolder 7"/>
+            <a:endParaRPr b="0" lang="en-US" sz="3200" spc="-1" strike="noStrike">
+              <a:solidFill>
+                <a:srgbClr val="000000"/>
+              </a:solidFill>
+              <a:uFill>
+                <a:solidFill>
+                  <a:srgbClr val="ffffff"/>
+                </a:solidFill>
+              </a:uFill>
+              <a:latin typeface="Arial"/>
+            </a:endParaRPr>
+          </a:p>
+        </p:txBody>
+      </p:sp>
+      <p:sp>
+        <p:nvSpPr>
+          <p:cNvPr id="39" name="PlaceHolder 7"/>
           <p:cNvSpPr>
             <a:spLocks noGrp="1"/>
           </p:cNvSpPr>
@@ -1617,16 +1656,16 @@
             <a:normAutofit/>
           </a:bodyPr>
           <a:p>
-            <a:endParaRPr b="0" lang="en-US" sz="2000" spc="-1" strike="noStrike" cap="all">
-              <a:solidFill>
-                <a:srgbClr val="000000"/>
-              </a:solidFill>
-              <a:uFill>
-                <a:solidFill>
-                  <a:srgbClr val="ffffff"/>
-                </a:solidFill>
-              </a:uFill>
-              <a:latin typeface="Tw Cen MT"/>
+            <a:endParaRPr b="0" lang="en-US" sz="3200" spc="-1" strike="noStrike">
+              <a:solidFill>
+                <a:srgbClr val="000000"/>
+              </a:solidFill>
+              <a:uFill>
+                <a:solidFill>
+                  <a:srgbClr val="ffffff"/>
+                </a:solidFill>
+              </a:uFill>
+              <a:latin typeface="Arial"/>
             </a:endParaRPr>
           </a:p>
         </p:txBody>
@@ -1677,7 +1716,7 @@
       </p:grpSpPr>
       <p:sp>
         <p:nvSpPr>
-          <p:cNvPr id="50" name="PlaceHolder 1"/>
+          <p:cNvPr id="44" name="PlaceHolder 1"/>
           <p:cNvSpPr>
             <a:spLocks noGrp="1"/>
           </p:cNvSpPr>
@@ -1688,7 +1727,7 @@
         <p:spPr>
           <a:xfrm>
             <a:off x="913680" y="618480"/>
-            <a:ext cx="10364040" cy="1595880"/>
+            <a:ext cx="10363680" cy="1595520"/>
           </a:xfrm>
           <a:prstGeom prst="rect">
             <a:avLst/>
@@ -1697,23 +1736,24 @@
         <p:txBody>
           <a:bodyPr lIns="0" rIns="0" tIns="0" bIns="0" anchor="ctr"/>
           <a:p>
-            <a:endParaRPr b="0" lang="en-US" sz="1800" spc="-1" strike="noStrike">
-              <a:solidFill>
-                <a:srgbClr val="000000"/>
-              </a:solidFill>
-              <a:uFill>
-                <a:solidFill>
-                  <a:srgbClr val="ffffff"/>
-                </a:solidFill>
-              </a:uFill>
-              <a:latin typeface="Tw Cen MT"/>
-            </a:endParaRPr>
-          </a:p>
-        </p:txBody>
-      </p:sp>
-      <p:sp>
-        <p:nvSpPr>
-          <p:cNvPr id="51" name="PlaceHolder 2"/>
+            <a:pPr algn="ctr"/>
+            <a:endParaRPr b="0" lang="en-US" sz="4400" spc="-1" strike="noStrike">
+              <a:solidFill>
+                <a:srgbClr val="000000"/>
+              </a:solidFill>
+              <a:uFill>
+                <a:solidFill>
+                  <a:srgbClr val="ffffff"/>
+                </a:solidFill>
+              </a:uFill>
+              <a:latin typeface="Arial"/>
+            </a:endParaRPr>
+          </a:p>
+        </p:txBody>
+      </p:sp>
+      <p:sp>
+        <p:nvSpPr>
+          <p:cNvPr id="45" name="PlaceHolder 2"/>
           <p:cNvSpPr>
             <a:spLocks noGrp="1"/>
           </p:cNvSpPr>
@@ -1772,7 +1812,7 @@
       </p:grpSpPr>
       <p:sp>
         <p:nvSpPr>
-          <p:cNvPr id="52" name="PlaceHolder 1"/>
+          <p:cNvPr id="46" name="PlaceHolder 1"/>
           <p:cNvSpPr>
             <a:spLocks noGrp="1"/>
           </p:cNvSpPr>
@@ -1783,7 +1823,7 @@
         <p:spPr>
           <a:xfrm>
             <a:off x="913680" y="618480"/>
-            <a:ext cx="10364040" cy="1595880"/>
+            <a:ext cx="10363680" cy="1595520"/>
           </a:xfrm>
           <a:prstGeom prst="rect">
             <a:avLst/>
@@ -1792,23 +1832,24 @@
         <p:txBody>
           <a:bodyPr lIns="0" rIns="0" tIns="0" bIns="0" anchor="ctr"/>
           <a:p>
-            <a:endParaRPr b="0" lang="en-US" sz="1800" spc="-1" strike="noStrike">
-              <a:solidFill>
-                <a:srgbClr val="000000"/>
-              </a:solidFill>
-              <a:uFill>
-                <a:solidFill>
-                  <a:srgbClr val="ffffff"/>
-                </a:solidFill>
-              </a:uFill>
-              <a:latin typeface="Tw Cen MT"/>
-            </a:endParaRPr>
-          </a:p>
-        </p:txBody>
-      </p:sp>
-      <p:sp>
-        <p:nvSpPr>
-          <p:cNvPr id="53" name="PlaceHolder 2"/>
+            <a:pPr algn="ctr"/>
+            <a:endParaRPr b="0" lang="en-US" sz="4400" spc="-1" strike="noStrike">
+              <a:solidFill>
+                <a:srgbClr val="000000"/>
+              </a:solidFill>
+              <a:uFill>
+                <a:solidFill>
+                  <a:srgbClr val="ffffff"/>
+                </a:solidFill>
+              </a:uFill>
+              <a:latin typeface="Arial"/>
+            </a:endParaRPr>
+          </a:p>
+        </p:txBody>
+      </p:sp>
+      <p:sp>
+        <p:nvSpPr>
+          <p:cNvPr id="47" name="PlaceHolder 2"/>
           <p:cNvSpPr>
             <a:spLocks noGrp="1"/>
           </p:cNvSpPr>
@@ -1830,16 +1871,16 @@
             <a:normAutofit/>
           </a:bodyPr>
           <a:p>
-            <a:endParaRPr b="0" lang="en-US" sz="2000" spc="-1" strike="noStrike" cap="all">
-              <a:solidFill>
-                <a:srgbClr val="000000"/>
-              </a:solidFill>
-              <a:uFill>
-                <a:solidFill>
-                  <a:srgbClr val="ffffff"/>
-                </a:solidFill>
-              </a:uFill>
-              <a:latin typeface="Tw Cen MT"/>
+            <a:endParaRPr b="0" lang="en-US" sz="3200" spc="-1" strike="noStrike">
+              <a:solidFill>
+                <a:srgbClr val="000000"/>
+              </a:solidFill>
+              <a:uFill>
+                <a:solidFill>
+                  <a:srgbClr val="ffffff"/>
+                </a:solidFill>
+              </a:uFill>
+              <a:latin typeface="Arial"/>
             </a:endParaRPr>
           </a:p>
         </p:txBody>
@@ -1868,7 +1909,7 @@
       </p:grpSpPr>
       <p:sp>
         <p:nvSpPr>
-          <p:cNvPr id="54" name="PlaceHolder 1"/>
+          <p:cNvPr id="48" name="PlaceHolder 1"/>
           <p:cNvSpPr>
             <a:spLocks noGrp="1"/>
           </p:cNvSpPr>
@@ -1879,7 +1920,7 @@
         <p:spPr>
           <a:xfrm>
             <a:off x="913680" y="618480"/>
-            <a:ext cx="10364040" cy="1595880"/>
+            <a:ext cx="10363680" cy="1595520"/>
           </a:xfrm>
           <a:prstGeom prst="rect">
             <a:avLst/>
@@ -1888,23 +1929,24 @@
         <p:txBody>
           <a:bodyPr lIns="0" rIns="0" tIns="0" bIns="0" anchor="ctr"/>
           <a:p>
-            <a:endParaRPr b="0" lang="en-US" sz="1800" spc="-1" strike="noStrike">
-              <a:solidFill>
-                <a:srgbClr val="000000"/>
-              </a:solidFill>
-              <a:uFill>
-                <a:solidFill>
-                  <a:srgbClr val="ffffff"/>
-                </a:solidFill>
-              </a:uFill>
-              <a:latin typeface="Tw Cen MT"/>
-            </a:endParaRPr>
-          </a:p>
-        </p:txBody>
-      </p:sp>
-      <p:sp>
-        <p:nvSpPr>
-          <p:cNvPr id="55" name="PlaceHolder 2"/>
+            <a:pPr algn="ctr"/>
+            <a:endParaRPr b="0" lang="en-US" sz="4400" spc="-1" strike="noStrike">
+              <a:solidFill>
+                <a:srgbClr val="000000"/>
+              </a:solidFill>
+              <a:uFill>
+                <a:solidFill>
+                  <a:srgbClr val="ffffff"/>
+                </a:solidFill>
+              </a:uFill>
+              <a:latin typeface="Arial"/>
+            </a:endParaRPr>
+          </a:p>
+        </p:txBody>
+      </p:sp>
+      <p:sp>
+        <p:nvSpPr>
+          <p:cNvPr id="49" name="PlaceHolder 2"/>
           <p:cNvSpPr>
             <a:spLocks noGrp="1"/>
           </p:cNvSpPr>
@@ -1926,23 +1968,23 @@
             <a:normAutofit/>
           </a:bodyPr>
           <a:p>
-            <a:endParaRPr b="0" lang="en-US" sz="2000" spc="-1" strike="noStrike" cap="all">
-              <a:solidFill>
-                <a:srgbClr val="000000"/>
-              </a:solidFill>
-              <a:uFill>
-                <a:solidFill>
-                  <a:srgbClr val="ffffff"/>
-                </a:solidFill>
-              </a:uFill>
-              <a:latin typeface="Tw Cen MT"/>
-            </a:endParaRPr>
-          </a:p>
-        </p:txBody>
-      </p:sp>
-      <p:sp>
-        <p:nvSpPr>
-          <p:cNvPr id="56" name="PlaceHolder 3"/>
+            <a:endParaRPr b="0" lang="en-US" sz="3200" spc="-1" strike="noStrike">
+              <a:solidFill>
+                <a:srgbClr val="000000"/>
+              </a:solidFill>
+              <a:uFill>
+                <a:solidFill>
+                  <a:srgbClr val="ffffff"/>
+                </a:solidFill>
+              </a:uFill>
+              <a:latin typeface="Arial"/>
+            </a:endParaRPr>
+          </a:p>
+        </p:txBody>
+      </p:sp>
+      <p:sp>
+        <p:nvSpPr>
+          <p:cNvPr id="50" name="PlaceHolder 3"/>
           <p:cNvSpPr>
             <a:spLocks noGrp="1"/>
           </p:cNvSpPr>
@@ -1964,16 +2006,16 @@
             <a:normAutofit/>
           </a:bodyPr>
           <a:p>
-            <a:endParaRPr b="0" lang="en-US" sz="2000" spc="-1" strike="noStrike" cap="all">
-              <a:solidFill>
-                <a:srgbClr val="000000"/>
-              </a:solidFill>
-              <a:uFill>
-                <a:solidFill>
-                  <a:srgbClr val="ffffff"/>
-                </a:solidFill>
-              </a:uFill>
-              <a:latin typeface="Tw Cen MT"/>
+            <a:endParaRPr b="0" lang="en-US" sz="3200" spc="-1" strike="noStrike">
+              <a:solidFill>
+                <a:srgbClr val="000000"/>
+              </a:solidFill>
+              <a:uFill>
+                <a:solidFill>
+                  <a:srgbClr val="ffffff"/>
+                </a:solidFill>
+              </a:uFill>
+              <a:latin typeface="Arial"/>
             </a:endParaRPr>
           </a:p>
         </p:txBody>
@@ -2002,7 +2044,7 @@
       </p:grpSpPr>
       <p:sp>
         <p:nvSpPr>
-          <p:cNvPr id="57" name="PlaceHolder 1"/>
+          <p:cNvPr id="51" name="PlaceHolder 1"/>
           <p:cNvSpPr>
             <a:spLocks noGrp="1"/>
           </p:cNvSpPr>
@@ -2013,7 +2055,7 @@
         <p:spPr>
           <a:xfrm>
             <a:off x="913680" y="618480"/>
-            <a:ext cx="10364040" cy="1595880"/>
+            <a:ext cx="10363680" cy="1595520"/>
           </a:xfrm>
           <a:prstGeom prst="rect">
             <a:avLst/>
@@ -2022,16 +2064,17 @@
         <p:txBody>
           <a:bodyPr lIns="0" rIns="0" tIns="0" bIns="0" anchor="ctr"/>
           <a:p>
-            <a:endParaRPr b="0" lang="en-US" sz="1800" spc="-1" strike="noStrike">
-              <a:solidFill>
-                <a:srgbClr val="000000"/>
-              </a:solidFill>
-              <a:uFill>
-                <a:solidFill>
-                  <a:srgbClr val="ffffff"/>
-                </a:solidFill>
-              </a:uFill>
-              <a:latin typeface="Tw Cen MT"/>
+            <a:pPr algn="ctr"/>
+            <a:endParaRPr b="0" lang="en-US" sz="4400" spc="-1" strike="noStrike">
+              <a:solidFill>
+                <a:srgbClr val="000000"/>
+              </a:solidFill>
+              <a:uFill>
+                <a:solidFill>
+                  <a:srgbClr val="ffffff"/>
+                </a:solidFill>
+              </a:uFill>
+              <a:latin typeface="Arial"/>
             </a:endParaRPr>
           </a:p>
         </p:txBody>
@@ -2060,7 +2103,7 @@
       </p:grpSpPr>
       <p:sp>
         <p:nvSpPr>
-          <p:cNvPr id="58" name="PlaceHolder 1"/>
+          <p:cNvPr id="52" name="PlaceHolder 1"/>
           <p:cNvSpPr>
             <a:spLocks noGrp="1"/>
           </p:cNvSpPr>
@@ -2071,7 +2114,7 @@
         <p:spPr>
           <a:xfrm>
             <a:off x="913680" y="618480"/>
-            <a:ext cx="10364040" cy="7398720"/>
+            <a:ext cx="10363680" cy="7397280"/>
           </a:xfrm>
           <a:prstGeom prst="rect">
             <a:avLst/>
@@ -2119,7 +2162,7 @@
       </p:grpSpPr>
       <p:sp>
         <p:nvSpPr>
-          <p:cNvPr id="59" name="PlaceHolder 1"/>
+          <p:cNvPr id="53" name="PlaceHolder 1"/>
           <p:cNvSpPr>
             <a:spLocks noGrp="1"/>
           </p:cNvSpPr>
@@ -2130,7 +2173,7 @@
         <p:spPr>
           <a:xfrm>
             <a:off x="913680" y="618480"/>
-            <a:ext cx="10364040" cy="1595880"/>
+            <a:ext cx="10363680" cy="1595520"/>
           </a:xfrm>
           <a:prstGeom prst="rect">
             <a:avLst/>
@@ -2139,23 +2182,24 @@
         <p:txBody>
           <a:bodyPr lIns="0" rIns="0" tIns="0" bIns="0" anchor="ctr"/>
           <a:p>
-            <a:endParaRPr b="0" lang="en-US" sz="1800" spc="-1" strike="noStrike">
-              <a:solidFill>
-                <a:srgbClr val="000000"/>
-              </a:solidFill>
-              <a:uFill>
-                <a:solidFill>
-                  <a:srgbClr val="ffffff"/>
-                </a:solidFill>
-              </a:uFill>
-              <a:latin typeface="Tw Cen MT"/>
-            </a:endParaRPr>
-          </a:p>
-        </p:txBody>
-      </p:sp>
-      <p:sp>
-        <p:nvSpPr>
-          <p:cNvPr id="60" name="PlaceHolder 2"/>
+            <a:pPr algn="ctr"/>
+            <a:endParaRPr b="0" lang="en-US" sz="4400" spc="-1" strike="noStrike">
+              <a:solidFill>
+                <a:srgbClr val="000000"/>
+              </a:solidFill>
+              <a:uFill>
+                <a:solidFill>
+                  <a:srgbClr val="ffffff"/>
+                </a:solidFill>
+              </a:uFill>
+              <a:latin typeface="Arial"/>
+            </a:endParaRPr>
+          </a:p>
+        </p:txBody>
+      </p:sp>
+      <p:sp>
+        <p:nvSpPr>
+          <p:cNvPr id="54" name="PlaceHolder 2"/>
           <p:cNvSpPr>
             <a:spLocks noGrp="1"/>
           </p:cNvSpPr>
@@ -2177,23 +2221,23 @@
             <a:normAutofit/>
           </a:bodyPr>
           <a:p>
-            <a:endParaRPr b="0" lang="en-US" sz="2000" spc="-1" strike="noStrike" cap="all">
-              <a:solidFill>
-                <a:srgbClr val="000000"/>
-              </a:solidFill>
-              <a:uFill>
-                <a:solidFill>
-                  <a:srgbClr val="ffffff"/>
-                </a:solidFill>
-              </a:uFill>
-              <a:latin typeface="Tw Cen MT"/>
-            </a:endParaRPr>
-          </a:p>
-        </p:txBody>
-      </p:sp>
-      <p:sp>
-        <p:nvSpPr>
-          <p:cNvPr id="61" name="PlaceHolder 3"/>
+            <a:endParaRPr b="0" lang="en-US" sz="3200" spc="-1" strike="noStrike">
+              <a:solidFill>
+                <a:srgbClr val="000000"/>
+              </a:solidFill>
+              <a:uFill>
+                <a:solidFill>
+                  <a:srgbClr val="ffffff"/>
+                </a:solidFill>
+              </a:uFill>
+              <a:latin typeface="Arial"/>
+            </a:endParaRPr>
+          </a:p>
+        </p:txBody>
+      </p:sp>
+      <p:sp>
+        <p:nvSpPr>
+          <p:cNvPr id="55" name="PlaceHolder 3"/>
           <p:cNvSpPr>
             <a:spLocks noGrp="1"/>
           </p:cNvSpPr>
@@ -2215,23 +2259,23 @@
             <a:normAutofit/>
           </a:bodyPr>
           <a:p>
-            <a:endParaRPr b="0" lang="en-US" sz="2000" spc="-1" strike="noStrike" cap="all">
-              <a:solidFill>
-                <a:srgbClr val="000000"/>
-              </a:solidFill>
-              <a:uFill>
-                <a:solidFill>
-                  <a:srgbClr val="ffffff"/>
-                </a:solidFill>
-              </a:uFill>
-              <a:latin typeface="Tw Cen MT"/>
-            </a:endParaRPr>
-          </a:p>
-        </p:txBody>
-      </p:sp>
-      <p:sp>
-        <p:nvSpPr>
-          <p:cNvPr id="62" name="PlaceHolder 4"/>
+            <a:endParaRPr b="0" lang="en-US" sz="3200" spc="-1" strike="noStrike">
+              <a:solidFill>
+                <a:srgbClr val="000000"/>
+              </a:solidFill>
+              <a:uFill>
+                <a:solidFill>
+                  <a:srgbClr val="ffffff"/>
+                </a:solidFill>
+              </a:uFill>
+              <a:latin typeface="Arial"/>
+            </a:endParaRPr>
+          </a:p>
+        </p:txBody>
+      </p:sp>
+      <p:sp>
+        <p:nvSpPr>
+          <p:cNvPr id="56" name="PlaceHolder 4"/>
           <p:cNvSpPr>
             <a:spLocks noGrp="1"/>
           </p:cNvSpPr>
@@ -2253,16 +2297,16 @@
             <a:normAutofit/>
           </a:bodyPr>
           <a:p>
-            <a:endParaRPr b="0" lang="en-US" sz="2000" spc="-1" strike="noStrike" cap="all">
-              <a:solidFill>
-                <a:srgbClr val="000000"/>
-              </a:solidFill>
-              <a:uFill>
-                <a:solidFill>
-                  <a:srgbClr val="ffffff"/>
-                </a:solidFill>
-              </a:uFill>
-              <a:latin typeface="Tw Cen MT"/>
+            <a:endParaRPr b="0" lang="en-US" sz="3200" spc="-1" strike="noStrike">
+              <a:solidFill>
+                <a:srgbClr val="000000"/>
+              </a:solidFill>
+              <a:uFill>
+                <a:solidFill>
+                  <a:srgbClr val="ffffff"/>
+                </a:solidFill>
+              </a:uFill>
+              <a:latin typeface="Arial"/>
             </a:endParaRPr>
           </a:p>
         </p:txBody>
@@ -2291,7 +2335,7 @@
       </p:grpSpPr>
       <p:sp>
         <p:nvSpPr>
-          <p:cNvPr id="7" name="PlaceHolder 1"/>
+          <p:cNvPr id="4" name="PlaceHolder 1"/>
           <p:cNvSpPr>
             <a:spLocks noGrp="1"/>
           </p:cNvSpPr>
@@ -2302,7 +2346,7 @@
         <p:spPr>
           <a:xfrm>
             <a:off x="913680" y="618480"/>
-            <a:ext cx="10364040" cy="1595880"/>
+            <a:ext cx="10363680" cy="1595520"/>
           </a:xfrm>
           <a:prstGeom prst="rect">
             <a:avLst/>
@@ -2311,23 +2355,24 @@
         <p:txBody>
           <a:bodyPr lIns="0" rIns="0" tIns="0" bIns="0" anchor="ctr"/>
           <a:p>
-            <a:endParaRPr b="0" lang="en-US" sz="1800" spc="-1" strike="noStrike">
-              <a:solidFill>
-                <a:srgbClr val="000000"/>
-              </a:solidFill>
-              <a:uFill>
-                <a:solidFill>
-                  <a:srgbClr val="ffffff"/>
-                </a:solidFill>
-              </a:uFill>
-              <a:latin typeface="Tw Cen MT"/>
-            </a:endParaRPr>
-          </a:p>
-        </p:txBody>
-      </p:sp>
-      <p:sp>
-        <p:nvSpPr>
-          <p:cNvPr id="8" name="PlaceHolder 2"/>
+            <a:pPr algn="ctr"/>
+            <a:endParaRPr b="0" lang="en-US" sz="4400" spc="-1" strike="noStrike">
+              <a:solidFill>
+                <a:srgbClr val="000000"/>
+              </a:solidFill>
+              <a:uFill>
+                <a:solidFill>
+                  <a:srgbClr val="ffffff"/>
+                </a:solidFill>
+              </a:uFill>
+              <a:latin typeface="Arial"/>
+            </a:endParaRPr>
+          </a:p>
+        </p:txBody>
+      </p:sp>
+      <p:sp>
+        <p:nvSpPr>
+          <p:cNvPr id="5" name="PlaceHolder 2"/>
           <p:cNvSpPr>
             <a:spLocks noGrp="1"/>
           </p:cNvSpPr>
@@ -2386,7 +2431,7 @@
       </p:grpSpPr>
       <p:sp>
         <p:nvSpPr>
-          <p:cNvPr id="63" name="PlaceHolder 1"/>
+          <p:cNvPr id="57" name="PlaceHolder 1"/>
           <p:cNvSpPr>
             <a:spLocks noGrp="1"/>
           </p:cNvSpPr>
@@ -2397,7 +2442,7 @@
         <p:spPr>
           <a:xfrm>
             <a:off x="913680" y="618480"/>
-            <a:ext cx="10364040" cy="1595880"/>
+            <a:ext cx="10363680" cy="1595520"/>
           </a:xfrm>
           <a:prstGeom prst="rect">
             <a:avLst/>
@@ -2406,23 +2451,24 @@
         <p:txBody>
           <a:bodyPr lIns="0" rIns="0" tIns="0" bIns="0" anchor="ctr"/>
           <a:p>
-            <a:endParaRPr b="0" lang="en-US" sz="1800" spc="-1" strike="noStrike">
-              <a:solidFill>
-                <a:srgbClr val="000000"/>
-              </a:solidFill>
-              <a:uFill>
-                <a:solidFill>
-                  <a:srgbClr val="ffffff"/>
-                </a:solidFill>
-              </a:uFill>
-              <a:latin typeface="Tw Cen MT"/>
-            </a:endParaRPr>
-          </a:p>
-        </p:txBody>
-      </p:sp>
-      <p:sp>
-        <p:nvSpPr>
-          <p:cNvPr id="64" name="PlaceHolder 2"/>
+            <a:pPr algn="ctr"/>
+            <a:endParaRPr b="0" lang="en-US" sz="4400" spc="-1" strike="noStrike">
+              <a:solidFill>
+                <a:srgbClr val="000000"/>
+              </a:solidFill>
+              <a:uFill>
+                <a:solidFill>
+                  <a:srgbClr val="ffffff"/>
+                </a:solidFill>
+              </a:uFill>
+              <a:latin typeface="Arial"/>
+            </a:endParaRPr>
+          </a:p>
+        </p:txBody>
+      </p:sp>
+      <p:sp>
+        <p:nvSpPr>
+          <p:cNvPr id="58" name="PlaceHolder 2"/>
           <p:cNvSpPr>
             <a:spLocks noGrp="1"/>
           </p:cNvSpPr>
@@ -2444,23 +2490,23 @@
             <a:normAutofit/>
           </a:bodyPr>
           <a:p>
-            <a:endParaRPr b="0" lang="en-US" sz="2000" spc="-1" strike="noStrike" cap="all">
-              <a:solidFill>
-                <a:srgbClr val="000000"/>
-              </a:solidFill>
-              <a:uFill>
-                <a:solidFill>
-                  <a:srgbClr val="ffffff"/>
-                </a:solidFill>
-              </a:uFill>
-              <a:latin typeface="Tw Cen MT"/>
-            </a:endParaRPr>
-          </a:p>
-        </p:txBody>
-      </p:sp>
-      <p:sp>
-        <p:nvSpPr>
-          <p:cNvPr id="65" name="PlaceHolder 3"/>
+            <a:endParaRPr b="0" lang="en-US" sz="3200" spc="-1" strike="noStrike">
+              <a:solidFill>
+                <a:srgbClr val="000000"/>
+              </a:solidFill>
+              <a:uFill>
+                <a:solidFill>
+                  <a:srgbClr val="ffffff"/>
+                </a:solidFill>
+              </a:uFill>
+              <a:latin typeface="Arial"/>
+            </a:endParaRPr>
+          </a:p>
+        </p:txBody>
+      </p:sp>
+      <p:sp>
+        <p:nvSpPr>
+          <p:cNvPr id="59" name="PlaceHolder 3"/>
           <p:cNvSpPr>
             <a:spLocks noGrp="1"/>
           </p:cNvSpPr>
@@ -2482,23 +2528,23 @@
             <a:normAutofit/>
           </a:bodyPr>
           <a:p>
-            <a:endParaRPr b="0" lang="en-US" sz="2000" spc="-1" strike="noStrike" cap="all">
-              <a:solidFill>
-                <a:srgbClr val="000000"/>
-              </a:solidFill>
-              <a:uFill>
-                <a:solidFill>
-                  <a:srgbClr val="ffffff"/>
-                </a:solidFill>
-              </a:uFill>
-              <a:latin typeface="Tw Cen MT"/>
-            </a:endParaRPr>
-          </a:p>
-        </p:txBody>
-      </p:sp>
-      <p:sp>
-        <p:nvSpPr>
-          <p:cNvPr id="66" name="PlaceHolder 4"/>
+            <a:endParaRPr b="0" lang="en-US" sz="3200" spc="-1" strike="noStrike">
+              <a:solidFill>
+                <a:srgbClr val="000000"/>
+              </a:solidFill>
+              <a:uFill>
+                <a:solidFill>
+                  <a:srgbClr val="ffffff"/>
+                </a:solidFill>
+              </a:uFill>
+              <a:latin typeface="Arial"/>
+            </a:endParaRPr>
+          </a:p>
+        </p:txBody>
+      </p:sp>
+      <p:sp>
+        <p:nvSpPr>
+          <p:cNvPr id="60" name="PlaceHolder 4"/>
           <p:cNvSpPr>
             <a:spLocks noGrp="1"/>
           </p:cNvSpPr>
@@ -2520,16 +2566,16 @@
             <a:normAutofit/>
           </a:bodyPr>
           <a:p>
-            <a:endParaRPr b="0" lang="en-US" sz="2000" spc="-1" strike="noStrike" cap="all">
-              <a:solidFill>
-                <a:srgbClr val="000000"/>
-              </a:solidFill>
-              <a:uFill>
-                <a:solidFill>
-                  <a:srgbClr val="ffffff"/>
-                </a:solidFill>
-              </a:uFill>
-              <a:latin typeface="Tw Cen MT"/>
+            <a:endParaRPr b="0" lang="en-US" sz="3200" spc="-1" strike="noStrike">
+              <a:solidFill>
+                <a:srgbClr val="000000"/>
+              </a:solidFill>
+              <a:uFill>
+                <a:solidFill>
+                  <a:srgbClr val="ffffff"/>
+                </a:solidFill>
+              </a:uFill>
+              <a:latin typeface="Arial"/>
             </a:endParaRPr>
           </a:p>
         </p:txBody>
@@ -2558,7 +2604,7 @@
       </p:grpSpPr>
       <p:sp>
         <p:nvSpPr>
-          <p:cNvPr id="67" name="PlaceHolder 1"/>
+          <p:cNvPr id="61" name="PlaceHolder 1"/>
           <p:cNvSpPr>
             <a:spLocks noGrp="1"/>
           </p:cNvSpPr>
@@ -2569,7 +2615,7 @@
         <p:spPr>
           <a:xfrm>
             <a:off x="913680" y="618480"/>
-            <a:ext cx="10364040" cy="1595880"/>
+            <a:ext cx="10363680" cy="1595520"/>
           </a:xfrm>
           <a:prstGeom prst="rect">
             <a:avLst/>
@@ -2578,23 +2624,24 @@
         <p:txBody>
           <a:bodyPr lIns="0" rIns="0" tIns="0" bIns="0" anchor="ctr"/>
           <a:p>
-            <a:endParaRPr b="0" lang="en-US" sz="1800" spc="-1" strike="noStrike">
-              <a:solidFill>
-                <a:srgbClr val="000000"/>
-              </a:solidFill>
-              <a:uFill>
-                <a:solidFill>
-                  <a:srgbClr val="ffffff"/>
-                </a:solidFill>
-              </a:uFill>
-              <a:latin typeface="Tw Cen MT"/>
-            </a:endParaRPr>
-          </a:p>
-        </p:txBody>
-      </p:sp>
-      <p:sp>
-        <p:nvSpPr>
-          <p:cNvPr id="68" name="PlaceHolder 2"/>
+            <a:pPr algn="ctr"/>
+            <a:endParaRPr b="0" lang="en-US" sz="4400" spc="-1" strike="noStrike">
+              <a:solidFill>
+                <a:srgbClr val="000000"/>
+              </a:solidFill>
+              <a:uFill>
+                <a:solidFill>
+                  <a:srgbClr val="ffffff"/>
+                </a:solidFill>
+              </a:uFill>
+              <a:latin typeface="Arial"/>
+            </a:endParaRPr>
+          </a:p>
+        </p:txBody>
+      </p:sp>
+      <p:sp>
+        <p:nvSpPr>
+          <p:cNvPr id="62" name="PlaceHolder 2"/>
           <p:cNvSpPr>
             <a:spLocks noGrp="1"/>
           </p:cNvSpPr>
@@ -2616,23 +2663,23 @@
             <a:normAutofit/>
           </a:bodyPr>
           <a:p>
-            <a:endParaRPr b="0" lang="en-US" sz="2000" spc="-1" strike="noStrike" cap="all">
-              <a:solidFill>
-                <a:srgbClr val="000000"/>
-              </a:solidFill>
-              <a:uFill>
-                <a:solidFill>
-                  <a:srgbClr val="ffffff"/>
-                </a:solidFill>
-              </a:uFill>
-              <a:latin typeface="Tw Cen MT"/>
-            </a:endParaRPr>
-          </a:p>
-        </p:txBody>
-      </p:sp>
-      <p:sp>
-        <p:nvSpPr>
-          <p:cNvPr id="69" name="PlaceHolder 3"/>
+            <a:endParaRPr b="0" lang="en-US" sz="3200" spc="-1" strike="noStrike">
+              <a:solidFill>
+                <a:srgbClr val="000000"/>
+              </a:solidFill>
+              <a:uFill>
+                <a:solidFill>
+                  <a:srgbClr val="ffffff"/>
+                </a:solidFill>
+              </a:uFill>
+              <a:latin typeface="Arial"/>
+            </a:endParaRPr>
+          </a:p>
+        </p:txBody>
+      </p:sp>
+      <p:sp>
+        <p:nvSpPr>
+          <p:cNvPr id="63" name="PlaceHolder 3"/>
           <p:cNvSpPr>
             <a:spLocks noGrp="1"/>
           </p:cNvSpPr>
@@ -2654,23 +2701,23 @@
             <a:normAutofit/>
           </a:bodyPr>
           <a:p>
-            <a:endParaRPr b="0" lang="en-US" sz="2000" spc="-1" strike="noStrike" cap="all">
-              <a:solidFill>
-                <a:srgbClr val="000000"/>
-              </a:solidFill>
-              <a:uFill>
-                <a:solidFill>
-                  <a:srgbClr val="ffffff"/>
-                </a:solidFill>
-              </a:uFill>
-              <a:latin typeface="Tw Cen MT"/>
-            </a:endParaRPr>
-          </a:p>
-        </p:txBody>
-      </p:sp>
-      <p:sp>
-        <p:nvSpPr>
-          <p:cNvPr id="70" name="PlaceHolder 4"/>
+            <a:endParaRPr b="0" lang="en-US" sz="3200" spc="-1" strike="noStrike">
+              <a:solidFill>
+                <a:srgbClr val="000000"/>
+              </a:solidFill>
+              <a:uFill>
+                <a:solidFill>
+                  <a:srgbClr val="ffffff"/>
+                </a:solidFill>
+              </a:uFill>
+              <a:latin typeface="Arial"/>
+            </a:endParaRPr>
+          </a:p>
+        </p:txBody>
+      </p:sp>
+      <p:sp>
+        <p:nvSpPr>
+          <p:cNvPr id="64" name="PlaceHolder 4"/>
           <p:cNvSpPr>
             <a:spLocks noGrp="1"/>
           </p:cNvSpPr>
@@ -2692,16 +2739,16 @@
             <a:normAutofit/>
           </a:bodyPr>
           <a:p>
-            <a:endParaRPr b="0" lang="en-US" sz="2000" spc="-1" strike="noStrike" cap="all">
-              <a:solidFill>
-                <a:srgbClr val="000000"/>
-              </a:solidFill>
-              <a:uFill>
-                <a:solidFill>
-                  <a:srgbClr val="ffffff"/>
-                </a:solidFill>
-              </a:uFill>
-              <a:latin typeface="Tw Cen MT"/>
+            <a:endParaRPr b="0" lang="en-US" sz="3200" spc="-1" strike="noStrike">
+              <a:solidFill>
+                <a:srgbClr val="000000"/>
+              </a:solidFill>
+              <a:uFill>
+                <a:solidFill>
+                  <a:srgbClr val="ffffff"/>
+                </a:solidFill>
+              </a:uFill>
+              <a:latin typeface="Arial"/>
             </a:endParaRPr>
           </a:p>
         </p:txBody>
@@ -2730,7 +2777,7 @@
       </p:grpSpPr>
       <p:sp>
         <p:nvSpPr>
-          <p:cNvPr id="71" name="PlaceHolder 1"/>
+          <p:cNvPr id="65" name="PlaceHolder 1"/>
           <p:cNvSpPr>
             <a:spLocks noGrp="1"/>
           </p:cNvSpPr>
@@ -2741,7 +2788,7 @@
         <p:spPr>
           <a:xfrm>
             <a:off x="913680" y="618480"/>
-            <a:ext cx="10364040" cy="1595880"/>
+            <a:ext cx="10363680" cy="1595520"/>
           </a:xfrm>
           <a:prstGeom prst="rect">
             <a:avLst/>
@@ -2750,23 +2797,24 @@
         <p:txBody>
           <a:bodyPr lIns="0" rIns="0" tIns="0" bIns="0" anchor="ctr"/>
           <a:p>
-            <a:endParaRPr b="0" lang="en-US" sz="1800" spc="-1" strike="noStrike">
-              <a:solidFill>
-                <a:srgbClr val="000000"/>
-              </a:solidFill>
-              <a:uFill>
-                <a:solidFill>
-                  <a:srgbClr val="ffffff"/>
-                </a:solidFill>
-              </a:uFill>
-              <a:latin typeface="Tw Cen MT"/>
-            </a:endParaRPr>
-          </a:p>
-        </p:txBody>
-      </p:sp>
-      <p:sp>
-        <p:nvSpPr>
-          <p:cNvPr id="72" name="PlaceHolder 2"/>
+            <a:pPr algn="ctr"/>
+            <a:endParaRPr b="0" lang="en-US" sz="4400" spc="-1" strike="noStrike">
+              <a:solidFill>
+                <a:srgbClr val="000000"/>
+              </a:solidFill>
+              <a:uFill>
+                <a:solidFill>
+                  <a:srgbClr val="ffffff"/>
+                </a:solidFill>
+              </a:uFill>
+              <a:latin typeface="Arial"/>
+            </a:endParaRPr>
+          </a:p>
+        </p:txBody>
+      </p:sp>
+      <p:sp>
+        <p:nvSpPr>
+          <p:cNvPr id="66" name="PlaceHolder 2"/>
           <p:cNvSpPr>
             <a:spLocks noGrp="1"/>
           </p:cNvSpPr>
@@ -2788,23 +2836,23 @@
             <a:normAutofit/>
           </a:bodyPr>
           <a:p>
-            <a:endParaRPr b="0" lang="en-US" sz="2000" spc="-1" strike="noStrike" cap="all">
-              <a:solidFill>
-                <a:srgbClr val="000000"/>
-              </a:solidFill>
-              <a:uFill>
-                <a:solidFill>
-                  <a:srgbClr val="ffffff"/>
-                </a:solidFill>
-              </a:uFill>
-              <a:latin typeface="Tw Cen MT"/>
-            </a:endParaRPr>
-          </a:p>
-        </p:txBody>
-      </p:sp>
-      <p:sp>
-        <p:nvSpPr>
-          <p:cNvPr id="73" name="PlaceHolder 3"/>
+            <a:endParaRPr b="0" lang="en-US" sz="3200" spc="-1" strike="noStrike">
+              <a:solidFill>
+                <a:srgbClr val="000000"/>
+              </a:solidFill>
+              <a:uFill>
+                <a:solidFill>
+                  <a:srgbClr val="ffffff"/>
+                </a:solidFill>
+              </a:uFill>
+              <a:latin typeface="Arial"/>
+            </a:endParaRPr>
+          </a:p>
+        </p:txBody>
+      </p:sp>
+      <p:sp>
+        <p:nvSpPr>
+          <p:cNvPr id="67" name="PlaceHolder 3"/>
           <p:cNvSpPr>
             <a:spLocks noGrp="1"/>
           </p:cNvSpPr>
@@ -2826,16 +2874,16 @@
             <a:normAutofit/>
           </a:bodyPr>
           <a:p>
-            <a:endParaRPr b="0" lang="en-US" sz="2000" spc="-1" strike="noStrike" cap="all">
-              <a:solidFill>
-                <a:srgbClr val="000000"/>
-              </a:solidFill>
-              <a:uFill>
-                <a:solidFill>
-                  <a:srgbClr val="ffffff"/>
-                </a:solidFill>
-              </a:uFill>
-              <a:latin typeface="Tw Cen MT"/>
+            <a:endParaRPr b="0" lang="en-US" sz="3200" spc="-1" strike="noStrike">
+              <a:solidFill>
+                <a:srgbClr val="000000"/>
+              </a:solidFill>
+              <a:uFill>
+                <a:solidFill>
+                  <a:srgbClr val="ffffff"/>
+                </a:solidFill>
+              </a:uFill>
+              <a:latin typeface="Arial"/>
             </a:endParaRPr>
           </a:p>
         </p:txBody>
@@ -2864,7 +2912,7 @@
       </p:grpSpPr>
       <p:sp>
         <p:nvSpPr>
-          <p:cNvPr id="74" name="PlaceHolder 1"/>
+          <p:cNvPr id="68" name="PlaceHolder 1"/>
           <p:cNvSpPr>
             <a:spLocks noGrp="1"/>
           </p:cNvSpPr>
@@ -2875,7 +2923,7 @@
         <p:spPr>
           <a:xfrm>
             <a:off x="913680" y="618480"/>
-            <a:ext cx="10364040" cy="1595880"/>
+            <a:ext cx="10363680" cy="1595520"/>
           </a:xfrm>
           <a:prstGeom prst="rect">
             <a:avLst/>
@@ -2884,23 +2932,24 @@
         <p:txBody>
           <a:bodyPr lIns="0" rIns="0" tIns="0" bIns="0" anchor="ctr"/>
           <a:p>
-            <a:endParaRPr b="0" lang="en-US" sz="1800" spc="-1" strike="noStrike">
-              <a:solidFill>
-                <a:srgbClr val="000000"/>
-              </a:solidFill>
-              <a:uFill>
-                <a:solidFill>
-                  <a:srgbClr val="ffffff"/>
-                </a:solidFill>
-              </a:uFill>
-              <a:latin typeface="Tw Cen MT"/>
-            </a:endParaRPr>
-          </a:p>
-        </p:txBody>
-      </p:sp>
-      <p:sp>
-        <p:nvSpPr>
-          <p:cNvPr id="75" name="PlaceHolder 2"/>
+            <a:pPr algn="ctr"/>
+            <a:endParaRPr b="0" lang="en-US" sz="4400" spc="-1" strike="noStrike">
+              <a:solidFill>
+                <a:srgbClr val="000000"/>
+              </a:solidFill>
+              <a:uFill>
+                <a:solidFill>
+                  <a:srgbClr val="ffffff"/>
+                </a:solidFill>
+              </a:uFill>
+              <a:latin typeface="Arial"/>
+            </a:endParaRPr>
+          </a:p>
+        </p:txBody>
+      </p:sp>
+      <p:sp>
+        <p:nvSpPr>
+          <p:cNvPr id="69" name="PlaceHolder 2"/>
           <p:cNvSpPr>
             <a:spLocks noGrp="1"/>
           </p:cNvSpPr>
@@ -2922,23 +2971,23 @@
             <a:normAutofit/>
           </a:bodyPr>
           <a:p>
-            <a:endParaRPr b="0" lang="en-US" sz="2000" spc="-1" strike="noStrike" cap="all">
-              <a:solidFill>
-                <a:srgbClr val="000000"/>
-              </a:solidFill>
-              <a:uFill>
-                <a:solidFill>
-                  <a:srgbClr val="ffffff"/>
-                </a:solidFill>
-              </a:uFill>
-              <a:latin typeface="Tw Cen MT"/>
-            </a:endParaRPr>
-          </a:p>
-        </p:txBody>
-      </p:sp>
-      <p:sp>
-        <p:nvSpPr>
-          <p:cNvPr id="76" name="PlaceHolder 3"/>
+            <a:endParaRPr b="0" lang="en-US" sz="3200" spc="-1" strike="noStrike">
+              <a:solidFill>
+                <a:srgbClr val="000000"/>
+              </a:solidFill>
+              <a:uFill>
+                <a:solidFill>
+                  <a:srgbClr val="ffffff"/>
+                </a:solidFill>
+              </a:uFill>
+              <a:latin typeface="Arial"/>
+            </a:endParaRPr>
+          </a:p>
+        </p:txBody>
+      </p:sp>
+      <p:sp>
+        <p:nvSpPr>
+          <p:cNvPr id="70" name="PlaceHolder 3"/>
           <p:cNvSpPr>
             <a:spLocks noGrp="1"/>
           </p:cNvSpPr>
@@ -2960,23 +3009,23 @@
             <a:normAutofit/>
           </a:bodyPr>
           <a:p>
-            <a:endParaRPr b="0" lang="en-US" sz="2000" spc="-1" strike="noStrike" cap="all">
-              <a:solidFill>
-                <a:srgbClr val="000000"/>
-              </a:solidFill>
-              <a:uFill>
-                <a:solidFill>
-                  <a:srgbClr val="ffffff"/>
-                </a:solidFill>
-              </a:uFill>
-              <a:latin typeface="Tw Cen MT"/>
-            </a:endParaRPr>
-          </a:p>
-        </p:txBody>
-      </p:sp>
-      <p:sp>
-        <p:nvSpPr>
-          <p:cNvPr id="77" name="PlaceHolder 4"/>
+            <a:endParaRPr b="0" lang="en-US" sz="3200" spc="-1" strike="noStrike">
+              <a:solidFill>
+                <a:srgbClr val="000000"/>
+              </a:solidFill>
+              <a:uFill>
+                <a:solidFill>
+                  <a:srgbClr val="ffffff"/>
+                </a:solidFill>
+              </a:uFill>
+              <a:latin typeface="Arial"/>
+            </a:endParaRPr>
+          </a:p>
+        </p:txBody>
+      </p:sp>
+      <p:sp>
+        <p:nvSpPr>
+          <p:cNvPr id="71" name="PlaceHolder 4"/>
           <p:cNvSpPr>
             <a:spLocks noGrp="1"/>
           </p:cNvSpPr>
@@ -2998,23 +3047,23 @@
             <a:normAutofit/>
           </a:bodyPr>
           <a:p>
-            <a:endParaRPr b="0" lang="en-US" sz="2000" spc="-1" strike="noStrike" cap="all">
-              <a:solidFill>
-                <a:srgbClr val="000000"/>
-              </a:solidFill>
-              <a:uFill>
-                <a:solidFill>
-                  <a:srgbClr val="ffffff"/>
-                </a:solidFill>
-              </a:uFill>
-              <a:latin typeface="Tw Cen MT"/>
-            </a:endParaRPr>
-          </a:p>
-        </p:txBody>
-      </p:sp>
-      <p:sp>
-        <p:nvSpPr>
-          <p:cNvPr id="78" name="PlaceHolder 5"/>
+            <a:endParaRPr b="0" lang="en-US" sz="3200" spc="-1" strike="noStrike">
+              <a:solidFill>
+                <a:srgbClr val="000000"/>
+              </a:solidFill>
+              <a:uFill>
+                <a:solidFill>
+                  <a:srgbClr val="ffffff"/>
+                </a:solidFill>
+              </a:uFill>
+              <a:latin typeface="Arial"/>
+            </a:endParaRPr>
+          </a:p>
+        </p:txBody>
+      </p:sp>
+      <p:sp>
+        <p:nvSpPr>
+          <p:cNvPr id="72" name="PlaceHolder 5"/>
           <p:cNvSpPr>
             <a:spLocks noGrp="1"/>
           </p:cNvSpPr>
@@ -3036,16 +3085,16 @@
             <a:normAutofit/>
           </a:bodyPr>
           <a:p>
-            <a:endParaRPr b="0" lang="en-US" sz="2000" spc="-1" strike="noStrike" cap="all">
-              <a:solidFill>
-                <a:srgbClr val="000000"/>
-              </a:solidFill>
-              <a:uFill>
-                <a:solidFill>
-                  <a:srgbClr val="ffffff"/>
-                </a:solidFill>
-              </a:uFill>
-              <a:latin typeface="Tw Cen MT"/>
+            <a:endParaRPr b="0" lang="en-US" sz="3200" spc="-1" strike="noStrike">
+              <a:solidFill>
+                <a:srgbClr val="000000"/>
+              </a:solidFill>
+              <a:uFill>
+                <a:solidFill>
+                  <a:srgbClr val="ffffff"/>
+                </a:solidFill>
+              </a:uFill>
+              <a:latin typeface="Arial"/>
             </a:endParaRPr>
           </a:p>
         </p:txBody>
@@ -3074,7 +3123,7 @@
       </p:grpSpPr>
       <p:sp>
         <p:nvSpPr>
-          <p:cNvPr id="79" name="PlaceHolder 1"/>
+          <p:cNvPr id="73" name="PlaceHolder 1"/>
           <p:cNvSpPr>
             <a:spLocks noGrp="1"/>
           </p:cNvSpPr>
@@ -3085,7 +3134,7 @@
         <p:spPr>
           <a:xfrm>
             <a:off x="913680" y="618480"/>
-            <a:ext cx="10364040" cy="1595880"/>
+            <a:ext cx="10363680" cy="1595520"/>
           </a:xfrm>
           <a:prstGeom prst="rect">
             <a:avLst/>
@@ -3094,23 +3143,24 @@
         <p:txBody>
           <a:bodyPr lIns="0" rIns="0" tIns="0" bIns="0" anchor="ctr"/>
           <a:p>
-            <a:endParaRPr b="0" lang="en-US" sz="1800" spc="-1" strike="noStrike">
-              <a:solidFill>
-                <a:srgbClr val="000000"/>
-              </a:solidFill>
-              <a:uFill>
-                <a:solidFill>
-                  <a:srgbClr val="ffffff"/>
-                </a:solidFill>
-              </a:uFill>
-              <a:latin typeface="Tw Cen MT"/>
-            </a:endParaRPr>
-          </a:p>
-        </p:txBody>
-      </p:sp>
-      <p:sp>
-        <p:nvSpPr>
-          <p:cNvPr id="80" name="PlaceHolder 2"/>
+            <a:pPr algn="ctr"/>
+            <a:endParaRPr b="0" lang="en-US" sz="4400" spc="-1" strike="noStrike">
+              <a:solidFill>
+                <a:srgbClr val="000000"/>
+              </a:solidFill>
+              <a:uFill>
+                <a:solidFill>
+                  <a:srgbClr val="ffffff"/>
+                </a:solidFill>
+              </a:uFill>
+              <a:latin typeface="Arial"/>
+            </a:endParaRPr>
+          </a:p>
+        </p:txBody>
+      </p:sp>
+      <p:sp>
+        <p:nvSpPr>
+          <p:cNvPr id="74" name="PlaceHolder 2"/>
           <p:cNvSpPr>
             <a:spLocks noGrp="1"/>
           </p:cNvSpPr>
@@ -3132,23 +3182,23 @@
             <a:normAutofit/>
           </a:bodyPr>
           <a:p>
-            <a:endParaRPr b="0" lang="en-US" sz="2000" spc="-1" strike="noStrike" cap="all">
-              <a:solidFill>
-                <a:srgbClr val="000000"/>
-              </a:solidFill>
-              <a:uFill>
-                <a:solidFill>
-                  <a:srgbClr val="ffffff"/>
-                </a:solidFill>
-              </a:uFill>
-              <a:latin typeface="Tw Cen MT"/>
-            </a:endParaRPr>
-          </a:p>
-        </p:txBody>
-      </p:sp>
-      <p:sp>
-        <p:nvSpPr>
-          <p:cNvPr id="81" name="PlaceHolder 3"/>
+            <a:endParaRPr b="0" lang="en-US" sz="3200" spc="-1" strike="noStrike">
+              <a:solidFill>
+                <a:srgbClr val="000000"/>
+              </a:solidFill>
+              <a:uFill>
+                <a:solidFill>
+                  <a:srgbClr val="ffffff"/>
+                </a:solidFill>
+              </a:uFill>
+              <a:latin typeface="Arial"/>
+            </a:endParaRPr>
+          </a:p>
+        </p:txBody>
+      </p:sp>
+      <p:sp>
+        <p:nvSpPr>
+          <p:cNvPr id="75" name="PlaceHolder 3"/>
           <p:cNvSpPr>
             <a:spLocks noGrp="1"/>
           </p:cNvSpPr>
@@ -3170,23 +3220,23 @@
             <a:normAutofit/>
           </a:bodyPr>
           <a:p>
-            <a:endParaRPr b="0" lang="en-US" sz="2000" spc="-1" strike="noStrike" cap="all">
-              <a:solidFill>
-                <a:srgbClr val="000000"/>
-              </a:solidFill>
-              <a:uFill>
-                <a:solidFill>
-                  <a:srgbClr val="ffffff"/>
-                </a:solidFill>
-              </a:uFill>
-              <a:latin typeface="Tw Cen MT"/>
-            </a:endParaRPr>
-          </a:p>
-        </p:txBody>
-      </p:sp>
-      <p:sp>
-        <p:nvSpPr>
-          <p:cNvPr id="82" name="PlaceHolder 4"/>
+            <a:endParaRPr b="0" lang="en-US" sz="3200" spc="-1" strike="noStrike">
+              <a:solidFill>
+                <a:srgbClr val="000000"/>
+              </a:solidFill>
+              <a:uFill>
+                <a:solidFill>
+                  <a:srgbClr val="ffffff"/>
+                </a:solidFill>
+              </a:uFill>
+              <a:latin typeface="Arial"/>
+            </a:endParaRPr>
+          </a:p>
+        </p:txBody>
+      </p:sp>
+      <p:sp>
+        <p:nvSpPr>
+          <p:cNvPr id="76" name="PlaceHolder 4"/>
           <p:cNvSpPr>
             <a:spLocks noGrp="1"/>
           </p:cNvSpPr>
@@ -3208,23 +3258,23 @@
             <a:normAutofit/>
           </a:bodyPr>
           <a:p>
-            <a:endParaRPr b="0" lang="en-US" sz="2000" spc="-1" strike="noStrike" cap="all">
-              <a:solidFill>
-                <a:srgbClr val="000000"/>
-              </a:solidFill>
-              <a:uFill>
-                <a:solidFill>
-                  <a:srgbClr val="ffffff"/>
-                </a:solidFill>
-              </a:uFill>
-              <a:latin typeface="Tw Cen MT"/>
-            </a:endParaRPr>
-          </a:p>
-        </p:txBody>
-      </p:sp>
-      <p:sp>
-        <p:nvSpPr>
-          <p:cNvPr id="83" name="PlaceHolder 5"/>
+            <a:endParaRPr b="0" lang="en-US" sz="3200" spc="-1" strike="noStrike">
+              <a:solidFill>
+                <a:srgbClr val="000000"/>
+              </a:solidFill>
+              <a:uFill>
+                <a:solidFill>
+                  <a:srgbClr val="ffffff"/>
+                </a:solidFill>
+              </a:uFill>
+              <a:latin typeface="Arial"/>
+            </a:endParaRPr>
+          </a:p>
+        </p:txBody>
+      </p:sp>
+      <p:sp>
+        <p:nvSpPr>
+          <p:cNvPr id="77" name="PlaceHolder 5"/>
           <p:cNvSpPr>
             <a:spLocks noGrp="1"/>
           </p:cNvSpPr>
@@ -3246,23 +3296,23 @@
             <a:normAutofit/>
           </a:bodyPr>
           <a:p>
-            <a:endParaRPr b="0" lang="en-US" sz="2000" spc="-1" strike="noStrike" cap="all">
-              <a:solidFill>
-                <a:srgbClr val="000000"/>
-              </a:solidFill>
-              <a:uFill>
-                <a:solidFill>
-                  <a:srgbClr val="ffffff"/>
-                </a:solidFill>
-              </a:uFill>
-              <a:latin typeface="Tw Cen MT"/>
-            </a:endParaRPr>
-          </a:p>
-        </p:txBody>
-      </p:sp>
-      <p:sp>
-        <p:nvSpPr>
-          <p:cNvPr id="84" name="PlaceHolder 6"/>
+            <a:endParaRPr b="0" lang="en-US" sz="3200" spc="-1" strike="noStrike">
+              <a:solidFill>
+                <a:srgbClr val="000000"/>
+              </a:solidFill>
+              <a:uFill>
+                <a:solidFill>
+                  <a:srgbClr val="ffffff"/>
+                </a:solidFill>
+              </a:uFill>
+              <a:latin typeface="Arial"/>
+            </a:endParaRPr>
+          </a:p>
+        </p:txBody>
+      </p:sp>
+      <p:sp>
+        <p:nvSpPr>
+          <p:cNvPr id="78" name="PlaceHolder 6"/>
           <p:cNvSpPr>
             <a:spLocks noGrp="1"/>
           </p:cNvSpPr>
@@ -3284,23 +3334,23 @@
             <a:normAutofit/>
           </a:bodyPr>
           <a:p>
-            <a:endParaRPr b="0" lang="en-US" sz="2000" spc="-1" strike="noStrike" cap="all">
-              <a:solidFill>
-                <a:srgbClr val="000000"/>
-              </a:solidFill>
-              <a:uFill>
-                <a:solidFill>
-                  <a:srgbClr val="ffffff"/>
-                </a:solidFill>
-              </a:uFill>
-              <a:latin typeface="Tw Cen MT"/>
-            </a:endParaRPr>
-          </a:p>
-        </p:txBody>
-      </p:sp>
-      <p:sp>
-        <p:nvSpPr>
-          <p:cNvPr id="85" name="PlaceHolder 7"/>
+            <a:endParaRPr b="0" lang="en-US" sz="3200" spc="-1" strike="noStrike">
+              <a:solidFill>
+                <a:srgbClr val="000000"/>
+              </a:solidFill>
+              <a:uFill>
+                <a:solidFill>
+                  <a:srgbClr val="ffffff"/>
+                </a:solidFill>
+              </a:uFill>
+              <a:latin typeface="Arial"/>
+            </a:endParaRPr>
+          </a:p>
+        </p:txBody>
+      </p:sp>
+      <p:sp>
+        <p:nvSpPr>
+          <p:cNvPr id="79" name="PlaceHolder 7"/>
           <p:cNvSpPr>
             <a:spLocks noGrp="1"/>
           </p:cNvSpPr>
@@ -3322,16 +3372,16 @@
             <a:normAutofit/>
           </a:bodyPr>
           <a:p>
-            <a:endParaRPr b="0" lang="en-US" sz="2000" spc="-1" strike="noStrike" cap="all">
-              <a:solidFill>
-                <a:srgbClr val="000000"/>
-              </a:solidFill>
-              <a:uFill>
-                <a:solidFill>
-                  <a:srgbClr val="ffffff"/>
-                </a:solidFill>
-              </a:uFill>
-              <a:latin typeface="Tw Cen MT"/>
+            <a:endParaRPr b="0" lang="en-US" sz="3200" spc="-1" strike="noStrike">
+              <a:solidFill>
+                <a:srgbClr val="000000"/>
+              </a:solidFill>
+              <a:uFill>
+                <a:solidFill>
+                  <a:srgbClr val="ffffff"/>
+                </a:solidFill>
+              </a:uFill>
+              <a:latin typeface="Arial"/>
             </a:endParaRPr>
           </a:p>
         </p:txBody>
@@ -3382,7 +3432,7 @@
       </p:grpSpPr>
       <p:sp>
         <p:nvSpPr>
-          <p:cNvPr id="93" name="PlaceHolder 1"/>
+          <p:cNvPr id="84" name="PlaceHolder 1"/>
           <p:cNvSpPr>
             <a:spLocks noGrp="1"/>
           </p:cNvSpPr>
@@ -3393,7 +3443,7 @@
         <p:spPr>
           <a:xfrm>
             <a:off x="913680" y="618480"/>
-            <a:ext cx="10364040" cy="1595880"/>
+            <a:ext cx="10363680" cy="1595520"/>
           </a:xfrm>
           <a:prstGeom prst="rect">
             <a:avLst/>
@@ -3402,23 +3452,24 @@
         <p:txBody>
           <a:bodyPr lIns="0" rIns="0" tIns="0" bIns="0" anchor="ctr"/>
           <a:p>
-            <a:endParaRPr b="0" lang="en-US" sz="1800" spc="-1" strike="noStrike">
-              <a:solidFill>
-                <a:srgbClr val="000000"/>
-              </a:solidFill>
-              <a:uFill>
-                <a:solidFill>
-                  <a:srgbClr val="ffffff"/>
-                </a:solidFill>
-              </a:uFill>
-              <a:latin typeface="Tw Cen MT"/>
-            </a:endParaRPr>
-          </a:p>
-        </p:txBody>
-      </p:sp>
-      <p:sp>
-        <p:nvSpPr>
-          <p:cNvPr id="94" name="PlaceHolder 2"/>
+            <a:pPr algn="ctr"/>
+            <a:endParaRPr b="0" lang="en-US" sz="4400" spc="-1" strike="noStrike">
+              <a:solidFill>
+                <a:srgbClr val="000000"/>
+              </a:solidFill>
+              <a:uFill>
+                <a:solidFill>
+                  <a:srgbClr val="ffffff"/>
+                </a:solidFill>
+              </a:uFill>
+              <a:latin typeface="Arial"/>
+            </a:endParaRPr>
+          </a:p>
+        </p:txBody>
+      </p:sp>
+      <p:sp>
+        <p:nvSpPr>
+          <p:cNvPr id="85" name="PlaceHolder 2"/>
           <p:cNvSpPr>
             <a:spLocks noGrp="1"/>
           </p:cNvSpPr>
@@ -3477,7 +3528,7 @@
       </p:grpSpPr>
       <p:sp>
         <p:nvSpPr>
-          <p:cNvPr id="95" name="PlaceHolder 1"/>
+          <p:cNvPr id="86" name="PlaceHolder 1"/>
           <p:cNvSpPr>
             <a:spLocks noGrp="1"/>
           </p:cNvSpPr>
@@ -3488,7 +3539,7 @@
         <p:spPr>
           <a:xfrm>
             <a:off x="913680" y="618480"/>
-            <a:ext cx="10364040" cy="1595880"/>
+            <a:ext cx="10363680" cy="1595520"/>
           </a:xfrm>
           <a:prstGeom prst="rect">
             <a:avLst/>
@@ -3497,23 +3548,24 @@
         <p:txBody>
           <a:bodyPr lIns="0" rIns="0" tIns="0" bIns="0" anchor="ctr"/>
           <a:p>
-            <a:endParaRPr b="0" lang="en-US" sz="1800" spc="-1" strike="noStrike">
-              <a:solidFill>
-                <a:srgbClr val="000000"/>
-              </a:solidFill>
-              <a:uFill>
-                <a:solidFill>
-                  <a:srgbClr val="ffffff"/>
-                </a:solidFill>
-              </a:uFill>
-              <a:latin typeface="Tw Cen MT"/>
-            </a:endParaRPr>
-          </a:p>
-        </p:txBody>
-      </p:sp>
-      <p:sp>
-        <p:nvSpPr>
-          <p:cNvPr id="96" name="PlaceHolder 2"/>
+            <a:pPr algn="ctr"/>
+            <a:endParaRPr b="0" lang="en-US" sz="4400" spc="-1" strike="noStrike">
+              <a:solidFill>
+                <a:srgbClr val="000000"/>
+              </a:solidFill>
+              <a:uFill>
+                <a:solidFill>
+                  <a:srgbClr val="ffffff"/>
+                </a:solidFill>
+              </a:uFill>
+              <a:latin typeface="Arial"/>
+            </a:endParaRPr>
+          </a:p>
+        </p:txBody>
+      </p:sp>
+      <p:sp>
+        <p:nvSpPr>
+          <p:cNvPr id="87" name="PlaceHolder 2"/>
           <p:cNvSpPr>
             <a:spLocks noGrp="1"/>
           </p:cNvSpPr>
@@ -3535,16 +3587,16 @@
             <a:normAutofit/>
           </a:bodyPr>
           <a:p>
-            <a:endParaRPr b="0" lang="en-US" sz="2000" spc="-1" strike="noStrike" cap="all">
-              <a:solidFill>
-                <a:srgbClr val="000000"/>
-              </a:solidFill>
-              <a:uFill>
-                <a:solidFill>
-                  <a:srgbClr val="ffffff"/>
-                </a:solidFill>
-              </a:uFill>
-              <a:latin typeface="Tw Cen MT"/>
+            <a:endParaRPr b="0" lang="en-US" sz="3200" spc="-1" strike="noStrike">
+              <a:solidFill>
+                <a:srgbClr val="000000"/>
+              </a:solidFill>
+              <a:uFill>
+                <a:solidFill>
+                  <a:srgbClr val="ffffff"/>
+                </a:solidFill>
+              </a:uFill>
+              <a:latin typeface="Arial"/>
             </a:endParaRPr>
           </a:p>
         </p:txBody>
@@ -3573,7 +3625,7 @@
       </p:grpSpPr>
       <p:sp>
         <p:nvSpPr>
-          <p:cNvPr id="97" name="PlaceHolder 1"/>
+          <p:cNvPr id="88" name="PlaceHolder 1"/>
           <p:cNvSpPr>
             <a:spLocks noGrp="1"/>
           </p:cNvSpPr>
@@ -3584,7 +3636,7 @@
         <p:spPr>
           <a:xfrm>
             <a:off x="913680" y="618480"/>
-            <a:ext cx="10364040" cy="1595880"/>
+            <a:ext cx="10363680" cy="1595520"/>
           </a:xfrm>
           <a:prstGeom prst="rect">
             <a:avLst/>
@@ -3593,23 +3645,24 @@
         <p:txBody>
           <a:bodyPr lIns="0" rIns="0" tIns="0" bIns="0" anchor="ctr"/>
           <a:p>
-            <a:endParaRPr b="0" lang="en-US" sz="1800" spc="-1" strike="noStrike">
-              <a:solidFill>
-                <a:srgbClr val="000000"/>
-              </a:solidFill>
-              <a:uFill>
-                <a:solidFill>
-                  <a:srgbClr val="ffffff"/>
-                </a:solidFill>
-              </a:uFill>
-              <a:latin typeface="Tw Cen MT"/>
-            </a:endParaRPr>
-          </a:p>
-        </p:txBody>
-      </p:sp>
-      <p:sp>
-        <p:nvSpPr>
-          <p:cNvPr id="98" name="PlaceHolder 2"/>
+            <a:pPr algn="ctr"/>
+            <a:endParaRPr b="0" lang="en-US" sz="4400" spc="-1" strike="noStrike">
+              <a:solidFill>
+                <a:srgbClr val="000000"/>
+              </a:solidFill>
+              <a:uFill>
+                <a:solidFill>
+                  <a:srgbClr val="ffffff"/>
+                </a:solidFill>
+              </a:uFill>
+              <a:latin typeface="Arial"/>
+            </a:endParaRPr>
+          </a:p>
+        </p:txBody>
+      </p:sp>
+      <p:sp>
+        <p:nvSpPr>
+          <p:cNvPr id="89" name="PlaceHolder 2"/>
           <p:cNvSpPr>
             <a:spLocks noGrp="1"/>
           </p:cNvSpPr>
@@ -3631,23 +3684,23 @@
             <a:normAutofit/>
           </a:bodyPr>
           <a:p>
-            <a:endParaRPr b="0" lang="en-US" sz="2000" spc="-1" strike="noStrike" cap="all">
-              <a:solidFill>
-                <a:srgbClr val="000000"/>
-              </a:solidFill>
-              <a:uFill>
-                <a:solidFill>
-                  <a:srgbClr val="ffffff"/>
-                </a:solidFill>
-              </a:uFill>
-              <a:latin typeface="Tw Cen MT"/>
-            </a:endParaRPr>
-          </a:p>
-        </p:txBody>
-      </p:sp>
-      <p:sp>
-        <p:nvSpPr>
-          <p:cNvPr id="99" name="PlaceHolder 3"/>
+            <a:endParaRPr b="0" lang="en-US" sz="3200" spc="-1" strike="noStrike">
+              <a:solidFill>
+                <a:srgbClr val="000000"/>
+              </a:solidFill>
+              <a:uFill>
+                <a:solidFill>
+                  <a:srgbClr val="ffffff"/>
+                </a:solidFill>
+              </a:uFill>
+              <a:latin typeface="Arial"/>
+            </a:endParaRPr>
+          </a:p>
+        </p:txBody>
+      </p:sp>
+      <p:sp>
+        <p:nvSpPr>
+          <p:cNvPr id="90" name="PlaceHolder 3"/>
           <p:cNvSpPr>
             <a:spLocks noGrp="1"/>
           </p:cNvSpPr>
@@ -3669,16 +3722,16 @@
             <a:normAutofit/>
           </a:bodyPr>
           <a:p>
-            <a:endParaRPr b="0" lang="en-US" sz="2000" spc="-1" strike="noStrike" cap="all">
-              <a:solidFill>
-                <a:srgbClr val="000000"/>
-              </a:solidFill>
-              <a:uFill>
-                <a:solidFill>
-                  <a:srgbClr val="ffffff"/>
-                </a:solidFill>
-              </a:uFill>
-              <a:latin typeface="Tw Cen MT"/>
+            <a:endParaRPr b="0" lang="en-US" sz="3200" spc="-1" strike="noStrike">
+              <a:solidFill>
+                <a:srgbClr val="000000"/>
+              </a:solidFill>
+              <a:uFill>
+                <a:solidFill>
+                  <a:srgbClr val="ffffff"/>
+                </a:solidFill>
+              </a:uFill>
+              <a:latin typeface="Arial"/>
             </a:endParaRPr>
           </a:p>
         </p:txBody>
@@ -3707,7 +3760,7 @@
       </p:grpSpPr>
       <p:sp>
         <p:nvSpPr>
-          <p:cNvPr id="100" name="PlaceHolder 1"/>
+          <p:cNvPr id="91" name="PlaceHolder 1"/>
           <p:cNvSpPr>
             <a:spLocks noGrp="1"/>
           </p:cNvSpPr>
@@ -3718,7 +3771,7 @@
         <p:spPr>
           <a:xfrm>
             <a:off x="913680" y="618480"/>
-            <a:ext cx="10364040" cy="1595880"/>
+            <a:ext cx="10363680" cy="1595520"/>
           </a:xfrm>
           <a:prstGeom prst="rect">
             <a:avLst/>
@@ -3727,16 +3780,17 @@
         <p:txBody>
           <a:bodyPr lIns="0" rIns="0" tIns="0" bIns="0" anchor="ctr"/>
           <a:p>
-            <a:endParaRPr b="0" lang="en-US" sz="1800" spc="-1" strike="noStrike">
-              <a:solidFill>
-                <a:srgbClr val="000000"/>
-              </a:solidFill>
-              <a:uFill>
-                <a:solidFill>
-                  <a:srgbClr val="ffffff"/>
-                </a:solidFill>
-              </a:uFill>
-              <a:latin typeface="Tw Cen MT"/>
+            <a:pPr algn="ctr"/>
+            <a:endParaRPr b="0" lang="en-US" sz="4400" spc="-1" strike="noStrike">
+              <a:solidFill>
+                <a:srgbClr val="000000"/>
+              </a:solidFill>
+              <a:uFill>
+                <a:solidFill>
+                  <a:srgbClr val="ffffff"/>
+                </a:solidFill>
+              </a:uFill>
+              <a:latin typeface="Arial"/>
             </a:endParaRPr>
           </a:p>
         </p:txBody>
@@ -3765,7 +3819,7 @@
       </p:grpSpPr>
       <p:sp>
         <p:nvSpPr>
-          <p:cNvPr id="9" name="PlaceHolder 1"/>
+          <p:cNvPr id="6" name="PlaceHolder 1"/>
           <p:cNvSpPr>
             <a:spLocks noGrp="1"/>
           </p:cNvSpPr>
@@ -3776,7 +3830,7 @@
         <p:spPr>
           <a:xfrm>
             <a:off x="913680" y="618480"/>
-            <a:ext cx="10364040" cy="1595880"/>
+            <a:ext cx="10363680" cy="1595520"/>
           </a:xfrm>
           <a:prstGeom prst="rect">
             <a:avLst/>
@@ -3785,23 +3839,24 @@
         <p:txBody>
           <a:bodyPr lIns="0" rIns="0" tIns="0" bIns="0" anchor="ctr"/>
           <a:p>
-            <a:endParaRPr b="0" lang="en-US" sz="1800" spc="-1" strike="noStrike">
-              <a:solidFill>
-                <a:srgbClr val="000000"/>
-              </a:solidFill>
-              <a:uFill>
-                <a:solidFill>
-                  <a:srgbClr val="ffffff"/>
-                </a:solidFill>
-              </a:uFill>
-              <a:latin typeface="Tw Cen MT"/>
-            </a:endParaRPr>
-          </a:p>
-        </p:txBody>
-      </p:sp>
-      <p:sp>
-        <p:nvSpPr>
-          <p:cNvPr id="10" name="PlaceHolder 2"/>
+            <a:pPr algn="ctr"/>
+            <a:endParaRPr b="0" lang="en-US" sz="4400" spc="-1" strike="noStrike">
+              <a:solidFill>
+                <a:srgbClr val="000000"/>
+              </a:solidFill>
+              <a:uFill>
+                <a:solidFill>
+                  <a:srgbClr val="ffffff"/>
+                </a:solidFill>
+              </a:uFill>
+              <a:latin typeface="Arial"/>
+            </a:endParaRPr>
+          </a:p>
+        </p:txBody>
+      </p:sp>
+      <p:sp>
+        <p:nvSpPr>
+          <p:cNvPr id="7" name="PlaceHolder 2"/>
           <p:cNvSpPr>
             <a:spLocks noGrp="1"/>
           </p:cNvSpPr>
@@ -3823,16 +3878,16 @@
             <a:normAutofit/>
           </a:bodyPr>
           <a:p>
-            <a:endParaRPr b="0" lang="en-US" sz="2000" spc="-1" strike="noStrike" cap="all">
-              <a:solidFill>
-                <a:srgbClr val="000000"/>
-              </a:solidFill>
-              <a:uFill>
-                <a:solidFill>
-                  <a:srgbClr val="ffffff"/>
-                </a:solidFill>
-              </a:uFill>
-              <a:latin typeface="Tw Cen MT"/>
+            <a:endParaRPr b="0" lang="en-US" sz="3200" spc="-1" strike="noStrike">
+              <a:solidFill>
+                <a:srgbClr val="000000"/>
+              </a:solidFill>
+              <a:uFill>
+                <a:solidFill>
+                  <a:srgbClr val="ffffff"/>
+                </a:solidFill>
+              </a:uFill>
+              <a:latin typeface="Arial"/>
             </a:endParaRPr>
           </a:p>
         </p:txBody>
@@ -3861,7 +3916,7 @@
       </p:grpSpPr>
       <p:sp>
         <p:nvSpPr>
-          <p:cNvPr id="101" name="PlaceHolder 1"/>
+          <p:cNvPr id="92" name="PlaceHolder 1"/>
           <p:cNvSpPr>
             <a:spLocks noGrp="1"/>
           </p:cNvSpPr>
@@ -3872,7 +3927,7 @@
         <p:spPr>
           <a:xfrm>
             <a:off x="913680" y="618480"/>
-            <a:ext cx="10364040" cy="7398720"/>
+            <a:ext cx="10363680" cy="7397280"/>
           </a:xfrm>
           <a:prstGeom prst="rect">
             <a:avLst/>
@@ -3920,7 +3975,7 @@
       </p:grpSpPr>
       <p:sp>
         <p:nvSpPr>
-          <p:cNvPr id="102" name="PlaceHolder 1"/>
+          <p:cNvPr id="93" name="PlaceHolder 1"/>
           <p:cNvSpPr>
             <a:spLocks noGrp="1"/>
           </p:cNvSpPr>
@@ -3931,7 +3986,7 @@
         <p:spPr>
           <a:xfrm>
             <a:off x="913680" y="618480"/>
-            <a:ext cx="10364040" cy="1595880"/>
+            <a:ext cx="10363680" cy="1595520"/>
           </a:xfrm>
           <a:prstGeom prst="rect">
             <a:avLst/>
@@ -3940,23 +3995,24 @@
         <p:txBody>
           <a:bodyPr lIns="0" rIns="0" tIns="0" bIns="0" anchor="ctr"/>
           <a:p>
-            <a:endParaRPr b="0" lang="en-US" sz="1800" spc="-1" strike="noStrike">
-              <a:solidFill>
-                <a:srgbClr val="000000"/>
-              </a:solidFill>
-              <a:uFill>
-                <a:solidFill>
-                  <a:srgbClr val="ffffff"/>
-                </a:solidFill>
-              </a:uFill>
-              <a:latin typeface="Tw Cen MT"/>
-            </a:endParaRPr>
-          </a:p>
-        </p:txBody>
-      </p:sp>
-      <p:sp>
-        <p:nvSpPr>
-          <p:cNvPr id="103" name="PlaceHolder 2"/>
+            <a:pPr algn="ctr"/>
+            <a:endParaRPr b="0" lang="en-US" sz="4400" spc="-1" strike="noStrike">
+              <a:solidFill>
+                <a:srgbClr val="000000"/>
+              </a:solidFill>
+              <a:uFill>
+                <a:solidFill>
+                  <a:srgbClr val="ffffff"/>
+                </a:solidFill>
+              </a:uFill>
+              <a:latin typeface="Arial"/>
+            </a:endParaRPr>
+          </a:p>
+        </p:txBody>
+      </p:sp>
+      <p:sp>
+        <p:nvSpPr>
+          <p:cNvPr id="94" name="PlaceHolder 2"/>
           <p:cNvSpPr>
             <a:spLocks noGrp="1"/>
           </p:cNvSpPr>
@@ -3978,23 +4034,23 @@
             <a:normAutofit/>
           </a:bodyPr>
           <a:p>
-            <a:endParaRPr b="0" lang="en-US" sz="2000" spc="-1" strike="noStrike" cap="all">
-              <a:solidFill>
-                <a:srgbClr val="000000"/>
-              </a:solidFill>
-              <a:uFill>
-                <a:solidFill>
-                  <a:srgbClr val="ffffff"/>
-                </a:solidFill>
-              </a:uFill>
-              <a:latin typeface="Tw Cen MT"/>
-            </a:endParaRPr>
-          </a:p>
-        </p:txBody>
-      </p:sp>
-      <p:sp>
-        <p:nvSpPr>
-          <p:cNvPr id="104" name="PlaceHolder 3"/>
+            <a:endParaRPr b="0" lang="en-US" sz="3200" spc="-1" strike="noStrike">
+              <a:solidFill>
+                <a:srgbClr val="000000"/>
+              </a:solidFill>
+              <a:uFill>
+                <a:solidFill>
+                  <a:srgbClr val="ffffff"/>
+                </a:solidFill>
+              </a:uFill>
+              <a:latin typeface="Arial"/>
+            </a:endParaRPr>
+          </a:p>
+        </p:txBody>
+      </p:sp>
+      <p:sp>
+        <p:nvSpPr>
+          <p:cNvPr id="95" name="PlaceHolder 3"/>
           <p:cNvSpPr>
             <a:spLocks noGrp="1"/>
           </p:cNvSpPr>
@@ -4016,23 +4072,23 @@
             <a:normAutofit/>
           </a:bodyPr>
           <a:p>
-            <a:endParaRPr b="0" lang="en-US" sz="2000" spc="-1" strike="noStrike" cap="all">
-              <a:solidFill>
-                <a:srgbClr val="000000"/>
-              </a:solidFill>
-              <a:uFill>
-                <a:solidFill>
-                  <a:srgbClr val="ffffff"/>
-                </a:solidFill>
-              </a:uFill>
-              <a:latin typeface="Tw Cen MT"/>
-            </a:endParaRPr>
-          </a:p>
-        </p:txBody>
-      </p:sp>
-      <p:sp>
-        <p:nvSpPr>
-          <p:cNvPr id="105" name="PlaceHolder 4"/>
+            <a:endParaRPr b="0" lang="en-US" sz="3200" spc="-1" strike="noStrike">
+              <a:solidFill>
+                <a:srgbClr val="000000"/>
+              </a:solidFill>
+              <a:uFill>
+                <a:solidFill>
+                  <a:srgbClr val="ffffff"/>
+                </a:solidFill>
+              </a:uFill>
+              <a:latin typeface="Arial"/>
+            </a:endParaRPr>
+          </a:p>
+        </p:txBody>
+      </p:sp>
+      <p:sp>
+        <p:nvSpPr>
+          <p:cNvPr id="96" name="PlaceHolder 4"/>
           <p:cNvSpPr>
             <a:spLocks noGrp="1"/>
           </p:cNvSpPr>
@@ -4054,16 +4110,16 @@
             <a:normAutofit/>
           </a:bodyPr>
           <a:p>
-            <a:endParaRPr b="0" lang="en-US" sz="2000" spc="-1" strike="noStrike" cap="all">
-              <a:solidFill>
-                <a:srgbClr val="000000"/>
-              </a:solidFill>
-              <a:uFill>
-                <a:solidFill>
-                  <a:srgbClr val="ffffff"/>
-                </a:solidFill>
-              </a:uFill>
-              <a:latin typeface="Tw Cen MT"/>
+            <a:endParaRPr b="0" lang="en-US" sz="3200" spc="-1" strike="noStrike">
+              <a:solidFill>
+                <a:srgbClr val="000000"/>
+              </a:solidFill>
+              <a:uFill>
+                <a:solidFill>
+                  <a:srgbClr val="ffffff"/>
+                </a:solidFill>
+              </a:uFill>
+              <a:latin typeface="Arial"/>
             </a:endParaRPr>
           </a:p>
         </p:txBody>
@@ -4092,7 +4148,7 @@
       </p:grpSpPr>
       <p:sp>
         <p:nvSpPr>
-          <p:cNvPr id="106" name="PlaceHolder 1"/>
+          <p:cNvPr id="97" name="PlaceHolder 1"/>
           <p:cNvSpPr>
             <a:spLocks noGrp="1"/>
           </p:cNvSpPr>
@@ -4103,7 +4159,7 @@
         <p:spPr>
           <a:xfrm>
             <a:off x="913680" y="618480"/>
-            <a:ext cx="10364040" cy="1595880"/>
+            <a:ext cx="10363680" cy="1595520"/>
           </a:xfrm>
           <a:prstGeom prst="rect">
             <a:avLst/>
@@ -4112,23 +4168,24 @@
         <p:txBody>
           <a:bodyPr lIns="0" rIns="0" tIns="0" bIns="0" anchor="ctr"/>
           <a:p>
-            <a:endParaRPr b="0" lang="en-US" sz="1800" spc="-1" strike="noStrike">
-              <a:solidFill>
-                <a:srgbClr val="000000"/>
-              </a:solidFill>
-              <a:uFill>
-                <a:solidFill>
-                  <a:srgbClr val="ffffff"/>
-                </a:solidFill>
-              </a:uFill>
-              <a:latin typeface="Tw Cen MT"/>
-            </a:endParaRPr>
-          </a:p>
-        </p:txBody>
-      </p:sp>
-      <p:sp>
-        <p:nvSpPr>
-          <p:cNvPr id="107" name="PlaceHolder 2"/>
+            <a:pPr algn="ctr"/>
+            <a:endParaRPr b="0" lang="en-US" sz="4400" spc="-1" strike="noStrike">
+              <a:solidFill>
+                <a:srgbClr val="000000"/>
+              </a:solidFill>
+              <a:uFill>
+                <a:solidFill>
+                  <a:srgbClr val="ffffff"/>
+                </a:solidFill>
+              </a:uFill>
+              <a:latin typeface="Arial"/>
+            </a:endParaRPr>
+          </a:p>
+        </p:txBody>
+      </p:sp>
+      <p:sp>
+        <p:nvSpPr>
+          <p:cNvPr id="98" name="PlaceHolder 2"/>
           <p:cNvSpPr>
             <a:spLocks noGrp="1"/>
           </p:cNvSpPr>
@@ -4150,23 +4207,23 @@
             <a:normAutofit/>
           </a:bodyPr>
           <a:p>
-            <a:endParaRPr b="0" lang="en-US" sz="2000" spc="-1" strike="noStrike" cap="all">
-              <a:solidFill>
-                <a:srgbClr val="000000"/>
-              </a:solidFill>
-              <a:uFill>
-                <a:solidFill>
-                  <a:srgbClr val="ffffff"/>
-                </a:solidFill>
-              </a:uFill>
-              <a:latin typeface="Tw Cen MT"/>
-            </a:endParaRPr>
-          </a:p>
-        </p:txBody>
-      </p:sp>
-      <p:sp>
-        <p:nvSpPr>
-          <p:cNvPr id="108" name="PlaceHolder 3"/>
+            <a:endParaRPr b="0" lang="en-US" sz="3200" spc="-1" strike="noStrike">
+              <a:solidFill>
+                <a:srgbClr val="000000"/>
+              </a:solidFill>
+              <a:uFill>
+                <a:solidFill>
+                  <a:srgbClr val="ffffff"/>
+                </a:solidFill>
+              </a:uFill>
+              <a:latin typeface="Arial"/>
+            </a:endParaRPr>
+          </a:p>
+        </p:txBody>
+      </p:sp>
+      <p:sp>
+        <p:nvSpPr>
+          <p:cNvPr id="99" name="PlaceHolder 3"/>
           <p:cNvSpPr>
             <a:spLocks noGrp="1"/>
           </p:cNvSpPr>
@@ -4188,23 +4245,23 @@
             <a:normAutofit/>
           </a:bodyPr>
           <a:p>
-            <a:endParaRPr b="0" lang="en-US" sz="2000" spc="-1" strike="noStrike" cap="all">
-              <a:solidFill>
-                <a:srgbClr val="000000"/>
-              </a:solidFill>
-              <a:uFill>
-                <a:solidFill>
-                  <a:srgbClr val="ffffff"/>
-                </a:solidFill>
-              </a:uFill>
-              <a:latin typeface="Tw Cen MT"/>
-            </a:endParaRPr>
-          </a:p>
-        </p:txBody>
-      </p:sp>
-      <p:sp>
-        <p:nvSpPr>
-          <p:cNvPr id="109" name="PlaceHolder 4"/>
+            <a:endParaRPr b="0" lang="en-US" sz="3200" spc="-1" strike="noStrike">
+              <a:solidFill>
+                <a:srgbClr val="000000"/>
+              </a:solidFill>
+              <a:uFill>
+                <a:solidFill>
+                  <a:srgbClr val="ffffff"/>
+                </a:solidFill>
+              </a:uFill>
+              <a:latin typeface="Arial"/>
+            </a:endParaRPr>
+          </a:p>
+        </p:txBody>
+      </p:sp>
+      <p:sp>
+        <p:nvSpPr>
+          <p:cNvPr id="100" name="PlaceHolder 4"/>
           <p:cNvSpPr>
             <a:spLocks noGrp="1"/>
           </p:cNvSpPr>
@@ -4226,16 +4283,16 @@
             <a:normAutofit/>
           </a:bodyPr>
           <a:p>
-            <a:endParaRPr b="0" lang="en-US" sz="2000" spc="-1" strike="noStrike" cap="all">
-              <a:solidFill>
-                <a:srgbClr val="000000"/>
-              </a:solidFill>
-              <a:uFill>
-                <a:solidFill>
-                  <a:srgbClr val="ffffff"/>
-                </a:solidFill>
-              </a:uFill>
-              <a:latin typeface="Tw Cen MT"/>
+            <a:endParaRPr b="0" lang="en-US" sz="3200" spc="-1" strike="noStrike">
+              <a:solidFill>
+                <a:srgbClr val="000000"/>
+              </a:solidFill>
+              <a:uFill>
+                <a:solidFill>
+                  <a:srgbClr val="ffffff"/>
+                </a:solidFill>
+              </a:uFill>
+              <a:latin typeface="Arial"/>
             </a:endParaRPr>
           </a:p>
         </p:txBody>
@@ -4264,7 +4321,7 @@
       </p:grpSpPr>
       <p:sp>
         <p:nvSpPr>
-          <p:cNvPr id="110" name="PlaceHolder 1"/>
+          <p:cNvPr id="101" name="PlaceHolder 1"/>
           <p:cNvSpPr>
             <a:spLocks noGrp="1"/>
           </p:cNvSpPr>
@@ -4275,7 +4332,7 @@
         <p:spPr>
           <a:xfrm>
             <a:off x="913680" y="618480"/>
-            <a:ext cx="10364040" cy="1595880"/>
+            <a:ext cx="10363680" cy="1595520"/>
           </a:xfrm>
           <a:prstGeom prst="rect">
             <a:avLst/>
@@ -4284,23 +4341,24 @@
         <p:txBody>
           <a:bodyPr lIns="0" rIns="0" tIns="0" bIns="0" anchor="ctr"/>
           <a:p>
-            <a:endParaRPr b="0" lang="en-US" sz="1800" spc="-1" strike="noStrike">
-              <a:solidFill>
-                <a:srgbClr val="000000"/>
-              </a:solidFill>
-              <a:uFill>
-                <a:solidFill>
-                  <a:srgbClr val="ffffff"/>
-                </a:solidFill>
-              </a:uFill>
-              <a:latin typeface="Tw Cen MT"/>
-            </a:endParaRPr>
-          </a:p>
-        </p:txBody>
-      </p:sp>
-      <p:sp>
-        <p:nvSpPr>
-          <p:cNvPr id="111" name="PlaceHolder 2"/>
+            <a:pPr algn="ctr"/>
+            <a:endParaRPr b="0" lang="en-US" sz="4400" spc="-1" strike="noStrike">
+              <a:solidFill>
+                <a:srgbClr val="000000"/>
+              </a:solidFill>
+              <a:uFill>
+                <a:solidFill>
+                  <a:srgbClr val="ffffff"/>
+                </a:solidFill>
+              </a:uFill>
+              <a:latin typeface="Arial"/>
+            </a:endParaRPr>
+          </a:p>
+        </p:txBody>
+      </p:sp>
+      <p:sp>
+        <p:nvSpPr>
+          <p:cNvPr id="102" name="PlaceHolder 2"/>
           <p:cNvSpPr>
             <a:spLocks noGrp="1"/>
           </p:cNvSpPr>
@@ -4322,23 +4380,23 @@
             <a:normAutofit/>
           </a:bodyPr>
           <a:p>
-            <a:endParaRPr b="0" lang="en-US" sz="2000" spc="-1" strike="noStrike" cap="all">
-              <a:solidFill>
-                <a:srgbClr val="000000"/>
-              </a:solidFill>
-              <a:uFill>
-                <a:solidFill>
-                  <a:srgbClr val="ffffff"/>
-                </a:solidFill>
-              </a:uFill>
-              <a:latin typeface="Tw Cen MT"/>
-            </a:endParaRPr>
-          </a:p>
-        </p:txBody>
-      </p:sp>
-      <p:sp>
-        <p:nvSpPr>
-          <p:cNvPr id="112" name="PlaceHolder 3"/>
+            <a:endParaRPr b="0" lang="en-US" sz="3200" spc="-1" strike="noStrike">
+              <a:solidFill>
+                <a:srgbClr val="000000"/>
+              </a:solidFill>
+              <a:uFill>
+                <a:solidFill>
+                  <a:srgbClr val="ffffff"/>
+                </a:solidFill>
+              </a:uFill>
+              <a:latin typeface="Arial"/>
+            </a:endParaRPr>
+          </a:p>
+        </p:txBody>
+      </p:sp>
+      <p:sp>
+        <p:nvSpPr>
+          <p:cNvPr id="103" name="PlaceHolder 3"/>
           <p:cNvSpPr>
             <a:spLocks noGrp="1"/>
           </p:cNvSpPr>
@@ -4360,23 +4418,23 @@
             <a:normAutofit/>
           </a:bodyPr>
           <a:p>
-            <a:endParaRPr b="0" lang="en-US" sz="2000" spc="-1" strike="noStrike" cap="all">
-              <a:solidFill>
-                <a:srgbClr val="000000"/>
-              </a:solidFill>
-              <a:uFill>
-                <a:solidFill>
-                  <a:srgbClr val="ffffff"/>
-                </a:solidFill>
-              </a:uFill>
-              <a:latin typeface="Tw Cen MT"/>
-            </a:endParaRPr>
-          </a:p>
-        </p:txBody>
-      </p:sp>
-      <p:sp>
-        <p:nvSpPr>
-          <p:cNvPr id="113" name="PlaceHolder 4"/>
+            <a:endParaRPr b="0" lang="en-US" sz="3200" spc="-1" strike="noStrike">
+              <a:solidFill>
+                <a:srgbClr val="000000"/>
+              </a:solidFill>
+              <a:uFill>
+                <a:solidFill>
+                  <a:srgbClr val="ffffff"/>
+                </a:solidFill>
+              </a:uFill>
+              <a:latin typeface="Arial"/>
+            </a:endParaRPr>
+          </a:p>
+        </p:txBody>
+      </p:sp>
+      <p:sp>
+        <p:nvSpPr>
+          <p:cNvPr id="104" name="PlaceHolder 4"/>
           <p:cNvSpPr>
             <a:spLocks noGrp="1"/>
           </p:cNvSpPr>
@@ -4398,16 +4456,16 @@
             <a:normAutofit/>
           </a:bodyPr>
           <a:p>
-            <a:endParaRPr b="0" lang="en-US" sz="2000" spc="-1" strike="noStrike" cap="all">
-              <a:solidFill>
-                <a:srgbClr val="000000"/>
-              </a:solidFill>
-              <a:uFill>
-                <a:solidFill>
-                  <a:srgbClr val="ffffff"/>
-                </a:solidFill>
-              </a:uFill>
-              <a:latin typeface="Tw Cen MT"/>
+            <a:endParaRPr b="0" lang="en-US" sz="3200" spc="-1" strike="noStrike">
+              <a:solidFill>
+                <a:srgbClr val="000000"/>
+              </a:solidFill>
+              <a:uFill>
+                <a:solidFill>
+                  <a:srgbClr val="ffffff"/>
+                </a:solidFill>
+              </a:uFill>
+              <a:latin typeface="Arial"/>
             </a:endParaRPr>
           </a:p>
         </p:txBody>
@@ -4436,7 +4494,7 @@
       </p:grpSpPr>
       <p:sp>
         <p:nvSpPr>
-          <p:cNvPr id="114" name="PlaceHolder 1"/>
+          <p:cNvPr id="105" name="PlaceHolder 1"/>
           <p:cNvSpPr>
             <a:spLocks noGrp="1"/>
           </p:cNvSpPr>
@@ -4447,7 +4505,7 @@
         <p:spPr>
           <a:xfrm>
             <a:off x="913680" y="618480"/>
-            <a:ext cx="10364040" cy="1595880"/>
+            <a:ext cx="10363680" cy="1595520"/>
           </a:xfrm>
           <a:prstGeom prst="rect">
             <a:avLst/>
@@ -4456,23 +4514,24 @@
         <p:txBody>
           <a:bodyPr lIns="0" rIns="0" tIns="0" bIns="0" anchor="ctr"/>
           <a:p>
-            <a:endParaRPr b="0" lang="en-US" sz="1800" spc="-1" strike="noStrike">
-              <a:solidFill>
-                <a:srgbClr val="000000"/>
-              </a:solidFill>
-              <a:uFill>
-                <a:solidFill>
-                  <a:srgbClr val="ffffff"/>
-                </a:solidFill>
-              </a:uFill>
-              <a:latin typeface="Tw Cen MT"/>
-            </a:endParaRPr>
-          </a:p>
-        </p:txBody>
-      </p:sp>
-      <p:sp>
-        <p:nvSpPr>
-          <p:cNvPr id="115" name="PlaceHolder 2"/>
+            <a:pPr algn="ctr"/>
+            <a:endParaRPr b="0" lang="en-US" sz="4400" spc="-1" strike="noStrike">
+              <a:solidFill>
+                <a:srgbClr val="000000"/>
+              </a:solidFill>
+              <a:uFill>
+                <a:solidFill>
+                  <a:srgbClr val="ffffff"/>
+                </a:solidFill>
+              </a:uFill>
+              <a:latin typeface="Arial"/>
+            </a:endParaRPr>
+          </a:p>
+        </p:txBody>
+      </p:sp>
+      <p:sp>
+        <p:nvSpPr>
+          <p:cNvPr id="106" name="PlaceHolder 2"/>
           <p:cNvSpPr>
             <a:spLocks noGrp="1"/>
           </p:cNvSpPr>
@@ -4494,23 +4553,23 @@
             <a:normAutofit/>
           </a:bodyPr>
           <a:p>
-            <a:endParaRPr b="0" lang="en-US" sz="2000" spc="-1" strike="noStrike" cap="all">
-              <a:solidFill>
-                <a:srgbClr val="000000"/>
-              </a:solidFill>
-              <a:uFill>
-                <a:solidFill>
-                  <a:srgbClr val="ffffff"/>
-                </a:solidFill>
-              </a:uFill>
-              <a:latin typeface="Tw Cen MT"/>
-            </a:endParaRPr>
-          </a:p>
-        </p:txBody>
-      </p:sp>
-      <p:sp>
-        <p:nvSpPr>
-          <p:cNvPr id="116" name="PlaceHolder 3"/>
+            <a:endParaRPr b="0" lang="en-US" sz="3200" spc="-1" strike="noStrike">
+              <a:solidFill>
+                <a:srgbClr val="000000"/>
+              </a:solidFill>
+              <a:uFill>
+                <a:solidFill>
+                  <a:srgbClr val="ffffff"/>
+                </a:solidFill>
+              </a:uFill>
+              <a:latin typeface="Arial"/>
+            </a:endParaRPr>
+          </a:p>
+        </p:txBody>
+      </p:sp>
+      <p:sp>
+        <p:nvSpPr>
+          <p:cNvPr id="107" name="PlaceHolder 3"/>
           <p:cNvSpPr>
             <a:spLocks noGrp="1"/>
           </p:cNvSpPr>
@@ -4532,16 +4591,16 @@
             <a:normAutofit/>
           </a:bodyPr>
           <a:p>
-            <a:endParaRPr b="0" lang="en-US" sz="2000" spc="-1" strike="noStrike" cap="all">
-              <a:solidFill>
-                <a:srgbClr val="000000"/>
-              </a:solidFill>
-              <a:uFill>
-                <a:solidFill>
-                  <a:srgbClr val="ffffff"/>
-                </a:solidFill>
-              </a:uFill>
-              <a:latin typeface="Tw Cen MT"/>
+            <a:endParaRPr b="0" lang="en-US" sz="3200" spc="-1" strike="noStrike">
+              <a:solidFill>
+                <a:srgbClr val="000000"/>
+              </a:solidFill>
+              <a:uFill>
+                <a:solidFill>
+                  <a:srgbClr val="ffffff"/>
+                </a:solidFill>
+              </a:uFill>
+              <a:latin typeface="Arial"/>
             </a:endParaRPr>
           </a:p>
         </p:txBody>
@@ -4570,7 +4629,7 @@
       </p:grpSpPr>
       <p:sp>
         <p:nvSpPr>
-          <p:cNvPr id="117" name="PlaceHolder 1"/>
+          <p:cNvPr id="108" name="PlaceHolder 1"/>
           <p:cNvSpPr>
             <a:spLocks noGrp="1"/>
           </p:cNvSpPr>
@@ -4581,7 +4640,7 @@
         <p:spPr>
           <a:xfrm>
             <a:off x="913680" y="618480"/>
-            <a:ext cx="10364040" cy="1595880"/>
+            <a:ext cx="10363680" cy="1595520"/>
           </a:xfrm>
           <a:prstGeom prst="rect">
             <a:avLst/>
@@ -4590,23 +4649,24 @@
         <p:txBody>
           <a:bodyPr lIns="0" rIns="0" tIns="0" bIns="0" anchor="ctr"/>
           <a:p>
-            <a:endParaRPr b="0" lang="en-US" sz="1800" spc="-1" strike="noStrike">
-              <a:solidFill>
-                <a:srgbClr val="000000"/>
-              </a:solidFill>
-              <a:uFill>
-                <a:solidFill>
-                  <a:srgbClr val="ffffff"/>
-                </a:solidFill>
-              </a:uFill>
-              <a:latin typeface="Tw Cen MT"/>
-            </a:endParaRPr>
-          </a:p>
-        </p:txBody>
-      </p:sp>
-      <p:sp>
-        <p:nvSpPr>
-          <p:cNvPr id="118" name="PlaceHolder 2"/>
+            <a:pPr algn="ctr"/>
+            <a:endParaRPr b="0" lang="en-US" sz="4400" spc="-1" strike="noStrike">
+              <a:solidFill>
+                <a:srgbClr val="000000"/>
+              </a:solidFill>
+              <a:uFill>
+                <a:solidFill>
+                  <a:srgbClr val="ffffff"/>
+                </a:solidFill>
+              </a:uFill>
+              <a:latin typeface="Arial"/>
+            </a:endParaRPr>
+          </a:p>
+        </p:txBody>
+      </p:sp>
+      <p:sp>
+        <p:nvSpPr>
+          <p:cNvPr id="109" name="PlaceHolder 2"/>
           <p:cNvSpPr>
             <a:spLocks noGrp="1"/>
           </p:cNvSpPr>
@@ -4628,23 +4688,23 @@
             <a:normAutofit/>
           </a:bodyPr>
           <a:p>
-            <a:endParaRPr b="0" lang="en-US" sz="2000" spc="-1" strike="noStrike" cap="all">
-              <a:solidFill>
-                <a:srgbClr val="000000"/>
-              </a:solidFill>
-              <a:uFill>
-                <a:solidFill>
-                  <a:srgbClr val="ffffff"/>
-                </a:solidFill>
-              </a:uFill>
-              <a:latin typeface="Tw Cen MT"/>
-            </a:endParaRPr>
-          </a:p>
-        </p:txBody>
-      </p:sp>
-      <p:sp>
-        <p:nvSpPr>
-          <p:cNvPr id="119" name="PlaceHolder 3"/>
+            <a:endParaRPr b="0" lang="en-US" sz="3200" spc="-1" strike="noStrike">
+              <a:solidFill>
+                <a:srgbClr val="000000"/>
+              </a:solidFill>
+              <a:uFill>
+                <a:solidFill>
+                  <a:srgbClr val="ffffff"/>
+                </a:solidFill>
+              </a:uFill>
+              <a:latin typeface="Arial"/>
+            </a:endParaRPr>
+          </a:p>
+        </p:txBody>
+      </p:sp>
+      <p:sp>
+        <p:nvSpPr>
+          <p:cNvPr id="110" name="PlaceHolder 3"/>
           <p:cNvSpPr>
             <a:spLocks noGrp="1"/>
           </p:cNvSpPr>
@@ -4666,23 +4726,23 @@
             <a:normAutofit/>
           </a:bodyPr>
           <a:p>
-            <a:endParaRPr b="0" lang="en-US" sz="2000" spc="-1" strike="noStrike" cap="all">
-              <a:solidFill>
-                <a:srgbClr val="000000"/>
-              </a:solidFill>
-              <a:uFill>
-                <a:solidFill>
-                  <a:srgbClr val="ffffff"/>
-                </a:solidFill>
-              </a:uFill>
-              <a:latin typeface="Tw Cen MT"/>
-            </a:endParaRPr>
-          </a:p>
-        </p:txBody>
-      </p:sp>
-      <p:sp>
-        <p:nvSpPr>
-          <p:cNvPr id="120" name="PlaceHolder 4"/>
+            <a:endParaRPr b="0" lang="en-US" sz="3200" spc="-1" strike="noStrike">
+              <a:solidFill>
+                <a:srgbClr val="000000"/>
+              </a:solidFill>
+              <a:uFill>
+                <a:solidFill>
+                  <a:srgbClr val="ffffff"/>
+                </a:solidFill>
+              </a:uFill>
+              <a:latin typeface="Arial"/>
+            </a:endParaRPr>
+          </a:p>
+        </p:txBody>
+      </p:sp>
+      <p:sp>
+        <p:nvSpPr>
+          <p:cNvPr id="111" name="PlaceHolder 4"/>
           <p:cNvSpPr>
             <a:spLocks noGrp="1"/>
           </p:cNvSpPr>
@@ -4704,23 +4764,23 @@
             <a:normAutofit/>
           </a:bodyPr>
           <a:p>
-            <a:endParaRPr b="0" lang="en-US" sz="2000" spc="-1" strike="noStrike" cap="all">
-              <a:solidFill>
-                <a:srgbClr val="000000"/>
-              </a:solidFill>
-              <a:uFill>
-                <a:solidFill>
-                  <a:srgbClr val="ffffff"/>
-                </a:solidFill>
-              </a:uFill>
-              <a:latin typeface="Tw Cen MT"/>
-            </a:endParaRPr>
-          </a:p>
-        </p:txBody>
-      </p:sp>
-      <p:sp>
-        <p:nvSpPr>
-          <p:cNvPr id="121" name="PlaceHolder 5"/>
+            <a:endParaRPr b="0" lang="en-US" sz="3200" spc="-1" strike="noStrike">
+              <a:solidFill>
+                <a:srgbClr val="000000"/>
+              </a:solidFill>
+              <a:uFill>
+                <a:solidFill>
+                  <a:srgbClr val="ffffff"/>
+                </a:solidFill>
+              </a:uFill>
+              <a:latin typeface="Arial"/>
+            </a:endParaRPr>
+          </a:p>
+        </p:txBody>
+      </p:sp>
+      <p:sp>
+        <p:nvSpPr>
+          <p:cNvPr id="112" name="PlaceHolder 5"/>
           <p:cNvSpPr>
             <a:spLocks noGrp="1"/>
           </p:cNvSpPr>
@@ -4742,16 +4802,16 @@
             <a:normAutofit/>
           </a:bodyPr>
           <a:p>
-            <a:endParaRPr b="0" lang="en-US" sz="2000" spc="-1" strike="noStrike" cap="all">
-              <a:solidFill>
-                <a:srgbClr val="000000"/>
-              </a:solidFill>
-              <a:uFill>
-                <a:solidFill>
-                  <a:srgbClr val="ffffff"/>
-                </a:solidFill>
-              </a:uFill>
-              <a:latin typeface="Tw Cen MT"/>
+            <a:endParaRPr b="0" lang="en-US" sz="3200" spc="-1" strike="noStrike">
+              <a:solidFill>
+                <a:srgbClr val="000000"/>
+              </a:solidFill>
+              <a:uFill>
+                <a:solidFill>
+                  <a:srgbClr val="ffffff"/>
+                </a:solidFill>
+              </a:uFill>
+              <a:latin typeface="Arial"/>
             </a:endParaRPr>
           </a:p>
         </p:txBody>
@@ -4780,7 +4840,7 @@
       </p:grpSpPr>
       <p:sp>
         <p:nvSpPr>
-          <p:cNvPr id="122" name="PlaceHolder 1"/>
+          <p:cNvPr id="113" name="PlaceHolder 1"/>
           <p:cNvSpPr>
             <a:spLocks noGrp="1"/>
           </p:cNvSpPr>
@@ -4791,7 +4851,7 @@
         <p:spPr>
           <a:xfrm>
             <a:off x="913680" y="618480"/>
-            <a:ext cx="10364040" cy="1595880"/>
+            <a:ext cx="10363680" cy="1595520"/>
           </a:xfrm>
           <a:prstGeom prst="rect">
             <a:avLst/>
@@ -4800,23 +4860,24 @@
         <p:txBody>
           <a:bodyPr lIns="0" rIns="0" tIns="0" bIns="0" anchor="ctr"/>
           <a:p>
-            <a:endParaRPr b="0" lang="en-US" sz="1800" spc="-1" strike="noStrike">
-              <a:solidFill>
-                <a:srgbClr val="000000"/>
-              </a:solidFill>
-              <a:uFill>
-                <a:solidFill>
-                  <a:srgbClr val="ffffff"/>
-                </a:solidFill>
-              </a:uFill>
-              <a:latin typeface="Tw Cen MT"/>
-            </a:endParaRPr>
-          </a:p>
-        </p:txBody>
-      </p:sp>
-      <p:sp>
-        <p:nvSpPr>
-          <p:cNvPr id="123" name="PlaceHolder 2"/>
+            <a:pPr algn="ctr"/>
+            <a:endParaRPr b="0" lang="en-US" sz="4400" spc="-1" strike="noStrike">
+              <a:solidFill>
+                <a:srgbClr val="000000"/>
+              </a:solidFill>
+              <a:uFill>
+                <a:solidFill>
+                  <a:srgbClr val="ffffff"/>
+                </a:solidFill>
+              </a:uFill>
+              <a:latin typeface="Arial"/>
+            </a:endParaRPr>
+          </a:p>
+        </p:txBody>
+      </p:sp>
+      <p:sp>
+        <p:nvSpPr>
+          <p:cNvPr id="114" name="PlaceHolder 2"/>
           <p:cNvSpPr>
             <a:spLocks noGrp="1"/>
           </p:cNvSpPr>
@@ -4838,23 +4899,23 @@
             <a:normAutofit/>
           </a:bodyPr>
           <a:p>
-            <a:endParaRPr b="0" lang="en-US" sz="2000" spc="-1" strike="noStrike" cap="all">
-              <a:solidFill>
-                <a:srgbClr val="000000"/>
-              </a:solidFill>
-              <a:uFill>
-                <a:solidFill>
-                  <a:srgbClr val="ffffff"/>
-                </a:solidFill>
-              </a:uFill>
-              <a:latin typeface="Tw Cen MT"/>
-            </a:endParaRPr>
-          </a:p>
-        </p:txBody>
-      </p:sp>
-      <p:sp>
-        <p:nvSpPr>
-          <p:cNvPr id="124" name="PlaceHolder 3"/>
+            <a:endParaRPr b="0" lang="en-US" sz="3200" spc="-1" strike="noStrike">
+              <a:solidFill>
+                <a:srgbClr val="000000"/>
+              </a:solidFill>
+              <a:uFill>
+                <a:solidFill>
+                  <a:srgbClr val="ffffff"/>
+                </a:solidFill>
+              </a:uFill>
+              <a:latin typeface="Arial"/>
+            </a:endParaRPr>
+          </a:p>
+        </p:txBody>
+      </p:sp>
+      <p:sp>
+        <p:nvSpPr>
+          <p:cNvPr id="115" name="PlaceHolder 3"/>
           <p:cNvSpPr>
             <a:spLocks noGrp="1"/>
           </p:cNvSpPr>
@@ -4876,23 +4937,23 @@
             <a:normAutofit/>
           </a:bodyPr>
           <a:p>
-            <a:endParaRPr b="0" lang="en-US" sz="2000" spc="-1" strike="noStrike" cap="all">
-              <a:solidFill>
-                <a:srgbClr val="000000"/>
-              </a:solidFill>
-              <a:uFill>
-                <a:solidFill>
-                  <a:srgbClr val="ffffff"/>
-                </a:solidFill>
-              </a:uFill>
-              <a:latin typeface="Tw Cen MT"/>
-            </a:endParaRPr>
-          </a:p>
-        </p:txBody>
-      </p:sp>
-      <p:sp>
-        <p:nvSpPr>
-          <p:cNvPr id="125" name="PlaceHolder 4"/>
+            <a:endParaRPr b="0" lang="en-US" sz="3200" spc="-1" strike="noStrike">
+              <a:solidFill>
+                <a:srgbClr val="000000"/>
+              </a:solidFill>
+              <a:uFill>
+                <a:solidFill>
+                  <a:srgbClr val="ffffff"/>
+                </a:solidFill>
+              </a:uFill>
+              <a:latin typeface="Arial"/>
+            </a:endParaRPr>
+          </a:p>
+        </p:txBody>
+      </p:sp>
+      <p:sp>
+        <p:nvSpPr>
+          <p:cNvPr id="116" name="PlaceHolder 4"/>
           <p:cNvSpPr>
             <a:spLocks noGrp="1"/>
           </p:cNvSpPr>
@@ -4914,23 +4975,23 @@
             <a:normAutofit/>
           </a:bodyPr>
           <a:p>
-            <a:endParaRPr b="0" lang="en-US" sz="2000" spc="-1" strike="noStrike" cap="all">
-              <a:solidFill>
-                <a:srgbClr val="000000"/>
-              </a:solidFill>
-              <a:uFill>
-                <a:solidFill>
-                  <a:srgbClr val="ffffff"/>
-                </a:solidFill>
-              </a:uFill>
-              <a:latin typeface="Tw Cen MT"/>
-            </a:endParaRPr>
-          </a:p>
-        </p:txBody>
-      </p:sp>
-      <p:sp>
-        <p:nvSpPr>
-          <p:cNvPr id="126" name="PlaceHolder 5"/>
+            <a:endParaRPr b="0" lang="en-US" sz="3200" spc="-1" strike="noStrike">
+              <a:solidFill>
+                <a:srgbClr val="000000"/>
+              </a:solidFill>
+              <a:uFill>
+                <a:solidFill>
+                  <a:srgbClr val="ffffff"/>
+                </a:solidFill>
+              </a:uFill>
+              <a:latin typeface="Arial"/>
+            </a:endParaRPr>
+          </a:p>
+        </p:txBody>
+      </p:sp>
+      <p:sp>
+        <p:nvSpPr>
+          <p:cNvPr id="117" name="PlaceHolder 5"/>
           <p:cNvSpPr>
             <a:spLocks noGrp="1"/>
           </p:cNvSpPr>
@@ -4952,23 +5013,23 @@
             <a:normAutofit/>
           </a:bodyPr>
           <a:p>
-            <a:endParaRPr b="0" lang="en-US" sz="2000" spc="-1" strike="noStrike" cap="all">
-              <a:solidFill>
-                <a:srgbClr val="000000"/>
-              </a:solidFill>
-              <a:uFill>
-                <a:solidFill>
-                  <a:srgbClr val="ffffff"/>
-                </a:solidFill>
-              </a:uFill>
-              <a:latin typeface="Tw Cen MT"/>
-            </a:endParaRPr>
-          </a:p>
-        </p:txBody>
-      </p:sp>
-      <p:sp>
-        <p:nvSpPr>
-          <p:cNvPr id="127" name="PlaceHolder 6"/>
+            <a:endParaRPr b="0" lang="en-US" sz="3200" spc="-1" strike="noStrike">
+              <a:solidFill>
+                <a:srgbClr val="000000"/>
+              </a:solidFill>
+              <a:uFill>
+                <a:solidFill>
+                  <a:srgbClr val="ffffff"/>
+                </a:solidFill>
+              </a:uFill>
+              <a:latin typeface="Arial"/>
+            </a:endParaRPr>
+          </a:p>
+        </p:txBody>
+      </p:sp>
+      <p:sp>
+        <p:nvSpPr>
+          <p:cNvPr id="118" name="PlaceHolder 6"/>
           <p:cNvSpPr>
             <a:spLocks noGrp="1"/>
           </p:cNvSpPr>
@@ -4990,23 +5051,23 @@
             <a:normAutofit/>
           </a:bodyPr>
           <a:p>
-            <a:endParaRPr b="0" lang="en-US" sz="2000" spc="-1" strike="noStrike" cap="all">
-              <a:solidFill>
-                <a:srgbClr val="000000"/>
-              </a:solidFill>
-              <a:uFill>
-                <a:solidFill>
-                  <a:srgbClr val="ffffff"/>
-                </a:solidFill>
-              </a:uFill>
-              <a:latin typeface="Tw Cen MT"/>
-            </a:endParaRPr>
-          </a:p>
-        </p:txBody>
-      </p:sp>
-      <p:sp>
-        <p:nvSpPr>
-          <p:cNvPr id="128" name="PlaceHolder 7"/>
+            <a:endParaRPr b="0" lang="en-US" sz="3200" spc="-1" strike="noStrike">
+              <a:solidFill>
+                <a:srgbClr val="000000"/>
+              </a:solidFill>
+              <a:uFill>
+                <a:solidFill>
+                  <a:srgbClr val="ffffff"/>
+                </a:solidFill>
+              </a:uFill>
+              <a:latin typeface="Arial"/>
+            </a:endParaRPr>
+          </a:p>
+        </p:txBody>
+      </p:sp>
+      <p:sp>
+        <p:nvSpPr>
+          <p:cNvPr id="119" name="PlaceHolder 7"/>
           <p:cNvSpPr>
             <a:spLocks noGrp="1"/>
           </p:cNvSpPr>
@@ -5028,16 +5089,16 @@
             <a:normAutofit/>
           </a:bodyPr>
           <a:p>
-            <a:endParaRPr b="0" lang="en-US" sz="2000" spc="-1" strike="noStrike" cap="all">
-              <a:solidFill>
-                <a:srgbClr val="000000"/>
-              </a:solidFill>
-              <a:uFill>
-                <a:solidFill>
-                  <a:srgbClr val="ffffff"/>
-                </a:solidFill>
-              </a:uFill>
-              <a:latin typeface="Tw Cen MT"/>
+            <a:endParaRPr b="0" lang="en-US" sz="3200" spc="-1" strike="noStrike">
+              <a:solidFill>
+                <a:srgbClr val="000000"/>
+              </a:solidFill>
+              <a:uFill>
+                <a:solidFill>
+                  <a:srgbClr val="ffffff"/>
+                </a:solidFill>
+              </a:uFill>
+              <a:latin typeface="Arial"/>
             </a:endParaRPr>
           </a:p>
         </p:txBody>
@@ -5066,7 +5127,7 @@
       </p:grpSpPr>
       <p:sp>
         <p:nvSpPr>
-          <p:cNvPr id="11" name="PlaceHolder 1"/>
+          <p:cNvPr id="8" name="PlaceHolder 1"/>
           <p:cNvSpPr>
             <a:spLocks noGrp="1"/>
           </p:cNvSpPr>
@@ -5077,7 +5138,7 @@
         <p:spPr>
           <a:xfrm>
             <a:off x="913680" y="618480"/>
-            <a:ext cx="10364040" cy="1595880"/>
+            <a:ext cx="10363680" cy="1595520"/>
           </a:xfrm>
           <a:prstGeom prst="rect">
             <a:avLst/>
@@ -5086,23 +5147,24 @@
         <p:txBody>
           <a:bodyPr lIns="0" rIns="0" tIns="0" bIns="0" anchor="ctr"/>
           <a:p>
-            <a:endParaRPr b="0" lang="en-US" sz="1800" spc="-1" strike="noStrike">
-              <a:solidFill>
-                <a:srgbClr val="000000"/>
-              </a:solidFill>
-              <a:uFill>
-                <a:solidFill>
-                  <a:srgbClr val="ffffff"/>
-                </a:solidFill>
-              </a:uFill>
-              <a:latin typeface="Tw Cen MT"/>
-            </a:endParaRPr>
-          </a:p>
-        </p:txBody>
-      </p:sp>
-      <p:sp>
-        <p:nvSpPr>
-          <p:cNvPr id="12" name="PlaceHolder 2"/>
+            <a:pPr algn="ctr"/>
+            <a:endParaRPr b="0" lang="en-US" sz="4400" spc="-1" strike="noStrike">
+              <a:solidFill>
+                <a:srgbClr val="000000"/>
+              </a:solidFill>
+              <a:uFill>
+                <a:solidFill>
+                  <a:srgbClr val="ffffff"/>
+                </a:solidFill>
+              </a:uFill>
+              <a:latin typeface="Arial"/>
+            </a:endParaRPr>
+          </a:p>
+        </p:txBody>
+      </p:sp>
+      <p:sp>
+        <p:nvSpPr>
+          <p:cNvPr id="9" name="PlaceHolder 2"/>
           <p:cNvSpPr>
             <a:spLocks noGrp="1"/>
           </p:cNvSpPr>
@@ -5124,23 +5186,23 @@
             <a:normAutofit/>
           </a:bodyPr>
           <a:p>
-            <a:endParaRPr b="0" lang="en-US" sz="2000" spc="-1" strike="noStrike" cap="all">
-              <a:solidFill>
-                <a:srgbClr val="000000"/>
-              </a:solidFill>
-              <a:uFill>
-                <a:solidFill>
-                  <a:srgbClr val="ffffff"/>
-                </a:solidFill>
-              </a:uFill>
-              <a:latin typeface="Tw Cen MT"/>
-            </a:endParaRPr>
-          </a:p>
-        </p:txBody>
-      </p:sp>
-      <p:sp>
-        <p:nvSpPr>
-          <p:cNvPr id="13" name="PlaceHolder 3"/>
+            <a:endParaRPr b="0" lang="en-US" sz="3200" spc="-1" strike="noStrike">
+              <a:solidFill>
+                <a:srgbClr val="000000"/>
+              </a:solidFill>
+              <a:uFill>
+                <a:solidFill>
+                  <a:srgbClr val="ffffff"/>
+                </a:solidFill>
+              </a:uFill>
+              <a:latin typeface="Arial"/>
+            </a:endParaRPr>
+          </a:p>
+        </p:txBody>
+      </p:sp>
+      <p:sp>
+        <p:nvSpPr>
+          <p:cNvPr id="10" name="PlaceHolder 3"/>
           <p:cNvSpPr>
             <a:spLocks noGrp="1"/>
           </p:cNvSpPr>
@@ -5162,16 +5224,16 @@
             <a:normAutofit/>
           </a:bodyPr>
           <a:p>
-            <a:endParaRPr b="0" lang="en-US" sz="2000" spc="-1" strike="noStrike" cap="all">
-              <a:solidFill>
-                <a:srgbClr val="000000"/>
-              </a:solidFill>
-              <a:uFill>
-                <a:solidFill>
-                  <a:srgbClr val="ffffff"/>
-                </a:solidFill>
-              </a:uFill>
-              <a:latin typeface="Tw Cen MT"/>
+            <a:endParaRPr b="0" lang="en-US" sz="3200" spc="-1" strike="noStrike">
+              <a:solidFill>
+                <a:srgbClr val="000000"/>
+              </a:solidFill>
+              <a:uFill>
+                <a:solidFill>
+                  <a:srgbClr val="ffffff"/>
+                </a:solidFill>
+              </a:uFill>
+              <a:latin typeface="Arial"/>
             </a:endParaRPr>
           </a:p>
         </p:txBody>
@@ -5200,7 +5262,7 @@
       </p:grpSpPr>
       <p:sp>
         <p:nvSpPr>
-          <p:cNvPr id="14" name="PlaceHolder 1"/>
+          <p:cNvPr id="11" name="PlaceHolder 1"/>
           <p:cNvSpPr>
             <a:spLocks noGrp="1"/>
           </p:cNvSpPr>
@@ -5211,7 +5273,7 @@
         <p:spPr>
           <a:xfrm>
             <a:off x="913680" y="618480"/>
-            <a:ext cx="10364040" cy="1595880"/>
+            <a:ext cx="10363680" cy="1595520"/>
           </a:xfrm>
           <a:prstGeom prst="rect">
             <a:avLst/>
@@ -5220,16 +5282,17 @@
         <p:txBody>
           <a:bodyPr lIns="0" rIns="0" tIns="0" bIns="0" anchor="ctr"/>
           <a:p>
-            <a:endParaRPr b="0" lang="en-US" sz="1800" spc="-1" strike="noStrike">
-              <a:solidFill>
-                <a:srgbClr val="000000"/>
-              </a:solidFill>
-              <a:uFill>
-                <a:solidFill>
-                  <a:srgbClr val="ffffff"/>
-                </a:solidFill>
-              </a:uFill>
-              <a:latin typeface="Tw Cen MT"/>
+            <a:pPr algn="ctr"/>
+            <a:endParaRPr b="0" lang="en-US" sz="4400" spc="-1" strike="noStrike">
+              <a:solidFill>
+                <a:srgbClr val="000000"/>
+              </a:solidFill>
+              <a:uFill>
+                <a:solidFill>
+                  <a:srgbClr val="ffffff"/>
+                </a:solidFill>
+              </a:uFill>
+              <a:latin typeface="Arial"/>
             </a:endParaRPr>
           </a:p>
         </p:txBody>
@@ -5258,7 +5321,7 @@
       </p:grpSpPr>
       <p:sp>
         <p:nvSpPr>
-          <p:cNvPr id="15" name="PlaceHolder 1"/>
+          <p:cNvPr id="12" name="PlaceHolder 1"/>
           <p:cNvSpPr>
             <a:spLocks noGrp="1"/>
           </p:cNvSpPr>
@@ -5269,7 +5332,7 @@
         <p:spPr>
           <a:xfrm>
             <a:off x="913680" y="618480"/>
-            <a:ext cx="10364040" cy="7398720"/>
+            <a:ext cx="10363680" cy="7397280"/>
           </a:xfrm>
           <a:prstGeom prst="rect">
             <a:avLst/>
@@ -5317,7 +5380,7 @@
       </p:grpSpPr>
       <p:sp>
         <p:nvSpPr>
-          <p:cNvPr id="16" name="PlaceHolder 1"/>
+          <p:cNvPr id="13" name="PlaceHolder 1"/>
           <p:cNvSpPr>
             <a:spLocks noGrp="1"/>
           </p:cNvSpPr>
@@ -5328,7 +5391,7 @@
         <p:spPr>
           <a:xfrm>
             <a:off x="913680" y="618480"/>
-            <a:ext cx="10364040" cy="1595880"/>
+            <a:ext cx="10363680" cy="1595520"/>
           </a:xfrm>
           <a:prstGeom prst="rect">
             <a:avLst/>
@@ -5337,23 +5400,24 @@
         <p:txBody>
           <a:bodyPr lIns="0" rIns="0" tIns="0" bIns="0" anchor="ctr"/>
           <a:p>
-            <a:endParaRPr b="0" lang="en-US" sz="1800" spc="-1" strike="noStrike">
-              <a:solidFill>
-                <a:srgbClr val="000000"/>
-              </a:solidFill>
-              <a:uFill>
-                <a:solidFill>
-                  <a:srgbClr val="ffffff"/>
-                </a:solidFill>
-              </a:uFill>
-              <a:latin typeface="Tw Cen MT"/>
-            </a:endParaRPr>
-          </a:p>
-        </p:txBody>
-      </p:sp>
-      <p:sp>
-        <p:nvSpPr>
-          <p:cNvPr id="17" name="PlaceHolder 2"/>
+            <a:pPr algn="ctr"/>
+            <a:endParaRPr b="0" lang="en-US" sz="4400" spc="-1" strike="noStrike">
+              <a:solidFill>
+                <a:srgbClr val="000000"/>
+              </a:solidFill>
+              <a:uFill>
+                <a:solidFill>
+                  <a:srgbClr val="ffffff"/>
+                </a:solidFill>
+              </a:uFill>
+              <a:latin typeface="Arial"/>
+            </a:endParaRPr>
+          </a:p>
+        </p:txBody>
+      </p:sp>
+      <p:sp>
+        <p:nvSpPr>
+          <p:cNvPr id="14" name="PlaceHolder 2"/>
           <p:cNvSpPr>
             <a:spLocks noGrp="1"/>
           </p:cNvSpPr>
@@ -5375,23 +5439,23 @@
             <a:normAutofit/>
           </a:bodyPr>
           <a:p>
-            <a:endParaRPr b="0" lang="en-US" sz="2000" spc="-1" strike="noStrike" cap="all">
-              <a:solidFill>
-                <a:srgbClr val="000000"/>
-              </a:solidFill>
-              <a:uFill>
-                <a:solidFill>
-                  <a:srgbClr val="ffffff"/>
-                </a:solidFill>
-              </a:uFill>
-              <a:latin typeface="Tw Cen MT"/>
-            </a:endParaRPr>
-          </a:p>
-        </p:txBody>
-      </p:sp>
-      <p:sp>
-        <p:nvSpPr>
-          <p:cNvPr id="18" name="PlaceHolder 3"/>
+            <a:endParaRPr b="0" lang="en-US" sz="3200" spc="-1" strike="noStrike">
+              <a:solidFill>
+                <a:srgbClr val="000000"/>
+              </a:solidFill>
+              <a:uFill>
+                <a:solidFill>
+                  <a:srgbClr val="ffffff"/>
+                </a:solidFill>
+              </a:uFill>
+              <a:latin typeface="Arial"/>
+            </a:endParaRPr>
+          </a:p>
+        </p:txBody>
+      </p:sp>
+      <p:sp>
+        <p:nvSpPr>
+          <p:cNvPr id="15" name="PlaceHolder 3"/>
           <p:cNvSpPr>
             <a:spLocks noGrp="1"/>
           </p:cNvSpPr>
@@ -5413,23 +5477,23 @@
             <a:normAutofit/>
           </a:bodyPr>
           <a:p>
-            <a:endParaRPr b="0" lang="en-US" sz="2000" spc="-1" strike="noStrike" cap="all">
-              <a:solidFill>
-                <a:srgbClr val="000000"/>
-              </a:solidFill>
-              <a:uFill>
-                <a:solidFill>
-                  <a:srgbClr val="ffffff"/>
-                </a:solidFill>
-              </a:uFill>
-              <a:latin typeface="Tw Cen MT"/>
-            </a:endParaRPr>
-          </a:p>
-        </p:txBody>
-      </p:sp>
-      <p:sp>
-        <p:nvSpPr>
-          <p:cNvPr id="19" name="PlaceHolder 4"/>
+            <a:endParaRPr b="0" lang="en-US" sz="3200" spc="-1" strike="noStrike">
+              <a:solidFill>
+                <a:srgbClr val="000000"/>
+              </a:solidFill>
+              <a:uFill>
+                <a:solidFill>
+                  <a:srgbClr val="ffffff"/>
+                </a:solidFill>
+              </a:uFill>
+              <a:latin typeface="Arial"/>
+            </a:endParaRPr>
+          </a:p>
+        </p:txBody>
+      </p:sp>
+      <p:sp>
+        <p:nvSpPr>
+          <p:cNvPr id="16" name="PlaceHolder 4"/>
           <p:cNvSpPr>
             <a:spLocks noGrp="1"/>
           </p:cNvSpPr>
@@ -5451,16 +5515,16 @@
             <a:normAutofit/>
           </a:bodyPr>
           <a:p>
-            <a:endParaRPr b="0" lang="en-US" sz="2000" spc="-1" strike="noStrike" cap="all">
-              <a:solidFill>
-                <a:srgbClr val="000000"/>
-              </a:solidFill>
-              <a:uFill>
-                <a:solidFill>
-                  <a:srgbClr val="ffffff"/>
-                </a:solidFill>
-              </a:uFill>
-              <a:latin typeface="Tw Cen MT"/>
+            <a:endParaRPr b="0" lang="en-US" sz="3200" spc="-1" strike="noStrike">
+              <a:solidFill>
+                <a:srgbClr val="000000"/>
+              </a:solidFill>
+              <a:uFill>
+                <a:solidFill>
+                  <a:srgbClr val="ffffff"/>
+                </a:solidFill>
+              </a:uFill>
+              <a:latin typeface="Arial"/>
             </a:endParaRPr>
           </a:p>
         </p:txBody>
@@ -5489,7 +5553,7 @@
       </p:grpSpPr>
       <p:sp>
         <p:nvSpPr>
-          <p:cNvPr id="20" name="PlaceHolder 1"/>
+          <p:cNvPr id="17" name="PlaceHolder 1"/>
           <p:cNvSpPr>
             <a:spLocks noGrp="1"/>
           </p:cNvSpPr>
@@ -5500,7 +5564,7 @@
         <p:spPr>
           <a:xfrm>
             <a:off x="913680" y="618480"/>
-            <a:ext cx="10364040" cy="1595880"/>
+            <a:ext cx="10363680" cy="1595520"/>
           </a:xfrm>
           <a:prstGeom prst="rect">
             <a:avLst/>
@@ -5509,23 +5573,24 @@
         <p:txBody>
           <a:bodyPr lIns="0" rIns="0" tIns="0" bIns="0" anchor="ctr"/>
           <a:p>
-            <a:endParaRPr b="0" lang="en-US" sz="1800" spc="-1" strike="noStrike">
-              <a:solidFill>
-                <a:srgbClr val="000000"/>
-              </a:solidFill>
-              <a:uFill>
-                <a:solidFill>
-                  <a:srgbClr val="ffffff"/>
-                </a:solidFill>
-              </a:uFill>
-              <a:latin typeface="Tw Cen MT"/>
-            </a:endParaRPr>
-          </a:p>
-        </p:txBody>
-      </p:sp>
-      <p:sp>
-        <p:nvSpPr>
-          <p:cNvPr id="21" name="PlaceHolder 2"/>
+            <a:pPr algn="ctr"/>
+            <a:endParaRPr b="0" lang="en-US" sz="4400" spc="-1" strike="noStrike">
+              <a:solidFill>
+                <a:srgbClr val="000000"/>
+              </a:solidFill>
+              <a:uFill>
+                <a:solidFill>
+                  <a:srgbClr val="ffffff"/>
+                </a:solidFill>
+              </a:uFill>
+              <a:latin typeface="Arial"/>
+            </a:endParaRPr>
+          </a:p>
+        </p:txBody>
+      </p:sp>
+      <p:sp>
+        <p:nvSpPr>
+          <p:cNvPr id="18" name="PlaceHolder 2"/>
           <p:cNvSpPr>
             <a:spLocks noGrp="1"/>
           </p:cNvSpPr>
@@ -5547,23 +5612,23 @@
             <a:normAutofit/>
           </a:bodyPr>
           <a:p>
-            <a:endParaRPr b="0" lang="en-US" sz="2000" spc="-1" strike="noStrike" cap="all">
-              <a:solidFill>
-                <a:srgbClr val="000000"/>
-              </a:solidFill>
-              <a:uFill>
-                <a:solidFill>
-                  <a:srgbClr val="ffffff"/>
-                </a:solidFill>
-              </a:uFill>
-              <a:latin typeface="Tw Cen MT"/>
-            </a:endParaRPr>
-          </a:p>
-        </p:txBody>
-      </p:sp>
-      <p:sp>
-        <p:nvSpPr>
-          <p:cNvPr id="22" name="PlaceHolder 3"/>
+            <a:endParaRPr b="0" lang="en-US" sz="3200" spc="-1" strike="noStrike">
+              <a:solidFill>
+                <a:srgbClr val="000000"/>
+              </a:solidFill>
+              <a:uFill>
+                <a:solidFill>
+                  <a:srgbClr val="ffffff"/>
+                </a:solidFill>
+              </a:uFill>
+              <a:latin typeface="Arial"/>
+            </a:endParaRPr>
+          </a:p>
+        </p:txBody>
+      </p:sp>
+      <p:sp>
+        <p:nvSpPr>
+          <p:cNvPr id="19" name="PlaceHolder 3"/>
           <p:cNvSpPr>
             <a:spLocks noGrp="1"/>
           </p:cNvSpPr>
@@ -5585,23 +5650,23 @@
             <a:normAutofit/>
           </a:bodyPr>
           <a:p>
-            <a:endParaRPr b="0" lang="en-US" sz="2000" spc="-1" strike="noStrike" cap="all">
-              <a:solidFill>
-                <a:srgbClr val="000000"/>
-              </a:solidFill>
-              <a:uFill>
-                <a:solidFill>
-                  <a:srgbClr val="ffffff"/>
-                </a:solidFill>
-              </a:uFill>
-              <a:latin typeface="Tw Cen MT"/>
-            </a:endParaRPr>
-          </a:p>
-        </p:txBody>
-      </p:sp>
-      <p:sp>
-        <p:nvSpPr>
-          <p:cNvPr id="23" name="PlaceHolder 4"/>
+            <a:endParaRPr b="0" lang="en-US" sz="3200" spc="-1" strike="noStrike">
+              <a:solidFill>
+                <a:srgbClr val="000000"/>
+              </a:solidFill>
+              <a:uFill>
+                <a:solidFill>
+                  <a:srgbClr val="ffffff"/>
+                </a:solidFill>
+              </a:uFill>
+              <a:latin typeface="Arial"/>
+            </a:endParaRPr>
+          </a:p>
+        </p:txBody>
+      </p:sp>
+      <p:sp>
+        <p:nvSpPr>
+          <p:cNvPr id="20" name="PlaceHolder 4"/>
           <p:cNvSpPr>
             <a:spLocks noGrp="1"/>
           </p:cNvSpPr>
@@ -5623,16 +5688,16 @@
             <a:normAutofit/>
           </a:bodyPr>
           <a:p>
-            <a:endParaRPr b="0" lang="en-US" sz="2000" spc="-1" strike="noStrike" cap="all">
-              <a:solidFill>
-                <a:srgbClr val="000000"/>
-              </a:solidFill>
-              <a:uFill>
-                <a:solidFill>
-                  <a:srgbClr val="ffffff"/>
-                </a:solidFill>
-              </a:uFill>
-              <a:latin typeface="Tw Cen MT"/>
+            <a:endParaRPr b="0" lang="en-US" sz="3200" spc="-1" strike="noStrike">
+              <a:solidFill>
+                <a:srgbClr val="000000"/>
+              </a:solidFill>
+              <a:uFill>
+                <a:solidFill>
+                  <a:srgbClr val="ffffff"/>
+                </a:solidFill>
+              </a:uFill>
+              <a:latin typeface="Arial"/>
             </a:endParaRPr>
           </a:p>
         </p:txBody>
@@ -5661,7 +5726,7 @@
       </p:grpSpPr>
       <p:sp>
         <p:nvSpPr>
-          <p:cNvPr id="24" name="PlaceHolder 1"/>
+          <p:cNvPr id="21" name="PlaceHolder 1"/>
           <p:cNvSpPr>
             <a:spLocks noGrp="1"/>
           </p:cNvSpPr>
@@ -5672,7 +5737,7 @@
         <p:spPr>
           <a:xfrm>
             <a:off x="913680" y="618480"/>
-            <a:ext cx="10364040" cy="1595880"/>
+            <a:ext cx="10363680" cy="1595520"/>
           </a:xfrm>
           <a:prstGeom prst="rect">
             <a:avLst/>
@@ -5681,23 +5746,24 @@
         <p:txBody>
           <a:bodyPr lIns="0" rIns="0" tIns="0" bIns="0" anchor="ctr"/>
           <a:p>
-            <a:endParaRPr b="0" lang="en-US" sz="1800" spc="-1" strike="noStrike">
-              <a:solidFill>
-                <a:srgbClr val="000000"/>
-              </a:solidFill>
-              <a:uFill>
-                <a:solidFill>
-                  <a:srgbClr val="ffffff"/>
-                </a:solidFill>
-              </a:uFill>
-              <a:latin typeface="Tw Cen MT"/>
-            </a:endParaRPr>
-          </a:p>
-        </p:txBody>
-      </p:sp>
-      <p:sp>
-        <p:nvSpPr>
-          <p:cNvPr id="25" name="PlaceHolder 2"/>
+            <a:pPr algn="ctr"/>
+            <a:endParaRPr b="0" lang="en-US" sz="4400" spc="-1" strike="noStrike">
+              <a:solidFill>
+                <a:srgbClr val="000000"/>
+              </a:solidFill>
+              <a:uFill>
+                <a:solidFill>
+                  <a:srgbClr val="ffffff"/>
+                </a:solidFill>
+              </a:uFill>
+              <a:latin typeface="Arial"/>
+            </a:endParaRPr>
+          </a:p>
+        </p:txBody>
+      </p:sp>
+      <p:sp>
+        <p:nvSpPr>
+          <p:cNvPr id="22" name="PlaceHolder 2"/>
           <p:cNvSpPr>
             <a:spLocks noGrp="1"/>
           </p:cNvSpPr>
@@ -5719,23 +5785,23 @@
             <a:normAutofit/>
           </a:bodyPr>
           <a:p>
-            <a:endParaRPr b="0" lang="en-US" sz="2000" spc="-1" strike="noStrike" cap="all">
-              <a:solidFill>
-                <a:srgbClr val="000000"/>
-              </a:solidFill>
-              <a:uFill>
-                <a:solidFill>
-                  <a:srgbClr val="ffffff"/>
-                </a:solidFill>
-              </a:uFill>
-              <a:latin typeface="Tw Cen MT"/>
-            </a:endParaRPr>
-          </a:p>
-        </p:txBody>
-      </p:sp>
-      <p:sp>
-        <p:nvSpPr>
-          <p:cNvPr id="26" name="PlaceHolder 3"/>
+            <a:endParaRPr b="0" lang="en-US" sz="3200" spc="-1" strike="noStrike">
+              <a:solidFill>
+                <a:srgbClr val="000000"/>
+              </a:solidFill>
+              <a:uFill>
+                <a:solidFill>
+                  <a:srgbClr val="ffffff"/>
+                </a:solidFill>
+              </a:uFill>
+              <a:latin typeface="Arial"/>
+            </a:endParaRPr>
+          </a:p>
+        </p:txBody>
+      </p:sp>
+      <p:sp>
+        <p:nvSpPr>
+          <p:cNvPr id="23" name="PlaceHolder 3"/>
           <p:cNvSpPr>
             <a:spLocks noGrp="1"/>
           </p:cNvSpPr>
@@ -5757,23 +5823,23 @@
             <a:normAutofit/>
           </a:bodyPr>
           <a:p>
-            <a:endParaRPr b="0" lang="en-US" sz="2000" spc="-1" strike="noStrike" cap="all">
-              <a:solidFill>
-                <a:srgbClr val="000000"/>
-              </a:solidFill>
-              <a:uFill>
-                <a:solidFill>
-                  <a:srgbClr val="ffffff"/>
-                </a:solidFill>
-              </a:uFill>
-              <a:latin typeface="Tw Cen MT"/>
-            </a:endParaRPr>
-          </a:p>
-        </p:txBody>
-      </p:sp>
-      <p:sp>
-        <p:nvSpPr>
-          <p:cNvPr id="27" name="PlaceHolder 4"/>
+            <a:endParaRPr b="0" lang="en-US" sz="3200" spc="-1" strike="noStrike">
+              <a:solidFill>
+                <a:srgbClr val="000000"/>
+              </a:solidFill>
+              <a:uFill>
+                <a:solidFill>
+                  <a:srgbClr val="ffffff"/>
+                </a:solidFill>
+              </a:uFill>
+              <a:latin typeface="Arial"/>
+            </a:endParaRPr>
+          </a:p>
+        </p:txBody>
+      </p:sp>
+      <p:sp>
+        <p:nvSpPr>
+          <p:cNvPr id="24" name="PlaceHolder 4"/>
           <p:cNvSpPr>
             <a:spLocks noGrp="1"/>
           </p:cNvSpPr>
@@ -5795,16 +5861,16 @@
             <a:normAutofit/>
           </a:bodyPr>
           <a:p>
-            <a:endParaRPr b="0" lang="en-US" sz="2000" spc="-1" strike="noStrike" cap="all">
-              <a:solidFill>
-                <a:srgbClr val="000000"/>
-              </a:solidFill>
-              <a:uFill>
-                <a:solidFill>
-                  <a:srgbClr val="ffffff"/>
-                </a:solidFill>
-              </a:uFill>
-              <a:latin typeface="Tw Cen MT"/>
+            <a:endParaRPr b="0" lang="en-US" sz="3200" spc="-1" strike="noStrike">
+              <a:solidFill>
+                <a:srgbClr val="000000"/>
+              </a:solidFill>
+              <a:uFill>
+                <a:solidFill>
+                  <a:srgbClr val="ffffff"/>
+                </a:solidFill>
+              </a:uFill>
+              <a:latin typeface="Arial"/>
             </a:endParaRPr>
           </a:p>
         </p:txBody>
@@ -5844,7 +5910,7 @@
         <p:spPr>
           <a:xfrm>
             <a:off x="0" y="0"/>
-            <a:ext cx="12191760" cy="6857640"/>
+            <a:ext cx="12191400" cy="6857280"/>
           </a:xfrm>
           <a:prstGeom prst="rect">
             <a:avLst/>
@@ -5867,7 +5933,7 @@
         <p:spPr>
           <a:xfrm>
             <a:off x="0" y="0"/>
-            <a:ext cx="12191760" cy="6857640"/>
+            <a:ext cx="12191400" cy="6857280"/>
           </a:xfrm>
           <a:prstGeom prst="rect">
             <a:avLst/>
@@ -5889,25 +5955,19 @@
         </p:nvSpPr>
         <p:spPr>
           <a:xfrm>
-            <a:off x="913680" y="828720"/>
-            <a:ext cx="10351440" cy="2736360"/>
-          </a:xfrm>
-          <a:prstGeom prst="rect">
-            <a:avLst/>
-          </a:prstGeom>
-        </p:spPr>
-        <p:txBody>
-          <a:bodyPr anchor="b">
-            <a:normAutofit/>
-          </a:bodyPr>
-          <a:p>
-            <a:pPr algn="ctr">
-              <a:lnSpc>
-                <a:spcPct val="100000"/>
-              </a:lnSpc>
-            </a:pPr>
+            <a:off x="609480" y="273600"/>
+            <a:ext cx="10972440" cy="1144800"/>
+          </a:xfrm>
+          <a:prstGeom prst="rect">
+            <a:avLst/>
+          </a:prstGeom>
+        </p:spPr>
+        <p:txBody>
+          <a:bodyPr lIns="0" rIns="0" tIns="0" bIns="0" anchor="ctr"/>
+          <a:p>
+            <a:pPr algn="ctr"/>
             <a:r>
-              <a:rPr b="0" lang="en-US" sz="4000" spc="-1" strike="noStrike" cap="all">
+              <a:rPr b="0" lang="en-US" sz="4400" spc="-1" strike="noStrike">
                 <a:solidFill>
                   <a:srgbClr val="000000"/>
                 </a:solidFill>
@@ -5916,20 +5976,20 @@
                     <a:srgbClr val="ffffff"/>
                   </a:solidFill>
                 </a:uFill>
-                <a:latin typeface="Tw Cen MT"/>
+                <a:latin typeface="Arial"/>
               </a:rPr>
-              <a:t>Click to edit Master title style</a:t>
+              <a:t>Click to edit the title text format</a:t>
             </a:r>
-            <a:endParaRPr b="0" lang="en-US" sz="4000" spc="-1" strike="noStrike">
-              <a:solidFill>
-                <a:srgbClr val="000000"/>
-              </a:solidFill>
-              <a:uFill>
-                <a:solidFill>
-                  <a:srgbClr val="ffffff"/>
-                </a:solidFill>
-              </a:uFill>
-              <a:latin typeface="Tw Cen MT"/>
+            <a:endParaRPr b="0" lang="en-US" sz="4400" spc="-1" strike="noStrike">
+              <a:solidFill>
+                <a:srgbClr val="000000"/>
+              </a:solidFill>
+              <a:uFill>
+                <a:solidFill>
+                  <a:srgbClr val="ffffff"/>
+                </a:solidFill>
+              </a:uFill>
+              <a:latin typeface="Arial"/>
             </a:endParaRPr>
           </a:p>
         </p:txBody>
@@ -5946,83 +6006,69 @@
         </p:nvSpPr>
         <p:spPr>
           <a:xfrm>
-            <a:off x="913680" y="3657600"/>
-            <a:ext cx="10351440" cy="1368000"/>
-          </a:xfrm>
-          <a:prstGeom prst="rect">
-            <a:avLst/>
-          </a:prstGeom>
-        </p:spPr>
-        <p:txBody>
-          <a:bodyPr>
+            <a:off x="609480" y="1604520"/>
+            <a:ext cx="10972440" cy="3977280"/>
+          </a:xfrm>
+          <a:prstGeom prst="rect">
+            <a:avLst/>
+          </a:prstGeom>
+        </p:spPr>
+        <p:txBody>
+          <a:bodyPr lIns="0" rIns="0" tIns="0" bIns="0">
             <a:normAutofit/>
           </a:bodyPr>
           <a:p>
-            <a:pPr algn="ctr">
-              <a:lnSpc>
-                <a:spcPct val="100000"/>
-              </a:lnSpc>
+            <a:pPr marL="432000" indent="-324000">
               <a:spcBef>
-                <a:spcPts val="1001"/>
+                <a:spcPts val="1417"/>
               </a:spcBef>
+              <a:buClr>
+                <a:srgbClr val="000000"/>
+              </a:buClr>
+              <a:buSzPct val="45000"/>
+              <a:buFont typeface="Wingdings" charset="2"/>
+              <a:buChar char=""/>
             </a:pPr>
             <a:r>
-              <a:rPr b="0" lang="en-US" sz="2000" spc="-1" strike="noStrike" cap="all">
-                <a:solidFill>
-                  <a:srgbClr val="808080"/>
+              <a:rPr b="0" lang="en-US" sz="3200" spc="-1" strike="noStrike">
+                <a:solidFill>
+                  <a:srgbClr val="000000"/>
                 </a:solidFill>
                 <a:uFill>
                   <a:solidFill>
                     <a:srgbClr val="ffffff"/>
                   </a:solidFill>
                 </a:uFill>
-                <a:latin typeface="Tw Cen MT"/>
+                <a:latin typeface="Arial"/>
               </a:rPr>
-              <a:t>Click to edit Master text styles</a:t>
+              <a:t>Click to edit the outline text format</a:t>
             </a:r>
-            <a:endParaRPr b="0" lang="en-US" sz="2000" spc="-1" strike="noStrike" cap="all">
-              <a:solidFill>
-                <a:srgbClr val="000000"/>
-              </a:solidFill>
-              <a:uFill>
-                <a:solidFill>
-                  <a:srgbClr val="ffffff"/>
-                </a:solidFill>
-              </a:uFill>
-              <a:latin typeface="Tw Cen MT"/>
-            </a:endParaRPr>
-          </a:p>
-        </p:txBody>
-      </p:sp>
-      <p:sp>
-        <p:nvSpPr>
-          <p:cNvPr id="4" name="PlaceHolder 3"/>
-          <p:cNvSpPr>
-            <a:spLocks noGrp="1"/>
-          </p:cNvSpPr>
-          <p:nvPr>
-            <p:ph type="dt"/>
-          </p:nvPr>
-        </p:nvSpPr>
-        <p:spPr>
-          <a:xfrm>
-            <a:off x="7678800" y="5883120"/>
-            <a:ext cx="2742840" cy="364680"/>
-          </a:xfrm>
-          <a:prstGeom prst="rect">
-            <a:avLst/>
-          </a:prstGeom>
-        </p:spPr>
-        <p:txBody>
-          <a:bodyPr anchor="ctr"/>
-          <a:p>
-            <a:pPr algn="r">
-              <a:lnSpc>
-                <a:spcPct val="100000"/>
-              </a:lnSpc>
+            <a:endParaRPr b="0" lang="en-US" sz="3200" spc="-1" strike="noStrike">
+              <a:solidFill>
+                <a:srgbClr val="000000"/>
+              </a:solidFill>
+              <a:uFill>
+                <a:solidFill>
+                  <a:srgbClr val="ffffff"/>
+                </a:solidFill>
+              </a:uFill>
+              <a:latin typeface="Arial"/>
+            </a:endParaRPr>
+          </a:p>
+          <a:p>
+            <a:pPr lvl="1" marL="864000" indent="-324000">
+              <a:spcBef>
+                <a:spcPts val="1134"/>
+              </a:spcBef>
+              <a:buClr>
+                <a:srgbClr val="000000"/>
+              </a:buClr>
+              <a:buSzPct val="75000"/>
+              <a:buFont typeface="Symbol" charset="2"/>
+              <a:buChar char=""/>
             </a:pPr>
-            <a:fld id="{A1F1364B-B516-4441-B3F1-F0C8FB47FE7C}" type="datetime">
-              <a:rPr b="0" lang="en-US" sz="1000" spc="-1" strike="noStrike">
+            <a:r>
+              <a:rPr b="0" lang="en-US" sz="2800" spc="-1" strike="noStrike">
                 <a:solidFill>
                   <a:srgbClr val="000000"/>
                 </a:solidFill>
@@ -6031,89 +6077,36 @@
                     <a:srgbClr val="ffffff"/>
                   </a:solidFill>
                 </a:uFill>
-                <a:latin typeface="Tw Cen MT"/>
+                <a:latin typeface="Arial"/>
               </a:rPr>
-              <a:t>12/15/17</a:t>
-            </a:fld>
-            <a:endParaRPr b="0" lang="en-US" sz="1000" spc="-1" strike="noStrike">
-              <a:solidFill>
-                <a:srgbClr val="000000"/>
-              </a:solidFill>
-              <a:uFill>
-                <a:solidFill>
-                  <a:srgbClr val="ffffff"/>
-                </a:solidFill>
-              </a:uFill>
-              <a:latin typeface="Times New Roman"/>
-            </a:endParaRPr>
-          </a:p>
-        </p:txBody>
-      </p:sp>
-      <p:sp>
-        <p:nvSpPr>
-          <p:cNvPr id="5" name="PlaceHolder 4"/>
-          <p:cNvSpPr>
-            <a:spLocks noGrp="1"/>
-          </p:cNvSpPr>
-          <p:nvPr>
-            <p:ph type="ftr"/>
-          </p:nvPr>
-        </p:nvSpPr>
-        <p:spPr>
-          <a:xfrm>
-            <a:off x="913680" y="5883120"/>
-            <a:ext cx="6672600" cy="364680"/>
-          </a:xfrm>
-          <a:prstGeom prst="rect">
-            <a:avLst/>
-          </a:prstGeom>
-        </p:spPr>
-        <p:txBody>
-          <a:bodyPr anchor="ctr"/>
-          <a:p>
-            <a:endParaRPr b="0" lang="en-US" sz="2400" spc="-1" strike="noStrike">
-              <a:solidFill>
-                <a:srgbClr val="000000"/>
-              </a:solidFill>
-              <a:uFill>
-                <a:solidFill>
-                  <a:srgbClr val="ffffff"/>
-                </a:solidFill>
-              </a:uFill>
-              <a:latin typeface="Times New Roman"/>
-            </a:endParaRPr>
-          </a:p>
-        </p:txBody>
-      </p:sp>
-      <p:sp>
-        <p:nvSpPr>
-          <p:cNvPr id="6" name="PlaceHolder 5"/>
-          <p:cNvSpPr>
-            <a:spLocks noGrp="1"/>
-          </p:cNvSpPr>
-          <p:nvPr>
-            <p:ph type="sldNum"/>
-          </p:nvPr>
-        </p:nvSpPr>
-        <p:spPr>
-          <a:xfrm>
-            <a:off x="10514160" y="5883120"/>
-            <a:ext cx="763920" cy="364680"/>
-          </a:xfrm>
-          <a:prstGeom prst="rect">
-            <a:avLst/>
-          </a:prstGeom>
-        </p:spPr>
-        <p:txBody>
-          <a:bodyPr anchor="ctr"/>
-          <a:p>
-            <a:pPr algn="r">
-              <a:lnSpc>
-                <a:spcPct val="100000"/>
-              </a:lnSpc>
+              <a:t>Second Outline Level</a:t>
+            </a:r>
+            <a:endParaRPr b="0" lang="en-US" sz="2800" spc="-1" strike="noStrike">
+              <a:solidFill>
+                <a:srgbClr val="000000"/>
+              </a:solidFill>
+              <a:uFill>
+                <a:solidFill>
+                  <a:srgbClr val="ffffff"/>
+                </a:solidFill>
+              </a:uFill>
+              <a:latin typeface="Arial"/>
+            </a:endParaRPr>
+          </a:p>
+          <a:p>
+            <a:pPr lvl="2" marL="1296000" indent="-288000">
+              <a:spcBef>
+                <a:spcPts val="850"/>
+              </a:spcBef>
+              <a:buClr>
+                <a:srgbClr val="000000"/>
+              </a:buClr>
+              <a:buSzPct val="45000"/>
+              <a:buFont typeface="Wingdings" charset="2"/>
+              <a:buChar char=""/>
             </a:pPr>
-            <a:fld id="{2CFA2E64-03BC-4969-9330-EC802590DD43}" type="slidenum">
-              <a:rPr b="0" lang="en-US" sz="1000" spc="-1" strike="noStrike">
+            <a:r>
+              <a:rPr b="0" lang="en-US" sz="2400" spc="-1" strike="noStrike">
                 <a:solidFill>
                   <a:srgbClr val="000000"/>
                 </a:solidFill>
@@ -6122,20 +6115,172 @@
                     <a:srgbClr val="ffffff"/>
                   </a:solidFill>
                 </a:uFill>
-                <a:latin typeface="Tw Cen MT"/>
+                <a:latin typeface="Arial"/>
               </a:rPr>
-              <a:t>&lt;number&gt;</a:t>
-            </a:fld>
-            <a:endParaRPr b="0" lang="en-US" sz="1000" spc="-1" strike="noStrike">
-              <a:solidFill>
-                <a:srgbClr val="000000"/>
-              </a:solidFill>
-              <a:uFill>
-                <a:solidFill>
-                  <a:srgbClr val="ffffff"/>
-                </a:solidFill>
-              </a:uFill>
-              <a:latin typeface="Times New Roman"/>
+              <a:t>Third Outline Level</a:t>
+            </a:r>
+            <a:endParaRPr b="0" lang="en-US" sz="2400" spc="-1" strike="noStrike">
+              <a:solidFill>
+                <a:srgbClr val="000000"/>
+              </a:solidFill>
+              <a:uFill>
+                <a:solidFill>
+                  <a:srgbClr val="ffffff"/>
+                </a:solidFill>
+              </a:uFill>
+              <a:latin typeface="Arial"/>
+            </a:endParaRPr>
+          </a:p>
+          <a:p>
+            <a:pPr lvl="3" marL="1728000" indent="-216000">
+              <a:spcBef>
+                <a:spcPts val="567"/>
+              </a:spcBef>
+              <a:buClr>
+                <a:srgbClr val="000000"/>
+              </a:buClr>
+              <a:buSzPct val="75000"/>
+              <a:buFont typeface="Symbol" charset="2"/>
+              <a:buChar char=""/>
+            </a:pPr>
+            <a:r>
+              <a:rPr b="0" lang="en-US" sz="2000" spc="-1" strike="noStrike">
+                <a:solidFill>
+                  <a:srgbClr val="000000"/>
+                </a:solidFill>
+                <a:uFill>
+                  <a:solidFill>
+                    <a:srgbClr val="ffffff"/>
+                  </a:solidFill>
+                </a:uFill>
+                <a:latin typeface="Arial"/>
+              </a:rPr>
+              <a:t>Fourth Outline Level</a:t>
+            </a:r>
+            <a:endParaRPr b="0" lang="en-US" sz="2000" spc="-1" strike="noStrike">
+              <a:solidFill>
+                <a:srgbClr val="000000"/>
+              </a:solidFill>
+              <a:uFill>
+                <a:solidFill>
+                  <a:srgbClr val="ffffff"/>
+                </a:solidFill>
+              </a:uFill>
+              <a:latin typeface="Arial"/>
+            </a:endParaRPr>
+          </a:p>
+          <a:p>
+            <a:pPr lvl="4" marL="2160000" indent="-216000">
+              <a:spcBef>
+                <a:spcPts val="283"/>
+              </a:spcBef>
+              <a:buClr>
+                <a:srgbClr val="000000"/>
+              </a:buClr>
+              <a:buSzPct val="45000"/>
+              <a:buFont typeface="Wingdings" charset="2"/>
+              <a:buChar char=""/>
+            </a:pPr>
+            <a:r>
+              <a:rPr b="0" lang="en-US" sz="2000" spc="-1" strike="noStrike">
+                <a:solidFill>
+                  <a:srgbClr val="000000"/>
+                </a:solidFill>
+                <a:uFill>
+                  <a:solidFill>
+                    <a:srgbClr val="ffffff"/>
+                  </a:solidFill>
+                </a:uFill>
+                <a:latin typeface="Arial"/>
+              </a:rPr>
+              <a:t>Fifth Outline Level</a:t>
+            </a:r>
+            <a:endParaRPr b="0" lang="en-US" sz="2000" spc="-1" strike="noStrike">
+              <a:solidFill>
+                <a:srgbClr val="000000"/>
+              </a:solidFill>
+              <a:uFill>
+                <a:solidFill>
+                  <a:srgbClr val="ffffff"/>
+                </a:solidFill>
+              </a:uFill>
+              <a:latin typeface="Arial"/>
+            </a:endParaRPr>
+          </a:p>
+          <a:p>
+            <a:pPr lvl="5" marL="2592000" indent="-216000">
+              <a:spcBef>
+                <a:spcPts val="283"/>
+              </a:spcBef>
+              <a:buClr>
+                <a:srgbClr val="000000"/>
+              </a:buClr>
+              <a:buSzPct val="45000"/>
+              <a:buFont typeface="Wingdings" charset="2"/>
+              <a:buChar char=""/>
+            </a:pPr>
+            <a:r>
+              <a:rPr b="0" lang="en-US" sz="2000" spc="-1" strike="noStrike">
+                <a:solidFill>
+                  <a:srgbClr val="000000"/>
+                </a:solidFill>
+                <a:uFill>
+                  <a:solidFill>
+                    <a:srgbClr val="ffffff"/>
+                  </a:solidFill>
+                </a:uFill>
+                <a:latin typeface="Arial"/>
+              </a:rPr>
+              <a:t>Sixth Outline Level</a:t>
+            </a:r>
+            <a:endParaRPr b="0" lang="en-US" sz="2000" spc="-1" strike="noStrike">
+              <a:solidFill>
+                <a:srgbClr val="000000"/>
+              </a:solidFill>
+              <a:uFill>
+                <a:solidFill>
+                  <a:srgbClr val="ffffff"/>
+                </a:solidFill>
+              </a:uFill>
+              <a:latin typeface="Arial"/>
+            </a:endParaRPr>
+          </a:p>
+          <a:p>
+            <a:pPr lvl="6" marL="3024000" indent="-216000">
+              <a:spcBef>
+                <a:spcPts val="283"/>
+              </a:spcBef>
+              <a:buClr>
+                <a:srgbClr val="000000"/>
+              </a:buClr>
+              <a:buSzPct val="45000"/>
+              <a:buFont typeface="Wingdings" charset="2"/>
+              <a:buChar char=""/>
+            </a:pPr>
+            <a:r>
+              <a:rPr b="0" lang="en-US" sz="2000" spc="-1" strike="noStrike">
+                <a:solidFill>
+                  <a:srgbClr val="000000"/>
+                </a:solidFill>
+                <a:uFill>
+                  <a:solidFill>
+                    <a:srgbClr val="ffffff"/>
+                  </a:solidFill>
+                </a:uFill>
+                <a:latin typeface="Arial"/>
+              </a:rPr>
+              <a:t>Seventh Outline Level</a:t>
+            </a:r>
+            <a:endParaRPr b="0" lang="en-US" sz="2000" spc="-1" strike="noStrike">
+              <a:solidFill>
+                <a:srgbClr val="000000"/>
+              </a:solidFill>
+              <a:uFill>
+                <a:solidFill>
+                  <a:srgbClr val="ffffff"/>
+                </a:solidFill>
+              </a:uFill>
+              <a:latin typeface="Arial"/>
             </a:endParaRPr>
           </a:p>
         </p:txBody>
@@ -6179,7 +6324,7 @@
       </p:grpSpPr>
       <p:pic>
         <p:nvPicPr>
-          <p:cNvPr id="43" name="Picture 2" descr=""/>
+          <p:cNvPr id="40" name="Picture 2" descr=""/>
           <p:cNvPicPr/>
           <p:nvPr/>
         </p:nvPicPr>
@@ -6190,7 +6335,7 @@
         <p:spPr>
           <a:xfrm>
             <a:off x="0" y="0"/>
-            <a:ext cx="12191760" cy="6857640"/>
+            <a:ext cx="12191400" cy="6857280"/>
           </a:xfrm>
           <a:prstGeom prst="rect">
             <a:avLst/>
@@ -6202,7 +6347,7 @@
       </p:pic>
       <p:pic>
         <p:nvPicPr>
-          <p:cNvPr id="44" name="Picture 2" descr=""/>
+          <p:cNvPr id="41" name="Picture 2" descr=""/>
           <p:cNvPicPr/>
           <p:nvPr/>
         </p:nvPicPr>
@@ -6213,7 +6358,7 @@
         <p:spPr>
           <a:xfrm>
             <a:off x="0" y="0"/>
-            <a:ext cx="12191760" cy="6857640"/>
+            <a:ext cx="12191400" cy="6857280"/>
           </a:xfrm>
           <a:prstGeom prst="rect">
             <a:avLst/>
@@ -6225,7 +6370,7 @@
       </p:pic>
       <p:sp>
         <p:nvSpPr>
-          <p:cNvPr id="45" name="PlaceHolder 1"/>
+          <p:cNvPr id="42" name="PlaceHolder 1"/>
           <p:cNvSpPr>
             <a:spLocks noGrp="1"/>
           </p:cNvSpPr>
@@ -6235,23 +6380,19 @@
         </p:nvSpPr>
         <p:spPr>
           <a:xfrm>
-            <a:off x="913680" y="618480"/>
-            <a:ext cx="10364040" cy="1595880"/>
-          </a:xfrm>
-          <a:prstGeom prst="rect">
-            <a:avLst/>
-          </a:prstGeom>
-        </p:spPr>
-        <p:txBody>
-          <a:bodyPr anchor="ctr"/>
-          <a:p>
-            <a:pPr algn="ctr">
-              <a:lnSpc>
-                <a:spcPct val="90000"/>
-              </a:lnSpc>
-            </a:pPr>
+            <a:off x="609480" y="273600"/>
+            <a:ext cx="10972440" cy="1144800"/>
+          </a:xfrm>
+          <a:prstGeom prst="rect">
+            <a:avLst/>
+          </a:prstGeom>
+        </p:spPr>
+        <p:txBody>
+          <a:bodyPr lIns="0" rIns="0" tIns="0" bIns="0" anchor="ctr"/>
+          <a:p>
+            <a:pPr algn="ctr"/>
             <a:r>
-              <a:rPr b="0" lang="en-US" sz="3600" spc="-1" strike="noStrike" cap="all">
+              <a:rPr b="0" lang="en-US" sz="4400" spc="-1" strike="noStrike">
                 <a:solidFill>
                   <a:srgbClr val="000000"/>
                 </a:solidFill>
@@ -6260,27 +6401,27 @@
                     <a:srgbClr val="ffffff"/>
                   </a:solidFill>
                 </a:uFill>
-                <a:latin typeface="Tw Cen MT"/>
+                <a:latin typeface="Arial"/>
               </a:rPr>
-              <a:t>Click to edit Master title style</a:t>
+              <a:t>Click to edit the title text format</a:t>
             </a:r>
-            <a:endParaRPr b="0" lang="en-US" sz="3600" spc="-1" strike="noStrike">
-              <a:solidFill>
-                <a:srgbClr val="000000"/>
-              </a:solidFill>
-              <a:uFill>
-                <a:solidFill>
-                  <a:srgbClr val="ffffff"/>
-                </a:solidFill>
-              </a:uFill>
-              <a:latin typeface="Tw Cen MT"/>
-            </a:endParaRPr>
-          </a:p>
-        </p:txBody>
-      </p:sp>
-      <p:sp>
-        <p:nvSpPr>
-          <p:cNvPr id="46" name="PlaceHolder 2"/>
+            <a:endParaRPr b="0" lang="en-US" sz="4400" spc="-1" strike="noStrike">
+              <a:solidFill>
+                <a:srgbClr val="000000"/>
+              </a:solidFill>
+              <a:uFill>
+                <a:solidFill>
+                  <a:srgbClr val="ffffff"/>
+                </a:solidFill>
+              </a:uFill>
+              <a:latin typeface="Arial"/>
+            </a:endParaRPr>
+          </a:p>
+        </p:txBody>
+      </p:sp>
+      <p:sp>
+        <p:nvSpPr>
+          <p:cNvPr id="43" name="PlaceHolder 2"/>
           <p:cNvSpPr>
             <a:spLocks noGrp="1"/>
           </p:cNvSpPr>
@@ -6290,31 +6431,31 @@
         </p:nvSpPr>
         <p:spPr>
           <a:xfrm>
-            <a:off x="913680" y="2367000"/>
-            <a:ext cx="10363320" cy="3423600"/>
-          </a:xfrm>
-          <a:prstGeom prst="rect">
-            <a:avLst/>
-          </a:prstGeom>
-        </p:spPr>
-        <p:txBody>
-          <a:bodyPr/>
-          <a:p>
-            <a:pPr marL="228600" indent="-228240">
-              <a:lnSpc>
-                <a:spcPct val="100000"/>
-              </a:lnSpc>
+            <a:off x="609480" y="1604520"/>
+            <a:ext cx="10972440" cy="3977280"/>
+          </a:xfrm>
+          <a:prstGeom prst="rect">
+            <a:avLst/>
+          </a:prstGeom>
+        </p:spPr>
+        <p:txBody>
+          <a:bodyPr lIns="0" rIns="0" tIns="0" bIns="0">
+            <a:normAutofit/>
+          </a:bodyPr>
+          <a:p>
+            <a:pPr marL="432000" indent="-324000">
               <a:spcBef>
-                <a:spcPts val="1001"/>
+                <a:spcPts val="1417"/>
               </a:spcBef>
               <a:buClr>
                 <a:srgbClr val="000000"/>
               </a:buClr>
-              <a:buFont typeface="Arial"/>
-              <a:buChar char="•"/>
+              <a:buSzPct val="45000"/>
+              <a:buFont typeface="Wingdings" charset="2"/>
+              <a:buChar char=""/>
             </a:pPr>
             <a:r>
-              <a:rPr b="0" lang="en-US" sz="2000" spc="-1" strike="noStrike" cap="all">
+              <a:rPr b="0" lang="en-US" sz="3200" spc="-1" strike="noStrike">
                 <a:solidFill>
                   <a:srgbClr val="000000"/>
                 </a:solidFill>
@@ -6323,38 +6464,36 @@
                     <a:srgbClr val="ffffff"/>
                   </a:solidFill>
                 </a:uFill>
-                <a:latin typeface="Tw Cen MT"/>
+                <a:latin typeface="Arial"/>
               </a:rPr>
-              <a:t>Click to edit Master text styles</a:t>
+              <a:t>Click to edit the outline text format</a:t>
             </a:r>
-            <a:endParaRPr b="0" lang="en-US" sz="2000" spc="-1" strike="noStrike" cap="all">
-              <a:solidFill>
-                <a:srgbClr val="000000"/>
-              </a:solidFill>
-              <a:uFill>
-                <a:solidFill>
-                  <a:srgbClr val="ffffff"/>
-                </a:solidFill>
-              </a:uFill>
-              <a:latin typeface="Tw Cen MT"/>
-            </a:endParaRPr>
-          </a:p>
-          <a:p>
-            <a:pPr lvl="1" marL="685800" indent="-228240">
-              <a:lnSpc>
-                <a:spcPct val="100000"/>
-              </a:lnSpc>
+            <a:endParaRPr b="0" lang="en-US" sz="3200" spc="-1" strike="noStrike">
+              <a:solidFill>
+                <a:srgbClr val="000000"/>
+              </a:solidFill>
+              <a:uFill>
+                <a:solidFill>
+                  <a:srgbClr val="ffffff"/>
+                </a:solidFill>
+              </a:uFill>
+              <a:latin typeface="Arial"/>
+            </a:endParaRPr>
+          </a:p>
+          <a:p>
+            <a:pPr lvl="1" marL="864000" indent="-324000">
               <a:spcBef>
-                <a:spcPts val="499"/>
+                <a:spcPts val="1134"/>
               </a:spcBef>
               <a:buClr>
                 <a:srgbClr val="000000"/>
               </a:buClr>
-              <a:buFont typeface="Arial"/>
-              <a:buChar char="•"/>
+              <a:buSzPct val="75000"/>
+              <a:buFont typeface="Symbol" charset="2"/>
+              <a:buChar char=""/>
             </a:pPr>
             <a:r>
-              <a:rPr b="0" lang="en-US" sz="1800" spc="-1" strike="noStrike" cap="all">
+              <a:rPr b="0" lang="en-US" sz="2800" spc="-1" strike="noStrike">
                 <a:solidFill>
                   <a:srgbClr val="000000"/>
                 </a:solidFill>
@@ -6363,38 +6502,36 @@
                     <a:srgbClr val="ffffff"/>
                   </a:solidFill>
                 </a:uFill>
-                <a:latin typeface="Tw Cen MT"/>
+                <a:latin typeface="Arial"/>
               </a:rPr>
-              <a:t>Second level</a:t>
+              <a:t>Second Outline Level</a:t>
             </a:r>
-            <a:endParaRPr b="0" lang="en-US" sz="1800" spc="-1" strike="noStrike" cap="all">
-              <a:solidFill>
-                <a:srgbClr val="000000"/>
-              </a:solidFill>
-              <a:uFill>
-                <a:solidFill>
-                  <a:srgbClr val="ffffff"/>
-                </a:solidFill>
-              </a:uFill>
-              <a:latin typeface="Tw Cen MT"/>
-            </a:endParaRPr>
-          </a:p>
-          <a:p>
-            <a:pPr lvl="2" marL="1143000" indent="-228240">
-              <a:lnSpc>
-                <a:spcPct val="100000"/>
-              </a:lnSpc>
+            <a:endParaRPr b="0" lang="en-US" sz="2800" spc="-1" strike="noStrike">
+              <a:solidFill>
+                <a:srgbClr val="000000"/>
+              </a:solidFill>
+              <a:uFill>
+                <a:solidFill>
+                  <a:srgbClr val="ffffff"/>
+                </a:solidFill>
+              </a:uFill>
+              <a:latin typeface="Arial"/>
+            </a:endParaRPr>
+          </a:p>
+          <a:p>
+            <a:pPr lvl="2" marL="1296000" indent="-288000">
               <a:spcBef>
-                <a:spcPts val="499"/>
+                <a:spcPts val="850"/>
               </a:spcBef>
               <a:buClr>
                 <a:srgbClr val="000000"/>
               </a:buClr>
-              <a:buFont typeface="Arial"/>
-              <a:buChar char="•"/>
+              <a:buSzPct val="45000"/>
+              <a:buFont typeface="Wingdings" charset="2"/>
+              <a:buChar char=""/>
             </a:pPr>
             <a:r>
-              <a:rPr b="0" lang="en-US" sz="1600" spc="-1" strike="noStrike" cap="all">
+              <a:rPr b="0" lang="en-US" sz="2400" spc="-1" strike="noStrike">
                 <a:solidFill>
                   <a:srgbClr val="000000"/>
                 </a:solidFill>
@@ -6403,38 +6540,36 @@
                     <a:srgbClr val="ffffff"/>
                   </a:solidFill>
                 </a:uFill>
-                <a:latin typeface="Tw Cen MT"/>
+                <a:latin typeface="Arial"/>
               </a:rPr>
-              <a:t>Third level</a:t>
+              <a:t>Third Outline Level</a:t>
             </a:r>
-            <a:endParaRPr b="0" lang="en-US" sz="1600" spc="-1" strike="noStrike" cap="all">
-              <a:solidFill>
-                <a:srgbClr val="000000"/>
-              </a:solidFill>
-              <a:uFill>
-                <a:solidFill>
-                  <a:srgbClr val="ffffff"/>
-                </a:solidFill>
-              </a:uFill>
-              <a:latin typeface="Tw Cen MT"/>
-            </a:endParaRPr>
-          </a:p>
-          <a:p>
-            <a:pPr lvl="3" marL="1600200" indent="-228240">
-              <a:lnSpc>
-                <a:spcPct val="100000"/>
-              </a:lnSpc>
+            <a:endParaRPr b="0" lang="en-US" sz="2400" spc="-1" strike="noStrike">
+              <a:solidFill>
+                <a:srgbClr val="000000"/>
+              </a:solidFill>
+              <a:uFill>
+                <a:solidFill>
+                  <a:srgbClr val="ffffff"/>
+                </a:solidFill>
+              </a:uFill>
+              <a:latin typeface="Arial"/>
+            </a:endParaRPr>
+          </a:p>
+          <a:p>
+            <a:pPr lvl="3" marL="1728000" indent="-216000">
               <a:spcBef>
-                <a:spcPts val="499"/>
+                <a:spcPts val="567"/>
               </a:spcBef>
               <a:buClr>
                 <a:srgbClr val="000000"/>
               </a:buClr>
-              <a:buFont typeface="Arial"/>
-              <a:buChar char="•"/>
+              <a:buSzPct val="75000"/>
+              <a:buFont typeface="Symbol" charset="2"/>
+              <a:buChar char=""/>
             </a:pPr>
             <a:r>
-              <a:rPr b="0" lang="en-US" sz="1400" spc="-1" strike="noStrike" cap="all">
+              <a:rPr b="0" lang="en-US" sz="2000" spc="-1" strike="noStrike">
                 <a:solidFill>
                   <a:srgbClr val="000000"/>
                 </a:solidFill>
@@ -6443,38 +6578,36 @@
                     <a:srgbClr val="ffffff"/>
                   </a:solidFill>
                 </a:uFill>
-                <a:latin typeface="Tw Cen MT"/>
+                <a:latin typeface="Arial"/>
               </a:rPr>
-              <a:t>Fourth level</a:t>
+              <a:t>Fourth Outline Level</a:t>
             </a:r>
-            <a:endParaRPr b="0" lang="en-US" sz="1400" spc="-1" strike="noStrike" cap="all">
-              <a:solidFill>
-                <a:srgbClr val="000000"/>
-              </a:solidFill>
-              <a:uFill>
-                <a:solidFill>
-                  <a:srgbClr val="ffffff"/>
-                </a:solidFill>
-              </a:uFill>
-              <a:latin typeface="Tw Cen MT"/>
-            </a:endParaRPr>
-          </a:p>
-          <a:p>
-            <a:pPr lvl="4" marL="2057400" indent="-228240">
-              <a:lnSpc>
-                <a:spcPct val="100000"/>
-              </a:lnSpc>
+            <a:endParaRPr b="0" lang="en-US" sz="2000" spc="-1" strike="noStrike">
+              <a:solidFill>
+                <a:srgbClr val="000000"/>
+              </a:solidFill>
+              <a:uFill>
+                <a:solidFill>
+                  <a:srgbClr val="ffffff"/>
+                </a:solidFill>
+              </a:uFill>
+              <a:latin typeface="Arial"/>
+            </a:endParaRPr>
+          </a:p>
+          <a:p>
+            <a:pPr lvl="4" marL="2160000" indent="-216000">
               <a:spcBef>
-                <a:spcPts val="499"/>
+                <a:spcPts val="283"/>
               </a:spcBef>
               <a:buClr>
                 <a:srgbClr val="000000"/>
               </a:buClr>
-              <a:buFont typeface="Arial"/>
-              <a:buChar char="•"/>
+              <a:buSzPct val="45000"/>
+              <a:buFont typeface="Wingdings" charset="2"/>
+              <a:buChar char=""/>
             </a:pPr>
             <a:r>
-              <a:rPr b="0" lang="en-US" sz="1400" spc="-1" strike="noStrike" cap="all">
+              <a:rPr b="0" lang="en-US" sz="2000" spc="-1" strike="noStrike">
                 <a:solidFill>
                   <a:srgbClr val="000000"/>
                 </a:solidFill>
@@ -6483,53 +6616,36 @@
                     <a:srgbClr val="ffffff"/>
                   </a:solidFill>
                 </a:uFill>
-                <a:latin typeface="Tw Cen MT"/>
+                <a:latin typeface="Arial"/>
               </a:rPr>
-              <a:t>Fifth level</a:t>
+              <a:t>Fifth Outline Level</a:t>
             </a:r>
-            <a:endParaRPr b="0" lang="en-US" sz="1400" spc="-1" strike="noStrike" cap="all">
-              <a:solidFill>
-                <a:srgbClr val="000000"/>
-              </a:solidFill>
-              <a:uFill>
-                <a:solidFill>
-                  <a:srgbClr val="ffffff"/>
-                </a:solidFill>
-              </a:uFill>
-              <a:latin typeface="Tw Cen MT"/>
-            </a:endParaRPr>
-          </a:p>
-        </p:txBody>
-      </p:sp>
-      <p:sp>
-        <p:nvSpPr>
-          <p:cNvPr id="47" name="PlaceHolder 3"/>
-          <p:cNvSpPr>
-            <a:spLocks noGrp="1"/>
-          </p:cNvSpPr>
-          <p:nvPr>
-            <p:ph type="dt"/>
-          </p:nvPr>
-        </p:nvSpPr>
-        <p:spPr>
-          <a:xfrm>
-            <a:off x="7678800" y="5883120"/>
-            <a:ext cx="2742840" cy="364680"/>
-          </a:xfrm>
-          <a:prstGeom prst="rect">
-            <a:avLst/>
-          </a:prstGeom>
-        </p:spPr>
-        <p:txBody>
-          <a:bodyPr anchor="ctr"/>
-          <a:p>
-            <a:pPr algn="r">
-              <a:lnSpc>
-                <a:spcPct val="100000"/>
-              </a:lnSpc>
+            <a:endParaRPr b="0" lang="en-US" sz="2000" spc="-1" strike="noStrike">
+              <a:solidFill>
+                <a:srgbClr val="000000"/>
+              </a:solidFill>
+              <a:uFill>
+                <a:solidFill>
+                  <a:srgbClr val="ffffff"/>
+                </a:solidFill>
+              </a:uFill>
+              <a:latin typeface="Arial"/>
+            </a:endParaRPr>
+          </a:p>
+          <a:p>
+            <a:pPr lvl="5" marL="2592000" indent="-216000">
+              <a:spcBef>
+                <a:spcPts val="283"/>
+              </a:spcBef>
+              <a:buClr>
+                <a:srgbClr val="000000"/>
+              </a:buClr>
+              <a:buSzPct val="45000"/>
+              <a:buFont typeface="Wingdings" charset="2"/>
+              <a:buChar char=""/>
             </a:pPr>
-            <a:fld id="{04AB5ACA-6BE6-4086-BB5C-8764851B1E1C}" type="datetime">
-              <a:rPr b="0" lang="en-US" sz="1000" spc="-1" strike="noStrike">
+            <a:r>
+              <a:rPr b="0" lang="en-US" sz="2000" spc="-1" strike="noStrike">
                 <a:solidFill>
                   <a:srgbClr val="000000"/>
                 </a:solidFill>
@@ -6538,89 +6654,36 @@
                     <a:srgbClr val="ffffff"/>
                   </a:solidFill>
                 </a:uFill>
-                <a:latin typeface="Tw Cen MT"/>
+                <a:latin typeface="Arial"/>
               </a:rPr>
-              <a:t>12/15/17</a:t>
-            </a:fld>
-            <a:endParaRPr b="0" lang="en-US" sz="1000" spc="-1" strike="noStrike">
-              <a:solidFill>
-                <a:srgbClr val="000000"/>
-              </a:solidFill>
-              <a:uFill>
-                <a:solidFill>
-                  <a:srgbClr val="ffffff"/>
-                </a:solidFill>
-              </a:uFill>
-              <a:latin typeface="Times New Roman"/>
-            </a:endParaRPr>
-          </a:p>
-        </p:txBody>
-      </p:sp>
-      <p:sp>
-        <p:nvSpPr>
-          <p:cNvPr id="48" name="PlaceHolder 4"/>
-          <p:cNvSpPr>
-            <a:spLocks noGrp="1"/>
-          </p:cNvSpPr>
-          <p:nvPr>
-            <p:ph type="ftr"/>
-          </p:nvPr>
-        </p:nvSpPr>
-        <p:spPr>
-          <a:xfrm>
-            <a:off x="913680" y="5883120"/>
-            <a:ext cx="6672600" cy="364680"/>
-          </a:xfrm>
-          <a:prstGeom prst="rect">
-            <a:avLst/>
-          </a:prstGeom>
-        </p:spPr>
-        <p:txBody>
-          <a:bodyPr anchor="ctr"/>
-          <a:p>
-            <a:endParaRPr b="0" lang="en-US" sz="2400" spc="-1" strike="noStrike">
-              <a:solidFill>
-                <a:srgbClr val="000000"/>
-              </a:solidFill>
-              <a:uFill>
-                <a:solidFill>
-                  <a:srgbClr val="ffffff"/>
-                </a:solidFill>
-              </a:uFill>
-              <a:latin typeface="Times New Roman"/>
-            </a:endParaRPr>
-          </a:p>
-        </p:txBody>
-      </p:sp>
-      <p:sp>
-        <p:nvSpPr>
-          <p:cNvPr id="49" name="PlaceHolder 5"/>
-          <p:cNvSpPr>
-            <a:spLocks noGrp="1"/>
-          </p:cNvSpPr>
-          <p:nvPr>
-            <p:ph type="sldNum"/>
-          </p:nvPr>
-        </p:nvSpPr>
-        <p:spPr>
-          <a:xfrm>
-            <a:off x="10514160" y="5883120"/>
-            <a:ext cx="763920" cy="364680"/>
-          </a:xfrm>
-          <a:prstGeom prst="rect">
-            <a:avLst/>
-          </a:prstGeom>
-        </p:spPr>
-        <p:txBody>
-          <a:bodyPr anchor="ctr"/>
-          <a:p>
-            <a:pPr algn="r">
-              <a:lnSpc>
-                <a:spcPct val="100000"/>
-              </a:lnSpc>
+              <a:t>Sixth Outline Level</a:t>
+            </a:r>
+            <a:endParaRPr b="0" lang="en-US" sz="2000" spc="-1" strike="noStrike">
+              <a:solidFill>
+                <a:srgbClr val="000000"/>
+              </a:solidFill>
+              <a:uFill>
+                <a:solidFill>
+                  <a:srgbClr val="ffffff"/>
+                </a:solidFill>
+              </a:uFill>
+              <a:latin typeface="Arial"/>
+            </a:endParaRPr>
+          </a:p>
+          <a:p>
+            <a:pPr lvl="6" marL="3024000" indent="-216000">
+              <a:spcBef>
+                <a:spcPts val="283"/>
+              </a:spcBef>
+              <a:buClr>
+                <a:srgbClr val="000000"/>
+              </a:buClr>
+              <a:buSzPct val="45000"/>
+              <a:buFont typeface="Wingdings" charset="2"/>
+              <a:buChar char=""/>
             </a:pPr>
-            <a:fld id="{8EC86CAB-C4C5-43FE-9231-C2A35EFEF4E8}" type="slidenum">
-              <a:rPr b="0" lang="en-US" sz="1000" spc="-1" strike="noStrike">
+            <a:r>
+              <a:rPr b="0" lang="en-US" sz="2000" spc="-1" strike="noStrike">
                 <a:solidFill>
                   <a:srgbClr val="000000"/>
                 </a:solidFill>
@@ -6629,20 +6692,20 @@
                     <a:srgbClr val="ffffff"/>
                   </a:solidFill>
                 </a:uFill>
-                <a:latin typeface="Tw Cen MT"/>
+                <a:latin typeface="Arial"/>
               </a:rPr>
-              <a:t>&lt;number&gt;</a:t>
-            </a:fld>
-            <a:endParaRPr b="0" lang="en-US" sz="1000" spc="-1" strike="noStrike">
-              <a:solidFill>
-                <a:srgbClr val="000000"/>
-              </a:solidFill>
-              <a:uFill>
-                <a:solidFill>
-                  <a:srgbClr val="ffffff"/>
-                </a:solidFill>
-              </a:uFill>
-              <a:latin typeface="Times New Roman"/>
+              <a:t>Seventh Outline Level</a:t>
+            </a:r>
+            <a:endParaRPr b="0" lang="en-US" sz="2000" spc="-1" strike="noStrike">
+              <a:solidFill>
+                <a:srgbClr val="000000"/>
+              </a:solidFill>
+              <a:uFill>
+                <a:solidFill>
+                  <a:srgbClr val="ffffff"/>
+                </a:solidFill>
+              </a:uFill>
+              <a:latin typeface="Arial"/>
             </a:endParaRPr>
           </a:p>
         </p:txBody>
@@ -6686,7 +6749,7 @@
       </p:grpSpPr>
       <p:pic>
         <p:nvPicPr>
-          <p:cNvPr id="86" name="Picture 2" descr=""/>
+          <p:cNvPr id="80" name="Picture 2" descr=""/>
           <p:cNvPicPr/>
           <p:nvPr/>
         </p:nvPicPr>
@@ -6697,7 +6760,7 @@
         <p:spPr>
           <a:xfrm>
             <a:off x="0" y="0"/>
-            <a:ext cx="12191760" cy="6857640"/>
+            <a:ext cx="12191400" cy="6857280"/>
           </a:xfrm>
           <a:prstGeom prst="rect">
             <a:avLst/>
@@ -6709,7 +6772,7 @@
       </p:pic>
       <p:pic>
         <p:nvPicPr>
-          <p:cNvPr id="87" name="Picture 7" descr=""/>
+          <p:cNvPr id="81" name="Picture 7" descr=""/>
           <p:cNvPicPr/>
           <p:nvPr/>
         </p:nvPicPr>
@@ -6720,7 +6783,7 @@
         <p:spPr>
           <a:xfrm>
             <a:off x="0" y="0"/>
-            <a:ext cx="12191760" cy="6857640"/>
+            <a:ext cx="12191400" cy="6857280"/>
           </a:xfrm>
           <a:prstGeom prst="rect">
             <a:avLst/>
@@ -6732,7 +6795,7 @@
       </p:pic>
       <p:sp>
         <p:nvSpPr>
-          <p:cNvPr id="88" name="PlaceHolder 1"/>
+          <p:cNvPr id="82" name="PlaceHolder 1"/>
           <p:cNvSpPr>
             <a:spLocks noGrp="1"/>
           </p:cNvSpPr>
@@ -6743,22 +6806,17 @@
         <p:spPr>
           <a:xfrm>
             <a:off x="913680" y="618480"/>
-            <a:ext cx="10364040" cy="1595880"/>
-          </a:xfrm>
-          <a:prstGeom prst="rect">
-            <a:avLst/>
-          </a:prstGeom>
-        </p:spPr>
-        <p:txBody>
-          <a:bodyPr anchor="ctr"/>
-          <a:p>
-            <a:pPr algn="ctr">
-              <a:lnSpc>
-                <a:spcPct val="90000"/>
-              </a:lnSpc>
-            </a:pPr>
+            <a:ext cx="10363680" cy="1595520"/>
+          </a:xfrm>
+          <a:prstGeom prst="rect">
+            <a:avLst/>
+          </a:prstGeom>
+        </p:spPr>
+        <p:txBody>
+          <a:bodyPr lIns="0" rIns="0" tIns="0" bIns="0" anchor="ctr"/>
+          <a:p>
             <a:r>
-              <a:rPr b="0" lang="en-US" sz="3600" spc="-1" strike="noStrike" cap="all">
+              <a:rPr b="0" lang="en-US" sz="1800" spc="-1" strike="noStrike">
                 <a:solidFill>
                   <a:srgbClr val="000000"/>
                 </a:solidFill>
@@ -6767,173 +6825,27 @@
                     <a:srgbClr val="ffffff"/>
                   </a:solidFill>
                 </a:uFill>
-                <a:latin typeface="Tw Cen MT"/>
+                <a:latin typeface="Arial"/>
               </a:rPr>
-              <a:t>Click to edit Master title style</a:t>
+              <a:t>Click to edit the title text format</a:t>
             </a:r>
-            <a:endParaRPr b="0" lang="en-US" sz="3600" spc="-1" strike="noStrike">
-              <a:solidFill>
-                <a:srgbClr val="000000"/>
-              </a:solidFill>
-              <a:uFill>
-                <a:solidFill>
-                  <a:srgbClr val="ffffff"/>
-                </a:solidFill>
-              </a:uFill>
-              <a:latin typeface="Tw Cen MT"/>
-            </a:endParaRPr>
-          </a:p>
-        </p:txBody>
-      </p:sp>
-      <p:sp>
-        <p:nvSpPr>
-          <p:cNvPr id="89" name="PlaceHolder 2"/>
-          <p:cNvSpPr>
-            <a:spLocks noGrp="1"/>
-          </p:cNvSpPr>
-          <p:nvPr>
-            <p:ph type="dt"/>
-          </p:nvPr>
-        </p:nvSpPr>
-        <p:spPr>
-          <a:xfrm>
-            <a:off x="7678800" y="5883120"/>
-            <a:ext cx="2742840" cy="364680"/>
-          </a:xfrm>
-          <a:prstGeom prst="rect">
-            <a:avLst/>
-          </a:prstGeom>
-        </p:spPr>
-        <p:txBody>
-          <a:bodyPr anchor="ctr"/>
-          <a:p>
-            <a:pPr algn="r">
-              <a:lnSpc>
-                <a:spcPct val="100000"/>
-              </a:lnSpc>
-            </a:pPr>
-            <a:fld id="{619DDC12-657B-4288-B64D-D85C375B76B0}" type="datetime">
-              <a:rPr b="0" lang="en-US" sz="1000" spc="-1" strike="noStrike">
-                <a:solidFill>
-                  <a:srgbClr val="000000"/>
-                </a:solidFill>
-                <a:uFill>
-                  <a:solidFill>
-                    <a:srgbClr val="ffffff"/>
-                  </a:solidFill>
-                </a:uFill>
-                <a:latin typeface="Tw Cen MT"/>
-              </a:rPr>
-              <a:t>12/15/17</a:t>
-            </a:fld>
-            <a:endParaRPr b="0" lang="en-US" sz="1000" spc="-1" strike="noStrike">
-              <a:solidFill>
-                <a:srgbClr val="000000"/>
-              </a:solidFill>
-              <a:uFill>
-                <a:solidFill>
-                  <a:srgbClr val="ffffff"/>
-                </a:solidFill>
-              </a:uFill>
-              <a:latin typeface="Times New Roman"/>
-            </a:endParaRPr>
-          </a:p>
-        </p:txBody>
-      </p:sp>
-      <p:sp>
-        <p:nvSpPr>
-          <p:cNvPr id="90" name="PlaceHolder 3"/>
-          <p:cNvSpPr>
-            <a:spLocks noGrp="1"/>
-          </p:cNvSpPr>
-          <p:nvPr>
-            <p:ph type="ftr"/>
-          </p:nvPr>
-        </p:nvSpPr>
-        <p:spPr>
-          <a:xfrm>
-            <a:off x="913680" y="5883120"/>
-            <a:ext cx="6672600" cy="364680"/>
-          </a:xfrm>
-          <a:prstGeom prst="rect">
-            <a:avLst/>
-          </a:prstGeom>
-        </p:spPr>
-        <p:txBody>
-          <a:bodyPr anchor="ctr"/>
-          <a:p>
-            <a:endParaRPr b="0" lang="en-US" sz="2400" spc="-1" strike="noStrike">
-              <a:solidFill>
-                <a:srgbClr val="000000"/>
-              </a:solidFill>
-              <a:uFill>
-                <a:solidFill>
-                  <a:srgbClr val="ffffff"/>
-                </a:solidFill>
-              </a:uFill>
-              <a:latin typeface="Times New Roman"/>
-            </a:endParaRPr>
-          </a:p>
-        </p:txBody>
-      </p:sp>
-      <p:sp>
-        <p:nvSpPr>
-          <p:cNvPr id="91" name="PlaceHolder 4"/>
-          <p:cNvSpPr>
-            <a:spLocks noGrp="1"/>
-          </p:cNvSpPr>
-          <p:nvPr>
-            <p:ph type="sldNum"/>
-          </p:nvPr>
-        </p:nvSpPr>
-        <p:spPr>
-          <a:xfrm>
-            <a:off x="10514160" y="5883120"/>
-            <a:ext cx="763920" cy="364680"/>
-          </a:xfrm>
-          <a:prstGeom prst="rect">
-            <a:avLst/>
-          </a:prstGeom>
-        </p:spPr>
-        <p:txBody>
-          <a:bodyPr anchor="ctr"/>
-          <a:p>
-            <a:pPr algn="r">
-              <a:lnSpc>
-                <a:spcPct val="100000"/>
-              </a:lnSpc>
-            </a:pPr>
-            <a:fld id="{A70612EF-D013-4BFB-96F3-C8BC21CD06D8}" type="slidenum">
-              <a:rPr b="0" lang="en-US" sz="1000" spc="-1" strike="noStrike">
-                <a:solidFill>
-                  <a:srgbClr val="000000"/>
-                </a:solidFill>
-                <a:uFill>
-                  <a:solidFill>
-                    <a:srgbClr val="ffffff"/>
-                  </a:solidFill>
-                </a:uFill>
-                <a:latin typeface="Tw Cen MT"/>
-              </a:rPr>
-              <a:t>&lt;number&gt;</a:t>
-            </a:fld>
-            <a:endParaRPr b="0" lang="en-US" sz="1000" spc="-1" strike="noStrike">
-              <a:solidFill>
-                <a:srgbClr val="000000"/>
-              </a:solidFill>
-              <a:uFill>
-                <a:solidFill>
-                  <a:srgbClr val="ffffff"/>
-                </a:solidFill>
-              </a:uFill>
-              <a:latin typeface="Times New Roman"/>
-            </a:endParaRPr>
-          </a:p>
-        </p:txBody>
-      </p:sp>
-      <p:sp>
-        <p:nvSpPr>
-          <p:cNvPr id="92" name="PlaceHolder 5"/>
+            <a:endParaRPr b="0" lang="en-US" sz="1800" spc="-1" strike="noStrike">
+              <a:solidFill>
+                <a:srgbClr val="000000"/>
+              </a:solidFill>
+              <a:uFill>
+                <a:solidFill>
+                  <a:srgbClr val="ffffff"/>
+                </a:solidFill>
+              </a:uFill>
+              <a:latin typeface="Arial"/>
+            </a:endParaRPr>
+          </a:p>
+        </p:txBody>
+      </p:sp>
+      <p:sp>
+        <p:nvSpPr>
+          <p:cNvPr id="83" name="PlaceHolder 2"/>
           <p:cNvSpPr>
             <a:spLocks noGrp="1"/>
           </p:cNvSpPr>
@@ -6967,7 +6879,7 @@
               <a:buChar char=""/>
             </a:pPr>
             <a:r>
-              <a:rPr b="0" lang="en-US" sz="2000" spc="-1" strike="noStrike" cap="all">
+              <a:rPr b="0" lang="en-US" sz="3200" spc="-1" strike="noStrike">
                 <a:solidFill>
                   <a:srgbClr val="000000"/>
                 </a:solidFill>
@@ -6976,20 +6888,20 @@
                     <a:srgbClr val="ffffff"/>
                   </a:solidFill>
                 </a:uFill>
-                <a:latin typeface="Tw Cen MT"/>
+                <a:latin typeface="Arial"/>
               </a:rPr>
               <a:t>Click to edit the outline text format</a:t>
             </a:r>
-            <a:endParaRPr b="0" lang="en-US" sz="2000" spc="-1" strike="noStrike" cap="all">
-              <a:solidFill>
-                <a:srgbClr val="000000"/>
-              </a:solidFill>
-              <a:uFill>
-                <a:solidFill>
-                  <a:srgbClr val="ffffff"/>
-                </a:solidFill>
-              </a:uFill>
-              <a:latin typeface="Tw Cen MT"/>
+            <a:endParaRPr b="0" lang="en-US" sz="3200" spc="-1" strike="noStrike">
+              <a:solidFill>
+                <a:srgbClr val="000000"/>
+              </a:solidFill>
+              <a:uFill>
+                <a:solidFill>
+                  <a:srgbClr val="ffffff"/>
+                </a:solidFill>
+              </a:uFill>
+              <a:latin typeface="Arial"/>
             </a:endParaRPr>
           </a:p>
           <a:p>
@@ -7005,7 +6917,7 @@
               <a:buChar char=""/>
             </a:pPr>
             <a:r>
-              <a:rPr b="0" lang="en-US" sz="1600" spc="-1" strike="noStrike" cap="all">
+              <a:rPr b="0" lang="en-US" sz="2800" spc="-1" strike="noStrike">
                 <a:solidFill>
                   <a:srgbClr val="000000"/>
                 </a:solidFill>
@@ -7014,20 +6926,20 @@
                     <a:srgbClr val="ffffff"/>
                   </a:solidFill>
                 </a:uFill>
-                <a:latin typeface="Tw Cen MT"/>
+                <a:latin typeface="Arial"/>
               </a:rPr>
               <a:t>Second Outline Level</a:t>
             </a:r>
-            <a:endParaRPr b="0" lang="en-US" sz="1600" spc="-1" strike="noStrike" cap="all">
-              <a:solidFill>
-                <a:srgbClr val="000000"/>
-              </a:solidFill>
-              <a:uFill>
-                <a:solidFill>
-                  <a:srgbClr val="ffffff"/>
-                </a:solidFill>
-              </a:uFill>
-              <a:latin typeface="Tw Cen MT"/>
+            <a:endParaRPr b="0" lang="en-US" sz="2800" spc="-1" strike="noStrike">
+              <a:solidFill>
+                <a:srgbClr val="000000"/>
+              </a:solidFill>
+              <a:uFill>
+                <a:solidFill>
+                  <a:srgbClr val="ffffff"/>
+                </a:solidFill>
+              </a:uFill>
+              <a:latin typeface="Arial"/>
             </a:endParaRPr>
           </a:p>
           <a:p>
@@ -7043,7 +6955,7 @@
               <a:buChar char=""/>
             </a:pPr>
             <a:r>
-              <a:rPr b="0" lang="en-US" sz="1400" spc="-1" strike="noStrike" cap="all">
+              <a:rPr b="0" lang="en-US" sz="2400" spc="-1" strike="noStrike">
                 <a:solidFill>
                   <a:srgbClr val="000000"/>
                 </a:solidFill>
@@ -7052,20 +6964,20 @@
                     <a:srgbClr val="ffffff"/>
                   </a:solidFill>
                 </a:uFill>
-                <a:latin typeface="Tw Cen MT"/>
+                <a:latin typeface="Arial"/>
               </a:rPr>
               <a:t>Third Outline Level</a:t>
             </a:r>
-            <a:endParaRPr b="0" lang="en-US" sz="1400" spc="-1" strike="noStrike" cap="all">
-              <a:solidFill>
-                <a:srgbClr val="000000"/>
-              </a:solidFill>
-              <a:uFill>
-                <a:solidFill>
-                  <a:srgbClr val="ffffff"/>
-                </a:solidFill>
-              </a:uFill>
-              <a:latin typeface="Tw Cen MT"/>
+            <a:endParaRPr b="0" lang="en-US" sz="2400" spc="-1" strike="noStrike">
+              <a:solidFill>
+                <a:srgbClr val="000000"/>
+              </a:solidFill>
+              <a:uFill>
+                <a:solidFill>
+                  <a:srgbClr val="ffffff"/>
+                </a:solidFill>
+              </a:uFill>
+              <a:latin typeface="Arial"/>
             </a:endParaRPr>
           </a:p>
           <a:p>
@@ -7081,7 +6993,7 @@
               <a:buChar char=""/>
             </a:pPr>
             <a:r>
-              <a:rPr b="0" lang="en-US" sz="1400" spc="-1" strike="noStrike" cap="all">
+              <a:rPr b="0" lang="en-US" sz="2000" spc="-1" strike="noStrike">
                 <a:solidFill>
                   <a:srgbClr val="000000"/>
                 </a:solidFill>
@@ -7090,20 +7002,20 @@
                     <a:srgbClr val="ffffff"/>
                   </a:solidFill>
                 </a:uFill>
-                <a:latin typeface="Tw Cen MT"/>
+                <a:latin typeface="Arial"/>
               </a:rPr>
               <a:t>Fourth Outline Level</a:t>
             </a:r>
-            <a:endParaRPr b="0" lang="en-US" sz="1400" spc="-1" strike="noStrike" cap="all">
-              <a:solidFill>
-                <a:srgbClr val="000000"/>
-              </a:solidFill>
-              <a:uFill>
-                <a:solidFill>
-                  <a:srgbClr val="ffffff"/>
-                </a:solidFill>
-              </a:uFill>
-              <a:latin typeface="Tw Cen MT"/>
+            <a:endParaRPr b="0" lang="en-US" sz="2000" spc="-1" strike="noStrike">
+              <a:solidFill>
+                <a:srgbClr val="000000"/>
+              </a:solidFill>
+              <a:uFill>
+                <a:solidFill>
+                  <a:srgbClr val="ffffff"/>
+                </a:solidFill>
+              </a:uFill>
+              <a:latin typeface="Arial"/>
             </a:endParaRPr>
           </a:p>
           <a:p>
@@ -7119,7 +7031,7 @@
               <a:buChar char=""/>
             </a:pPr>
             <a:r>
-              <a:rPr b="0" lang="en-US" sz="2000" spc="-1" strike="noStrike" cap="all">
+              <a:rPr b="0" lang="en-US" sz="2000" spc="-1" strike="noStrike">
                 <a:solidFill>
                   <a:srgbClr val="000000"/>
                 </a:solidFill>
@@ -7128,20 +7040,20 @@
                     <a:srgbClr val="ffffff"/>
                   </a:solidFill>
                 </a:uFill>
-                <a:latin typeface="Tw Cen MT"/>
+                <a:latin typeface="Arial"/>
               </a:rPr>
               <a:t>Fifth Outline Level</a:t>
             </a:r>
-            <a:endParaRPr b="0" lang="en-US" sz="2000" spc="-1" strike="noStrike" cap="all">
-              <a:solidFill>
-                <a:srgbClr val="000000"/>
-              </a:solidFill>
-              <a:uFill>
-                <a:solidFill>
-                  <a:srgbClr val="ffffff"/>
-                </a:solidFill>
-              </a:uFill>
-              <a:latin typeface="Tw Cen MT"/>
+            <a:endParaRPr b="0" lang="en-US" sz="2000" spc="-1" strike="noStrike">
+              <a:solidFill>
+                <a:srgbClr val="000000"/>
+              </a:solidFill>
+              <a:uFill>
+                <a:solidFill>
+                  <a:srgbClr val="ffffff"/>
+                </a:solidFill>
+              </a:uFill>
+              <a:latin typeface="Arial"/>
             </a:endParaRPr>
           </a:p>
           <a:p>
@@ -7157,7 +7069,7 @@
               <a:buChar char=""/>
             </a:pPr>
             <a:r>
-              <a:rPr b="0" lang="en-US" sz="2000" spc="-1" strike="noStrike" cap="all">
+              <a:rPr b="0" lang="en-US" sz="2000" spc="-1" strike="noStrike">
                 <a:solidFill>
                   <a:srgbClr val="000000"/>
                 </a:solidFill>
@@ -7166,20 +7078,20 @@
                     <a:srgbClr val="ffffff"/>
                   </a:solidFill>
                 </a:uFill>
-                <a:latin typeface="Tw Cen MT"/>
+                <a:latin typeface="Arial"/>
               </a:rPr>
               <a:t>Sixth Outline Level</a:t>
             </a:r>
-            <a:endParaRPr b="0" lang="en-US" sz="2000" spc="-1" strike="noStrike" cap="all">
-              <a:solidFill>
-                <a:srgbClr val="000000"/>
-              </a:solidFill>
-              <a:uFill>
-                <a:solidFill>
-                  <a:srgbClr val="ffffff"/>
-                </a:solidFill>
-              </a:uFill>
-              <a:latin typeface="Tw Cen MT"/>
+            <a:endParaRPr b="0" lang="en-US" sz="2000" spc="-1" strike="noStrike">
+              <a:solidFill>
+                <a:srgbClr val="000000"/>
+              </a:solidFill>
+              <a:uFill>
+                <a:solidFill>
+                  <a:srgbClr val="ffffff"/>
+                </a:solidFill>
+              </a:uFill>
+              <a:latin typeface="Arial"/>
             </a:endParaRPr>
           </a:p>
           <a:p>
@@ -7195,7 +7107,7 @@
               <a:buChar char=""/>
             </a:pPr>
             <a:r>
-              <a:rPr b="0" lang="en-US" sz="2000" spc="-1" strike="noStrike" cap="all">
+              <a:rPr b="0" lang="en-US" sz="2000" spc="-1" strike="noStrike">
                 <a:solidFill>
                   <a:srgbClr val="000000"/>
                 </a:solidFill>
@@ -7204,20 +7116,20 @@
                     <a:srgbClr val="ffffff"/>
                   </a:solidFill>
                 </a:uFill>
-                <a:latin typeface="Tw Cen MT"/>
+                <a:latin typeface="Arial"/>
               </a:rPr>
               <a:t>Seventh Outline Level</a:t>
             </a:r>
-            <a:endParaRPr b="0" lang="en-US" sz="2000" spc="-1" strike="noStrike" cap="all">
-              <a:solidFill>
-                <a:srgbClr val="000000"/>
-              </a:solidFill>
-              <a:uFill>
-                <a:solidFill>
-                  <a:srgbClr val="ffffff"/>
-                </a:solidFill>
-              </a:uFill>
-              <a:latin typeface="Tw Cen MT"/>
+            <a:endParaRPr b="0" lang="en-US" sz="2000" spc="-1" strike="noStrike">
+              <a:solidFill>
+                <a:srgbClr val="000000"/>
+              </a:solidFill>
+              <a:uFill>
+                <a:solidFill>
+                  <a:srgbClr val="ffffff"/>
+                </a:solidFill>
+              </a:uFill>
+              <a:latin typeface="Arial"/>
             </a:endParaRPr>
           </a:p>
         </p:txBody>
@@ -7261,14 +7173,14 @@
       </p:grpSpPr>
       <p:sp>
         <p:nvSpPr>
-          <p:cNvPr id="134" name="TextShape 1"/>
-          <p:cNvSpPr txBox="1"/>
+          <p:cNvPr id="125" name="CustomShape 1"/>
+          <p:cNvSpPr/>
           <p:nvPr/>
         </p:nvSpPr>
         <p:spPr>
           <a:xfrm>
             <a:off x="913680" y="1176120"/>
-            <a:ext cx="10351440" cy="2736360"/>
+            <a:ext cx="10351080" cy="2736000"/>
           </a:xfrm>
           <a:prstGeom prst="rect">
             <a:avLst/>
@@ -7278,8 +7190,14 @@
             <a:noFill/>
           </a:ln>
         </p:spPr>
-        <p:txBody>
-          <a:bodyPr anchor="b">
+        <p:style>
+          <a:lnRef idx="0"/>
+          <a:fillRef idx="0"/>
+          <a:effectRef idx="0"/>
+          <a:fontRef idx="minor"/>
+        </p:style>
+        <p:txBody>
+          <a:bodyPr lIns="90000" rIns="90000" tIns="45000" bIns="45000" anchor="b">
             <a:normAutofit/>
           </a:bodyPr>
           <a:p>
@@ -7300,7 +7218,7 @@
                 </a:uFill>
                 <a:latin typeface="Tw Cen MT"/>
               </a:rPr>
-              <a:t>Smoke Detector </a:t>
+              <a:t>Flame Detector </a:t>
             </a:r>
             <a:br/>
             <a:r>
@@ -7326,21 +7244,21 @@
                   <a:srgbClr val="ffffff"/>
                 </a:solidFill>
               </a:uFill>
-              <a:latin typeface="Tw Cen MT"/>
-            </a:endParaRPr>
-          </a:p>
-        </p:txBody>
-      </p:sp>
-      <p:sp>
-        <p:nvSpPr>
-          <p:cNvPr id="135" name="TextShape 2"/>
-          <p:cNvSpPr txBox="1"/>
+              <a:latin typeface="Arial"/>
+            </a:endParaRPr>
+          </a:p>
+        </p:txBody>
+      </p:sp>
+      <p:sp>
+        <p:nvSpPr>
+          <p:cNvPr id="126" name="CustomShape 2"/>
+          <p:cNvSpPr/>
           <p:nvPr/>
         </p:nvSpPr>
         <p:spPr>
           <a:xfrm>
             <a:off x="913680" y="4649040"/>
-            <a:ext cx="10351440" cy="1368000"/>
+            <a:ext cx="10351080" cy="1367640"/>
           </a:xfrm>
           <a:prstGeom prst="rect">
             <a:avLst/>
@@ -7350,8 +7268,14 @@
             <a:noFill/>
           </a:ln>
         </p:spPr>
-        <p:txBody>
-          <a:bodyPr>
+        <p:style>
+          <a:lnRef idx="0"/>
+          <a:fillRef idx="0"/>
+          <a:effectRef idx="0"/>
+          <a:fontRef idx="minor"/>
+        </p:style>
+        <p:txBody>
+          <a:bodyPr lIns="90000" rIns="90000" tIns="45000" bIns="45000">
             <a:normAutofit/>
           </a:bodyPr>
           <a:p>
@@ -7377,16 +7301,16 @@
               </a:rPr>
               <a:t>Made by : Amr Hassan Mohamed </a:t>
             </a:r>
-            <a:endParaRPr b="0" lang="en-US" sz="2400" spc="-1" strike="noStrike" cap="all">
-              <a:solidFill>
-                <a:srgbClr val="000000"/>
-              </a:solidFill>
-              <a:uFill>
-                <a:solidFill>
-                  <a:srgbClr val="ffffff"/>
-                </a:solidFill>
-              </a:uFill>
-              <a:latin typeface="Tw Cen MT"/>
+            <a:endParaRPr b="0" lang="en-US" sz="2400" spc="-1" strike="noStrike">
+              <a:solidFill>
+                <a:srgbClr val="000000"/>
+              </a:solidFill>
+              <a:uFill>
+                <a:solidFill>
+                  <a:srgbClr val="ffffff"/>
+                </a:solidFill>
+              </a:uFill>
+              <a:latin typeface="Arial"/>
             </a:endParaRPr>
           </a:p>
         </p:txBody>
@@ -7445,14 +7369,14 @@
       </p:grpSpPr>
       <p:sp>
         <p:nvSpPr>
-          <p:cNvPr id="136" name="TextShape 1"/>
-          <p:cNvSpPr txBox="1"/>
+          <p:cNvPr id="127" name="CustomShape 1"/>
+          <p:cNvSpPr/>
           <p:nvPr/>
         </p:nvSpPr>
         <p:spPr>
           <a:xfrm>
             <a:off x="913680" y="618480"/>
-            <a:ext cx="10364040" cy="1595880"/>
+            <a:ext cx="10363680" cy="1595520"/>
           </a:xfrm>
           <a:prstGeom prst="rect">
             <a:avLst/>
@@ -7462,8 +7386,14 @@
             <a:noFill/>
           </a:ln>
         </p:spPr>
-        <p:txBody>
-          <a:bodyPr anchor="ctr"/>
+        <p:style>
+          <a:lnRef idx="0"/>
+          <a:fillRef idx="0"/>
+          <a:effectRef idx="0"/>
+          <a:fontRef idx="minor"/>
+        </p:style>
+        <p:txBody>
+          <a:bodyPr lIns="90000" rIns="90000" tIns="45000" bIns="45000" anchor="ctr"/>
           <a:p>
             <a:pPr algn="ctr">
               <a:lnSpc>
@@ -7493,21 +7423,21 @@
                   <a:srgbClr val="ffffff"/>
                 </a:solidFill>
               </a:uFill>
-              <a:latin typeface="Tw Cen MT"/>
-            </a:endParaRPr>
-          </a:p>
-        </p:txBody>
-      </p:sp>
-      <p:sp>
-        <p:nvSpPr>
-          <p:cNvPr id="137" name="TextShape 2"/>
-          <p:cNvSpPr txBox="1"/>
+              <a:latin typeface="Arial"/>
+            </a:endParaRPr>
+          </a:p>
+        </p:txBody>
+      </p:sp>
+      <p:sp>
+        <p:nvSpPr>
+          <p:cNvPr id="128" name="CustomShape 2"/>
+          <p:cNvSpPr/>
           <p:nvPr/>
         </p:nvSpPr>
         <p:spPr>
           <a:xfrm>
             <a:off x="913680" y="2367000"/>
-            <a:ext cx="10363320" cy="3423600"/>
+            <a:ext cx="10362960" cy="3423240"/>
           </a:xfrm>
           <a:prstGeom prst="rect">
             <a:avLst/>
@@ -7517,10 +7447,16 @@
             <a:noFill/>
           </a:ln>
         </p:spPr>
-        <p:txBody>
-          <a:bodyPr/>
-          <a:p>
-            <a:pPr marL="228600" indent="-228240">
+        <p:style>
+          <a:lnRef idx="0"/>
+          <a:fillRef idx="0"/>
+          <a:effectRef idx="0"/>
+          <a:fontRef idx="minor"/>
+        </p:style>
+        <p:txBody>
+          <a:bodyPr lIns="90000" rIns="90000" tIns="45000" bIns="45000"/>
+          <a:p>
+            <a:pPr marL="228600" indent="-227880">
               <a:lnSpc>
                 <a:spcPct val="120000"/>
               </a:lnSpc>
@@ -7547,20 +7483,20 @@
               </a:rPr>
               <a:t>Arduino UNO </a:t>
             </a:r>
-            <a:endParaRPr b="0" lang="en-US" sz="1600" spc="-1" strike="noStrike" cap="all">
-              <a:solidFill>
-                <a:srgbClr val="000000"/>
-              </a:solidFill>
-              <a:uFill>
-                <a:solidFill>
-                  <a:srgbClr val="ffffff"/>
-                </a:solidFill>
-              </a:uFill>
-              <a:latin typeface="Tw Cen MT"/>
-            </a:endParaRPr>
-          </a:p>
-          <a:p>
-            <a:pPr marL="228600" indent="-228240">
+            <a:endParaRPr b="0" lang="en-US" sz="1600" spc="-1" strike="noStrike">
+              <a:solidFill>
+                <a:srgbClr val="000000"/>
+              </a:solidFill>
+              <a:uFill>
+                <a:solidFill>
+                  <a:srgbClr val="ffffff"/>
+                </a:solidFill>
+              </a:uFill>
+              <a:latin typeface="Arial"/>
+            </a:endParaRPr>
+          </a:p>
+          <a:p>
+            <a:pPr marL="228600" indent="-227880">
               <a:lnSpc>
                 <a:spcPct val="120000"/>
               </a:lnSpc>
@@ -7587,20 +7523,20 @@
               </a:rPr>
               <a:t>Bluetooth module  HC05</a:t>
             </a:r>
-            <a:endParaRPr b="0" lang="en-US" sz="1600" spc="-1" strike="noStrike" cap="all">
-              <a:solidFill>
-                <a:srgbClr val="000000"/>
-              </a:solidFill>
-              <a:uFill>
-                <a:solidFill>
-                  <a:srgbClr val="ffffff"/>
-                </a:solidFill>
-              </a:uFill>
-              <a:latin typeface="Tw Cen MT"/>
-            </a:endParaRPr>
-          </a:p>
-          <a:p>
-            <a:pPr marL="228600" indent="-228240">
+            <a:endParaRPr b="0" lang="en-US" sz="1600" spc="-1" strike="noStrike">
+              <a:solidFill>
+                <a:srgbClr val="000000"/>
+              </a:solidFill>
+              <a:uFill>
+                <a:solidFill>
+                  <a:srgbClr val="ffffff"/>
+                </a:solidFill>
+              </a:uFill>
+              <a:latin typeface="Arial"/>
+            </a:endParaRPr>
+          </a:p>
+          <a:p>
+            <a:pPr marL="228600" indent="-227880">
               <a:lnSpc>
                 <a:spcPct val="120000"/>
               </a:lnSpc>
@@ -7627,20 +7563,20 @@
               </a:rPr>
               <a:t>L293D motor driver IC  </a:t>
             </a:r>
-            <a:endParaRPr b="0" lang="en-US" sz="1600" spc="-1" strike="noStrike" cap="all">
-              <a:solidFill>
-                <a:srgbClr val="000000"/>
-              </a:solidFill>
-              <a:uFill>
-                <a:solidFill>
-                  <a:srgbClr val="ffffff"/>
-                </a:solidFill>
-              </a:uFill>
-              <a:latin typeface="Tw Cen MT"/>
-            </a:endParaRPr>
-          </a:p>
-          <a:p>
-            <a:pPr marL="228600" indent="-228240">
+            <a:endParaRPr b="0" lang="en-US" sz="1600" spc="-1" strike="noStrike">
+              <a:solidFill>
+                <a:srgbClr val="000000"/>
+              </a:solidFill>
+              <a:uFill>
+                <a:solidFill>
+                  <a:srgbClr val="ffffff"/>
+                </a:solidFill>
+              </a:uFill>
+              <a:latin typeface="Arial"/>
+            </a:endParaRPr>
+          </a:p>
+          <a:p>
+            <a:pPr marL="228600" indent="-227880">
               <a:lnSpc>
                 <a:spcPct val="120000"/>
               </a:lnSpc>
@@ -7667,20 +7603,20 @@
               </a:rPr>
               <a:t>Two DC motors </a:t>
             </a:r>
-            <a:endParaRPr b="0" lang="en-US" sz="1600" spc="-1" strike="noStrike" cap="all">
-              <a:solidFill>
-                <a:srgbClr val="000000"/>
-              </a:solidFill>
-              <a:uFill>
-                <a:solidFill>
-                  <a:srgbClr val="ffffff"/>
-                </a:solidFill>
-              </a:uFill>
-              <a:latin typeface="Tw Cen MT"/>
-            </a:endParaRPr>
-          </a:p>
-          <a:p>
-            <a:pPr marL="228600" indent="-228240">
+            <a:endParaRPr b="0" lang="en-US" sz="1600" spc="-1" strike="noStrike">
+              <a:solidFill>
+                <a:srgbClr val="000000"/>
+              </a:solidFill>
+              <a:uFill>
+                <a:solidFill>
+                  <a:srgbClr val="ffffff"/>
+                </a:solidFill>
+              </a:uFill>
+              <a:latin typeface="Arial"/>
+            </a:endParaRPr>
+          </a:p>
+          <a:p>
+            <a:pPr marL="228600" indent="-227880">
               <a:lnSpc>
                 <a:spcPct val="120000"/>
               </a:lnSpc>
@@ -7707,20 +7643,20 @@
               </a:rPr>
               <a:t>Two lithium batteries each 3.7 v </a:t>
             </a:r>
-            <a:endParaRPr b="0" lang="en-US" sz="1600" spc="-1" strike="noStrike" cap="all">
-              <a:solidFill>
-                <a:srgbClr val="000000"/>
-              </a:solidFill>
-              <a:uFill>
-                <a:solidFill>
-                  <a:srgbClr val="ffffff"/>
-                </a:solidFill>
-              </a:uFill>
-              <a:latin typeface="Tw Cen MT"/>
-            </a:endParaRPr>
-          </a:p>
-          <a:p>
-            <a:pPr marL="228600" indent="-228240">
+            <a:endParaRPr b="0" lang="en-US" sz="1600" spc="-1" strike="noStrike">
+              <a:solidFill>
+                <a:srgbClr val="000000"/>
+              </a:solidFill>
+              <a:uFill>
+                <a:solidFill>
+                  <a:srgbClr val="ffffff"/>
+                </a:solidFill>
+              </a:uFill>
+              <a:latin typeface="Arial"/>
+            </a:endParaRPr>
+          </a:p>
+          <a:p>
+            <a:pPr marL="228600" indent="-227880">
               <a:lnSpc>
                 <a:spcPct val="120000"/>
               </a:lnSpc>
@@ -7747,20 +7683,20 @@
               </a:rPr>
               <a:t>One 9v battery </a:t>
             </a:r>
-            <a:endParaRPr b="0" lang="en-US" sz="1600" spc="-1" strike="noStrike" cap="all">
-              <a:solidFill>
-                <a:srgbClr val="000000"/>
-              </a:solidFill>
-              <a:uFill>
-                <a:solidFill>
-                  <a:srgbClr val="ffffff"/>
-                </a:solidFill>
-              </a:uFill>
-              <a:latin typeface="Tw Cen MT"/>
-            </a:endParaRPr>
-          </a:p>
-          <a:p>
-            <a:pPr marL="228600" indent="-228240">
+            <a:endParaRPr b="0" lang="en-US" sz="1600" spc="-1" strike="noStrike">
+              <a:solidFill>
+                <a:srgbClr val="000000"/>
+              </a:solidFill>
+              <a:uFill>
+                <a:solidFill>
+                  <a:srgbClr val="ffffff"/>
+                </a:solidFill>
+              </a:uFill>
+              <a:latin typeface="Arial"/>
+            </a:endParaRPr>
+          </a:p>
+          <a:p>
+            <a:pPr marL="228600" indent="-227880">
               <a:lnSpc>
                 <a:spcPct val="120000"/>
               </a:lnSpc>
@@ -7787,20 +7723,20 @@
               </a:rPr>
               <a:t>Smartphone (any android will work)</a:t>
             </a:r>
-            <a:endParaRPr b="0" lang="en-US" sz="1600" spc="-1" strike="noStrike" cap="all">
-              <a:solidFill>
-                <a:srgbClr val="000000"/>
-              </a:solidFill>
-              <a:uFill>
-                <a:solidFill>
-                  <a:srgbClr val="ffffff"/>
-                </a:solidFill>
-              </a:uFill>
-              <a:latin typeface="Tw Cen MT"/>
-            </a:endParaRPr>
-          </a:p>
-          <a:p>
-            <a:pPr marL="228600" indent="-228240">
+            <a:endParaRPr b="0" lang="en-US" sz="1600" spc="-1" strike="noStrike">
+              <a:solidFill>
+                <a:srgbClr val="000000"/>
+              </a:solidFill>
+              <a:uFill>
+                <a:solidFill>
+                  <a:srgbClr val="ffffff"/>
+                </a:solidFill>
+              </a:uFill>
+              <a:latin typeface="Arial"/>
+            </a:endParaRPr>
+          </a:p>
+          <a:p>
+            <a:pPr marL="228600" indent="-227880">
               <a:lnSpc>
                 <a:spcPct val="120000"/>
               </a:lnSpc>
@@ -7827,20 +7763,20 @@
               </a:rPr>
               <a:t>Flame sensor module </a:t>
             </a:r>
-            <a:endParaRPr b="0" lang="en-US" sz="1600" spc="-1" strike="noStrike" cap="all">
-              <a:solidFill>
-                <a:srgbClr val="000000"/>
-              </a:solidFill>
-              <a:uFill>
-                <a:solidFill>
-                  <a:srgbClr val="ffffff"/>
-                </a:solidFill>
-              </a:uFill>
-              <a:latin typeface="Tw Cen MT"/>
-            </a:endParaRPr>
-          </a:p>
-          <a:p>
-            <a:pPr marL="228600" indent="-228240">
+            <a:endParaRPr b="0" lang="en-US" sz="1600" spc="-1" strike="noStrike">
+              <a:solidFill>
+                <a:srgbClr val="000000"/>
+              </a:solidFill>
+              <a:uFill>
+                <a:solidFill>
+                  <a:srgbClr val="ffffff"/>
+                </a:solidFill>
+              </a:uFill>
+              <a:latin typeface="Arial"/>
+            </a:endParaRPr>
+          </a:p>
+          <a:p>
+            <a:pPr marL="228600" indent="-227880">
               <a:lnSpc>
                 <a:spcPct val="120000"/>
               </a:lnSpc>
@@ -7867,16 +7803,16 @@
               </a:rPr>
               <a:t>Regulator 6v </a:t>
             </a:r>
-            <a:endParaRPr b="0" lang="en-US" sz="1600" spc="-1" strike="noStrike" cap="all">
-              <a:solidFill>
-                <a:srgbClr val="000000"/>
-              </a:solidFill>
-              <a:uFill>
-                <a:solidFill>
-                  <a:srgbClr val="ffffff"/>
-                </a:solidFill>
-              </a:uFill>
-              <a:latin typeface="Tw Cen MT"/>
+            <a:endParaRPr b="0" lang="en-US" sz="1600" spc="-1" strike="noStrike">
+              <a:solidFill>
+                <a:srgbClr val="000000"/>
+              </a:solidFill>
+              <a:uFill>
+                <a:solidFill>
+                  <a:srgbClr val="ffffff"/>
+                </a:solidFill>
+              </a:uFill>
+              <a:latin typeface="Arial"/>
             </a:endParaRPr>
           </a:p>
         </p:txBody>
@@ -7935,14 +7871,14 @@
       </p:grpSpPr>
       <p:sp>
         <p:nvSpPr>
-          <p:cNvPr id="138" name="TextShape 1"/>
-          <p:cNvSpPr txBox="1"/>
+          <p:cNvPr id="129" name="CustomShape 1"/>
+          <p:cNvSpPr/>
           <p:nvPr/>
         </p:nvSpPr>
         <p:spPr>
           <a:xfrm>
             <a:off x="913680" y="618480"/>
-            <a:ext cx="10364040" cy="1595880"/>
+            <a:ext cx="10363680" cy="1595520"/>
           </a:xfrm>
           <a:prstGeom prst="rect">
             <a:avLst/>
@@ -7952,8 +7888,14 @@
             <a:noFill/>
           </a:ln>
         </p:spPr>
-        <p:txBody>
-          <a:bodyPr anchor="ctr"/>
+        <p:style>
+          <a:lnRef idx="0"/>
+          <a:fillRef idx="0"/>
+          <a:effectRef idx="0"/>
+          <a:fontRef idx="minor"/>
+        </p:style>
+        <p:txBody>
+          <a:bodyPr lIns="90000" rIns="90000" tIns="45000" bIns="45000" anchor="ctr"/>
           <a:p>
             <a:pPr algn="ctr">
               <a:lnSpc>
@@ -7983,21 +7925,21 @@
                   <a:srgbClr val="ffffff"/>
                 </a:solidFill>
               </a:uFill>
-              <a:latin typeface="Tw Cen MT"/>
-            </a:endParaRPr>
-          </a:p>
-        </p:txBody>
-      </p:sp>
-      <p:sp>
-        <p:nvSpPr>
-          <p:cNvPr id="139" name="TextShape 2"/>
-          <p:cNvSpPr txBox="1"/>
+              <a:latin typeface="Arial"/>
+            </a:endParaRPr>
+          </a:p>
+        </p:txBody>
+      </p:sp>
+      <p:sp>
+        <p:nvSpPr>
+          <p:cNvPr id="130" name="CustomShape 2"/>
+          <p:cNvSpPr/>
           <p:nvPr/>
         </p:nvSpPr>
         <p:spPr>
           <a:xfrm>
             <a:off x="913680" y="2367000"/>
-            <a:ext cx="10363320" cy="3423600"/>
+            <a:ext cx="10362960" cy="3423240"/>
           </a:xfrm>
           <a:prstGeom prst="rect">
             <a:avLst/>
@@ -8007,10 +7949,16 @@
             <a:noFill/>
           </a:ln>
         </p:spPr>
-        <p:txBody>
-          <a:bodyPr/>
-          <a:p>
-            <a:pPr marL="228600" indent="-228240">
+        <p:style>
+          <a:lnRef idx="0"/>
+          <a:fillRef idx="0"/>
+          <a:effectRef idx="0"/>
+          <a:fontRef idx="minor"/>
+        </p:style>
+        <p:txBody>
+          <a:bodyPr lIns="90000" rIns="90000" tIns="45000" bIns="45000"/>
+          <a:p>
+            <a:pPr marL="228600" indent="-227880">
               <a:lnSpc>
                 <a:spcPct val="120000"/>
               </a:lnSpc>
@@ -8037,23 +7985,23 @@
               </a:rPr>
               <a:t>This describes the operation after sending messages using mobile app .</a:t>
             </a:r>
-            <a:endParaRPr b="0" lang="en-US" sz="2000" spc="-1" strike="noStrike" cap="all">
-              <a:solidFill>
-                <a:srgbClr val="000000"/>
-              </a:solidFill>
-              <a:uFill>
-                <a:solidFill>
-                  <a:srgbClr val="ffffff"/>
-                </a:solidFill>
-              </a:uFill>
-              <a:latin typeface="Tw Cen MT"/>
+            <a:endParaRPr b="0" lang="en-US" sz="2000" spc="-1" strike="noStrike">
+              <a:solidFill>
+                <a:srgbClr val="000000"/>
+              </a:solidFill>
+              <a:uFill>
+                <a:solidFill>
+                  <a:srgbClr val="ffffff"/>
+                </a:solidFill>
+              </a:uFill>
+              <a:latin typeface="Arial"/>
             </a:endParaRPr>
           </a:p>
         </p:txBody>
       </p:sp>
       <p:pic>
         <p:nvPicPr>
-          <p:cNvPr id="140" name="Picture 12" descr=""/>
+          <p:cNvPr id="131" name="Picture 12" descr=""/>
           <p:cNvPicPr/>
           <p:nvPr/>
         </p:nvPicPr>
@@ -8064,7 +8012,7 @@
         <p:spPr>
           <a:xfrm>
             <a:off x="1841040" y="2864880"/>
-            <a:ext cx="8088120" cy="3296520"/>
+            <a:ext cx="8087760" cy="3296160"/>
           </a:xfrm>
           <a:prstGeom prst="rect">
             <a:avLst/>
@@ -8125,14 +8073,14 @@
       </p:grpSpPr>
       <p:sp>
         <p:nvSpPr>
-          <p:cNvPr id="141" name="TextShape 1"/>
-          <p:cNvSpPr txBox="1"/>
+          <p:cNvPr id="132" name="CustomShape 1"/>
+          <p:cNvSpPr/>
           <p:nvPr/>
         </p:nvSpPr>
         <p:spPr>
           <a:xfrm>
             <a:off x="898200" y="283680"/>
-            <a:ext cx="10364040" cy="1595880"/>
+            <a:ext cx="10363680" cy="1595520"/>
           </a:xfrm>
           <a:prstGeom prst="rect">
             <a:avLst/>
@@ -8142,8 +8090,14 @@
             <a:noFill/>
           </a:ln>
         </p:spPr>
-        <p:txBody>
-          <a:bodyPr anchor="ctr"/>
+        <p:style>
+          <a:lnRef idx="0"/>
+          <a:fillRef idx="0"/>
+          <a:effectRef idx="0"/>
+          <a:fontRef idx="minor"/>
+        </p:style>
+        <p:txBody>
+          <a:bodyPr lIns="90000" rIns="90000" tIns="45000" bIns="45000" anchor="ctr"/>
           <a:p>
             <a:pPr algn="ctr">
               <a:lnSpc>
@@ -8173,14 +8127,14 @@
                   <a:srgbClr val="ffffff"/>
                 </a:solidFill>
               </a:uFill>
-              <a:latin typeface="Tw Cen MT"/>
+              <a:latin typeface="Arial"/>
             </a:endParaRPr>
           </a:p>
         </p:txBody>
       </p:sp>
       <p:pic>
         <p:nvPicPr>
-          <p:cNvPr id="142" name="Picture 4" descr=""/>
+          <p:cNvPr id="133" name="Picture 4" descr=""/>
           <p:cNvPicPr/>
           <p:nvPr/>
         </p:nvPicPr>
@@ -8191,7 +8145,7 @@
         <p:spPr>
           <a:xfrm>
             <a:off x="1787760" y="1703160"/>
-            <a:ext cx="8585280" cy="4063320"/>
+            <a:ext cx="8584920" cy="4062960"/>
           </a:xfrm>
           <a:prstGeom prst="rect">
             <a:avLst/>
@@ -8255,14 +8209,14 @@
       </p:grpSpPr>
       <p:sp>
         <p:nvSpPr>
-          <p:cNvPr id="143" name="TextShape 1"/>
-          <p:cNvSpPr txBox="1"/>
+          <p:cNvPr id="134" name="CustomShape 1"/>
+          <p:cNvSpPr/>
           <p:nvPr/>
         </p:nvSpPr>
         <p:spPr>
           <a:xfrm>
             <a:off x="913680" y="618480"/>
-            <a:ext cx="10364040" cy="1595880"/>
+            <a:ext cx="10363680" cy="1595520"/>
           </a:xfrm>
           <a:prstGeom prst="rect">
             <a:avLst/>
@@ -8272,8 +8226,14 @@
             <a:noFill/>
           </a:ln>
         </p:spPr>
-        <p:txBody>
-          <a:bodyPr anchor="ctr"/>
+        <p:style>
+          <a:lnRef idx="0"/>
+          <a:fillRef idx="0"/>
+          <a:effectRef idx="0"/>
+          <a:fontRef idx="minor"/>
+        </p:style>
+        <p:txBody>
+          <a:bodyPr lIns="90000" rIns="90000" tIns="45000" bIns="45000" anchor="ctr"/>
           <a:p>
             <a:pPr algn="ctr">
               <a:lnSpc>
@@ -8303,21 +8263,21 @@
                   <a:srgbClr val="ffffff"/>
                 </a:solidFill>
               </a:uFill>
-              <a:latin typeface="Tw Cen MT"/>
-            </a:endParaRPr>
-          </a:p>
-        </p:txBody>
-      </p:sp>
-      <p:sp>
-        <p:nvSpPr>
-          <p:cNvPr id="144" name="TextShape 2"/>
-          <p:cNvSpPr txBox="1"/>
+              <a:latin typeface="Arial"/>
+            </a:endParaRPr>
+          </a:p>
+        </p:txBody>
+      </p:sp>
+      <p:sp>
+        <p:nvSpPr>
+          <p:cNvPr id="135" name="CustomShape 2"/>
+          <p:cNvSpPr/>
           <p:nvPr/>
         </p:nvSpPr>
         <p:spPr>
           <a:xfrm>
             <a:off x="913680" y="2367000"/>
-            <a:ext cx="10363320" cy="3423600"/>
+            <a:ext cx="10362960" cy="3423240"/>
           </a:xfrm>
           <a:prstGeom prst="rect">
             <a:avLst/>
@@ -8327,10 +8287,16 @@
             <a:noFill/>
           </a:ln>
         </p:spPr>
-        <p:txBody>
-          <a:bodyPr/>
-          <a:p>
-            <a:pPr marL="228600" indent="-228240">
+        <p:style>
+          <a:lnRef idx="0"/>
+          <a:fillRef idx="0"/>
+          <a:effectRef idx="0"/>
+          <a:fontRef idx="minor"/>
+        </p:style>
+        <p:txBody>
+          <a:bodyPr lIns="90000" rIns="90000" tIns="45000" bIns="45000"/>
+          <a:p>
+            <a:pPr marL="228600" indent="-227880">
               <a:lnSpc>
                 <a:spcPct val="120000"/>
               </a:lnSpc>
@@ -8371,23 +8337,23 @@
               </a:rPr>
               <a:t> </a:t>
             </a:r>
-            <a:endParaRPr b="0" lang="en-US" sz="2000" spc="-1" strike="noStrike" cap="all">
-              <a:solidFill>
-                <a:srgbClr val="000000"/>
-              </a:solidFill>
-              <a:uFill>
-                <a:solidFill>
-                  <a:srgbClr val="ffffff"/>
-                </a:solidFill>
-              </a:uFill>
-              <a:latin typeface="Tw Cen MT"/>
+            <a:endParaRPr b="0" lang="en-US" sz="2000" spc="-1" strike="noStrike">
+              <a:solidFill>
+                <a:srgbClr val="000000"/>
+              </a:solidFill>
+              <a:uFill>
+                <a:solidFill>
+                  <a:srgbClr val="ffffff"/>
+                </a:solidFill>
+              </a:uFill>
+              <a:latin typeface="Arial"/>
             </a:endParaRPr>
           </a:p>
         </p:txBody>
       </p:sp>
       <p:pic>
         <p:nvPicPr>
-          <p:cNvPr id="145" name="Picture 4" descr=""/>
+          <p:cNvPr id="136" name="Picture 4" descr=""/>
           <p:cNvPicPr/>
           <p:nvPr/>
         </p:nvPicPr>
@@ -8398,7 +8364,7 @@
         <p:spPr>
           <a:xfrm>
             <a:off x="1157760" y="3367080"/>
-            <a:ext cx="5648760" cy="1913040"/>
+            <a:ext cx="5648400" cy="1912680"/>
           </a:xfrm>
           <a:prstGeom prst="rect">
             <a:avLst/>
@@ -8410,7 +8376,7 @@
       </p:pic>
       <p:pic>
         <p:nvPicPr>
-          <p:cNvPr id="146" name="Picture 5" descr=""/>
+          <p:cNvPr id="137" name="Picture 5" descr=""/>
           <p:cNvPicPr/>
           <p:nvPr/>
         </p:nvPicPr>
@@ -8421,7 +8387,7 @@
         <p:spPr>
           <a:xfrm>
             <a:off x="7050600" y="3026880"/>
-            <a:ext cx="3277800" cy="2593080"/>
+            <a:ext cx="3277440" cy="2592720"/>
           </a:xfrm>
           <a:prstGeom prst="rect">
             <a:avLst/>
@@ -8485,14 +8451,14 @@
       </p:grpSpPr>
       <p:sp>
         <p:nvSpPr>
-          <p:cNvPr id="147" name="TextShape 1"/>
-          <p:cNvSpPr txBox="1"/>
+          <p:cNvPr id="138" name="CustomShape 1"/>
+          <p:cNvSpPr/>
           <p:nvPr/>
         </p:nvSpPr>
         <p:spPr>
           <a:xfrm>
             <a:off x="913680" y="618480"/>
-            <a:ext cx="10364040" cy="1595880"/>
+            <a:ext cx="10363680" cy="1595520"/>
           </a:xfrm>
           <a:prstGeom prst="rect">
             <a:avLst/>
@@ -8502,8 +8468,14 @@
             <a:noFill/>
           </a:ln>
         </p:spPr>
-        <p:txBody>
-          <a:bodyPr anchor="ctr"/>
+        <p:style>
+          <a:lnRef idx="0"/>
+          <a:fillRef idx="0"/>
+          <a:effectRef idx="0"/>
+          <a:fontRef idx="minor"/>
+        </p:style>
+        <p:txBody>
+          <a:bodyPr lIns="90000" rIns="90000" tIns="45000" bIns="45000" anchor="ctr"/>
           <a:p>
             <a:pPr algn="ctr">
               <a:lnSpc>
@@ -8533,21 +8505,21 @@
                   <a:srgbClr val="ffffff"/>
                 </a:solidFill>
               </a:uFill>
-              <a:latin typeface="Tw Cen MT"/>
-            </a:endParaRPr>
-          </a:p>
-        </p:txBody>
-      </p:sp>
-      <p:sp>
-        <p:nvSpPr>
-          <p:cNvPr id="148" name="TextShape 2"/>
-          <p:cNvSpPr txBox="1"/>
+              <a:latin typeface="Arial"/>
+            </a:endParaRPr>
+          </a:p>
+        </p:txBody>
+      </p:sp>
+      <p:sp>
+        <p:nvSpPr>
+          <p:cNvPr id="139" name="CustomShape 2"/>
+          <p:cNvSpPr/>
           <p:nvPr/>
         </p:nvSpPr>
         <p:spPr>
           <a:xfrm>
             <a:off x="913680" y="2367000"/>
-            <a:ext cx="10363320" cy="3423600"/>
+            <a:ext cx="10362960" cy="3423240"/>
           </a:xfrm>
           <a:prstGeom prst="rect">
             <a:avLst/>
@@ -8557,10 +8529,16 @@
             <a:noFill/>
           </a:ln>
         </p:spPr>
-        <p:txBody>
-          <a:bodyPr/>
-          <a:p>
-            <a:pPr marL="228600" indent="-228240">
+        <p:style>
+          <a:lnRef idx="0"/>
+          <a:fillRef idx="0"/>
+          <a:effectRef idx="0"/>
+          <a:fontRef idx="minor"/>
+        </p:style>
+        <p:txBody>
+          <a:bodyPr lIns="90000" rIns="90000" tIns="45000" bIns="45000"/>
+          <a:p>
+            <a:pPr marL="228600" indent="-227880">
               <a:lnSpc>
                 <a:spcPct val="120000"/>
               </a:lnSpc>
@@ -8587,23 +8565,23 @@
               </a:rPr>
               <a:t>Mobile app is compatible with any device that support android but the version of the android has to be higher than or the same as Jelly Bean 4.1 version .</a:t>
             </a:r>
-            <a:endParaRPr b="0" lang="en-US" sz="2000" spc="-1" strike="noStrike" cap="all">
-              <a:solidFill>
-                <a:srgbClr val="000000"/>
-              </a:solidFill>
-              <a:uFill>
-                <a:solidFill>
-                  <a:srgbClr val="ffffff"/>
-                </a:solidFill>
-              </a:uFill>
-              <a:latin typeface="Tw Cen MT"/>
+            <a:endParaRPr b="0" lang="en-US" sz="2000" spc="-1" strike="noStrike">
+              <a:solidFill>
+                <a:srgbClr val="000000"/>
+              </a:solidFill>
+              <a:uFill>
+                <a:solidFill>
+                  <a:srgbClr val="ffffff"/>
+                </a:solidFill>
+              </a:uFill>
+              <a:latin typeface="Arial"/>
             </a:endParaRPr>
           </a:p>
         </p:txBody>
       </p:sp>
       <p:pic>
         <p:nvPicPr>
-          <p:cNvPr id="149" name="Picture 3" descr=""/>
+          <p:cNvPr id="140" name="Picture 3" descr=""/>
           <p:cNvPicPr/>
           <p:nvPr/>
         </p:nvPicPr>
@@ -8614,7 +8592,7 @@
         <p:spPr>
           <a:xfrm>
             <a:off x="4789080" y="3178080"/>
-            <a:ext cx="2612520" cy="2612520"/>
+            <a:ext cx="2612160" cy="2612160"/>
           </a:xfrm>
           <a:prstGeom prst="rect">
             <a:avLst/>
@@ -8678,14 +8656,14 @@
       </p:grpSpPr>
       <p:sp>
         <p:nvSpPr>
-          <p:cNvPr id="150" name="TextShape 1"/>
-          <p:cNvSpPr txBox="1"/>
+          <p:cNvPr id="141" name="CustomShape 1"/>
+          <p:cNvSpPr/>
           <p:nvPr/>
         </p:nvSpPr>
         <p:spPr>
           <a:xfrm>
             <a:off x="913680" y="618480"/>
-            <a:ext cx="10364040" cy="1595880"/>
+            <a:ext cx="10363680" cy="1595520"/>
           </a:xfrm>
           <a:prstGeom prst="rect">
             <a:avLst/>
@@ -8695,8 +8673,14 @@
             <a:noFill/>
           </a:ln>
         </p:spPr>
-        <p:txBody>
-          <a:bodyPr anchor="ctr"/>
+        <p:style>
+          <a:lnRef idx="0"/>
+          <a:fillRef idx="0"/>
+          <a:effectRef idx="0"/>
+          <a:fontRef idx="minor"/>
+        </p:style>
+        <p:txBody>
+          <a:bodyPr lIns="90000" rIns="90000" tIns="45000" bIns="45000" anchor="ctr"/>
           <a:p>
             <a:pPr algn="ctr">
               <a:lnSpc>
@@ -8726,21 +8710,21 @@
                   <a:srgbClr val="ffffff"/>
                 </a:solidFill>
               </a:uFill>
-              <a:latin typeface="Tw Cen MT"/>
-            </a:endParaRPr>
-          </a:p>
-        </p:txBody>
-      </p:sp>
-      <p:sp>
-        <p:nvSpPr>
-          <p:cNvPr id="151" name="TextShape 2"/>
-          <p:cNvSpPr txBox="1"/>
+              <a:latin typeface="Arial"/>
+            </a:endParaRPr>
+          </a:p>
+        </p:txBody>
+      </p:sp>
+      <p:sp>
+        <p:nvSpPr>
+          <p:cNvPr id="142" name="CustomShape 2"/>
+          <p:cNvSpPr/>
           <p:nvPr/>
         </p:nvSpPr>
         <p:spPr>
           <a:xfrm>
             <a:off x="913680" y="2367000"/>
-            <a:ext cx="10363320" cy="3423600"/>
+            <a:ext cx="10362960" cy="3423240"/>
           </a:xfrm>
           <a:prstGeom prst="rect">
             <a:avLst/>
@@ -8750,12 +8734,18 @@
             <a:noFill/>
           </a:ln>
         </p:spPr>
-        <p:txBody>
-          <a:bodyPr>
+        <p:style>
+          <a:lnRef idx="0"/>
+          <a:fillRef idx="0"/>
+          <a:effectRef idx="0"/>
+          <a:fontRef idx="minor"/>
+        </p:style>
+        <p:txBody>
+          <a:bodyPr lIns="90000" rIns="90000" tIns="45000" bIns="45000">
             <a:normAutofit/>
           </a:bodyPr>
           <a:p>
-            <a:pPr marL="514440" indent="-514080">
+            <a:pPr marL="514440" indent="-513720">
               <a:lnSpc>
                 <a:spcPct val="100000"/>
               </a:lnSpc>
@@ -8782,20 +8772,20 @@
               </a:rPr>
               <a:t>Sending multiple messages from mobile app</a:t>
             </a:r>
-            <a:endParaRPr b="0" lang="en-US" sz="1800" spc="-1" strike="noStrike" cap="all">
-              <a:solidFill>
-                <a:srgbClr val="000000"/>
-              </a:solidFill>
-              <a:uFill>
-                <a:solidFill>
-                  <a:srgbClr val="ffffff"/>
-                </a:solidFill>
-              </a:uFill>
-              <a:latin typeface="Tw Cen MT"/>
-            </a:endParaRPr>
-          </a:p>
-          <a:p>
-            <a:pPr marL="514440" indent="-514080">
+            <a:endParaRPr b="0" lang="en-US" sz="1800" spc="-1" strike="noStrike">
+              <a:solidFill>
+                <a:srgbClr val="000000"/>
+              </a:solidFill>
+              <a:uFill>
+                <a:solidFill>
+                  <a:srgbClr val="ffffff"/>
+                </a:solidFill>
+              </a:uFill>
+              <a:latin typeface="Arial"/>
+            </a:endParaRPr>
+          </a:p>
+          <a:p>
+            <a:pPr marL="514440" indent="-513720">
               <a:lnSpc>
                 <a:spcPct val="100000"/>
               </a:lnSpc>
@@ -8822,20 +8812,20 @@
               </a:rPr>
               <a:t>Synchronization </a:t>
             </a:r>
-            <a:endParaRPr b="0" lang="en-US" sz="1800" spc="-1" strike="noStrike" cap="all">
-              <a:solidFill>
-                <a:srgbClr val="000000"/>
-              </a:solidFill>
-              <a:uFill>
-                <a:solidFill>
-                  <a:srgbClr val="ffffff"/>
-                </a:solidFill>
-              </a:uFill>
-              <a:latin typeface="Tw Cen MT"/>
-            </a:endParaRPr>
-          </a:p>
-          <a:p>
-            <a:pPr marL="514440" indent="-514080">
+            <a:endParaRPr b="0" lang="en-US" sz="1800" spc="-1" strike="noStrike">
+              <a:solidFill>
+                <a:srgbClr val="000000"/>
+              </a:solidFill>
+              <a:uFill>
+                <a:solidFill>
+                  <a:srgbClr val="ffffff"/>
+                </a:solidFill>
+              </a:uFill>
+              <a:latin typeface="Arial"/>
+            </a:endParaRPr>
+          </a:p>
+          <a:p>
+            <a:pPr marL="514440" indent="-513720">
               <a:lnSpc>
                 <a:spcPct val="100000"/>
               </a:lnSpc>
@@ -8862,20 +8852,20 @@
               </a:rPr>
               <a:t>Operating the two motors with external battery </a:t>
             </a:r>
-            <a:endParaRPr b="0" lang="en-US" sz="1800" spc="-1" strike="noStrike" cap="all">
-              <a:solidFill>
-                <a:srgbClr val="000000"/>
-              </a:solidFill>
-              <a:uFill>
-                <a:solidFill>
-                  <a:srgbClr val="ffffff"/>
-                </a:solidFill>
-              </a:uFill>
-              <a:latin typeface="Tw Cen MT"/>
-            </a:endParaRPr>
-          </a:p>
-          <a:p>
-            <a:pPr marL="228600" indent="-228240">
+            <a:endParaRPr b="0" lang="en-US" sz="1800" spc="-1" strike="noStrike">
+              <a:solidFill>
+                <a:srgbClr val="000000"/>
+              </a:solidFill>
+              <a:uFill>
+                <a:solidFill>
+                  <a:srgbClr val="ffffff"/>
+                </a:solidFill>
+              </a:uFill>
+              <a:latin typeface="Arial"/>
+            </a:endParaRPr>
+          </a:p>
+          <a:p>
+            <a:pPr marL="228600" indent="-227880">
               <a:lnSpc>
                 <a:spcPct val="120000"/>
               </a:lnSpc>
@@ -8902,20 +8892,20 @@
               </a:rPr>
               <a:t>Multiple messages and Synchronization have been solved using recursive calls with each one has a delay to call the next one while the button is pressed and destroy all the remaining calls whenever the button have been released and the delay has to be alittle bit more than the delay of the Arduino .</a:t>
             </a:r>
-            <a:endParaRPr b="0" lang="en-US" sz="1800" spc="-1" strike="noStrike" cap="all">
-              <a:solidFill>
-                <a:srgbClr val="000000"/>
-              </a:solidFill>
-              <a:uFill>
-                <a:solidFill>
-                  <a:srgbClr val="ffffff"/>
-                </a:solidFill>
-              </a:uFill>
-              <a:latin typeface="Tw Cen MT"/>
-            </a:endParaRPr>
-          </a:p>
-          <a:p>
-            <a:pPr marL="228600" indent="-228240">
+            <a:endParaRPr b="0" lang="en-US" sz="1800" spc="-1" strike="noStrike">
+              <a:solidFill>
+                <a:srgbClr val="000000"/>
+              </a:solidFill>
+              <a:uFill>
+                <a:solidFill>
+                  <a:srgbClr val="ffffff"/>
+                </a:solidFill>
+              </a:uFill>
+              <a:latin typeface="Arial"/>
+            </a:endParaRPr>
+          </a:p>
+          <a:p>
+            <a:pPr marL="228600" indent="-227880">
               <a:lnSpc>
                 <a:spcPct val="120000"/>
               </a:lnSpc>
@@ -8942,16 +8932,16 @@
               </a:rPr>
               <a:t>Solved using two lithium  batteries with regulator to ensure the proper voltage entering the motors and having the required current to run the motors</a:t>
             </a:r>
-            <a:endParaRPr b="0" lang="en-US" sz="1800" spc="-1" strike="noStrike" cap="all">
-              <a:solidFill>
-                <a:srgbClr val="000000"/>
-              </a:solidFill>
-              <a:uFill>
-                <a:solidFill>
-                  <a:srgbClr val="ffffff"/>
-                </a:solidFill>
-              </a:uFill>
-              <a:latin typeface="Tw Cen MT"/>
+            <a:endParaRPr b="0" lang="en-US" sz="1800" spc="-1" strike="noStrike">
+              <a:solidFill>
+                <a:srgbClr val="000000"/>
+              </a:solidFill>
+              <a:uFill>
+                <a:solidFill>
+                  <a:srgbClr val="ffffff"/>
+                </a:solidFill>
+              </a:uFill>
+              <a:latin typeface="Arial"/>
             </a:endParaRPr>
           </a:p>
           <a:p>
@@ -8963,16 +8953,16 @@
                 <a:spcPts val="1001"/>
               </a:spcBef>
             </a:pPr>
-            <a:endParaRPr b="0" lang="en-US" sz="1800" spc="-1" strike="noStrike" cap="all">
-              <a:solidFill>
-                <a:srgbClr val="000000"/>
-              </a:solidFill>
-              <a:uFill>
-                <a:solidFill>
-                  <a:srgbClr val="ffffff"/>
-                </a:solidFill>
-              </a:uFill>
-              <a:latin typeface="Tw Cen MT"/>
+            <a:endParaRPr b="0" lang="en-US" sz="1800" spc="-1" strike="noStrike">
+              <a:solidFill>
+                <a:srgbClr val="000000"/>
+              </a:solidFill>
+              <a:uFill>
+                <a:solidFill>
+                  <a:srgbClr val="ffffff"/>
+                </a:solidFill>
+              </a:uFill>
+              <a:latin typeface="Arial"/>
             </a:endParaRPr>
           </a:p>
           <a:p>
@@ -8984,16 +8974,16 @@
                 <a:spcPts val="1001"/>
               </a:spcBef>
             </a:pPr>
-            <a:endParaRPr b="0" lang="en-US" sz="1800" spc="-1" strike="noStrike" cap="all">
-              <a:solidFill>
-                <a:srgbClr val="000000"/>
-              </a:solidFill>
-              <a:uFill>
-                <a:solidFill>
-                  <a:srgbClr val="ffffff"/>
-                </a:solidFill>
-              </a:uFill>
-              <a:latin typeface="Tw Cen MT"/>
+            <a:endParaRPr b="0" lang="en-US" sz="1800" spc="-1" strike="noStrike">
+              <a:solidFill>
+                <a:srgbClr val="000000"/>
+              </a:solidFill>
+              <a:uFill>
+                <a:solidFill>
+                  <a:srgbClr val="ffffff"/>
+                </a:solidFill>
+              </a:uFill>
+              <a:latin typeface="Arial"/>
             </a:endParaRPr>
           </a:p>
         </p:txBody>
@@ -9052,14 +9042,14 @@
       </p:grpSpPr>
       <p:sp>
         <p:nvSpPr>
-          <p:cNvPr id="152" name="TextShape 1"/>
-          <p:cNvSpPr txBox="1"/>
+          <p:cNvPr id="143" name="CustomShape 1"/>
+          <p:cNvSpPr/>
           <p:nvPr/>
         </p:nvSpPr>
         <p:spPr>
           <a:xfrm>
             <a:off x="913680" y="283680"/>
-            <a:ext cx="10364040" cy="1595880"/>
+            <a:ext cx="10363680" cy="1595520"/>
           </a:xfrm>
           <a:prstGeom prst="rect">
             <a:avLst/>
@@ -9069,8 +9059,14 @@
             <a:noFill/>
           </a:ln>
         </p:spPr>
-        <p:txBody>
-          <a:bodyPr anchor="ctr"/>
+        <p:style>
+          <a:lnRef idx="0"/>
+          <a:fillRef idx="0"/>
+          <a:effectRef idx="0"/>
+          <a:fontRef idx="minor"/>
+        </p:style>
+        <p:txBody>
+          <a:bodyPr lIns="90000" rIns="90000" tIns="45000" bIns="45000" anchor="ctr"/>
           <a:p>
             <a:pPr algn="ctr">
               <a:lnSpc>
@@ -9100,7 +9096,7 @@
                   <a:srgbClr val="ffffff"/>
                 </a:solidFill>
               </a:uFill>
-              <a:latin typeface="Tw Cen MT"/>
+              <a:latin typeface="Arial"/>
             </a:endParaRPr>
           </a:p>
         </p:txBody>
@@ -9135,7 +9131,6 @@
                                   <p:stCondLst>
                                     <p:cond delay="0"/>
                                   </p:stCondLst>
-                                  <p:childTnLst/>
                                 </p:cTn>
                               </p:par>
                             </p:childTnLst>
@@ -9166,7 +9161,6 @@
                 <p:childTnLst>
                   <p:par>
                     <p:cTn id="21" fill="hold">
-                      <p:stCondLst/>
                       <p:childTnLst>
                         <p:par>
                           <p:cTn id="22" fill="hold">
@@ -9179,7 +9173,6 @@
                                   <p:stCondLst>
                                     <p:cond delay="0"/>
                                   </p:stCondLst>
-                                  <p:childTnLst/>
                                 </p:cTn>
                               </p:par>
                             </p:childTnLst>
@@ -9232,14 +9225,14 @@
       </p:grpSpPr>
       <p:sp>
         <p:nvSpPr>
-          <p:cNvPr id="153" name="TextShape 1"/>
-          <p:cNvSpPr txBox="1"/>
+          <p:cNvPr id="144" name="CustomShape 1"/>
+          <p:cNvSpPr/>
           <p:nvPr/>
         </p:nvSpPr>
         <p:spPr>
           <a:xfrm>
             <a:off x="876240" y="2324160"/>
-            <a:ext cx="10515240" cy="1325160"/>
+            <a:ext cx="10514880" cy="1324800"/>
           </a:xfrm>
           <a:prstGeom prst="rect">
             <a:avLst/>
@@ -9249,8 +9242,14 @@
             <a:noFill/>
           </a:ln>
         </p:spPr>
-        <p:txBody>
-          <a:bodyPr anchor="ctr">
+        <p:style>
+          <a:lnRef idx="0"/>
+          <a:fillRef idx="0"/>
+          <a:effectRef idx="0"/>
+          <a:fontRef idx="minor"/>
+        </p:style>
+        <p:txBody>
+          <a:bodyPr lIns="90000" rIns="90000" tIns="45000" bIns="45000" anchor="ctr">
             <a:normAutofit/>
           </a:bodyPr>
           <a:p>
@@ -9282,7 +9281,7 @@
                   <a:srgbClr val="ffffff"/>
                 </a:solidFill>
               </a:uFill>
-              <a:latin typeface="Tw Cen MT"/>
+              <a:latin typeface="Arial"/>
             </a:endParaRPr>
           </a:p>
         </p:txBody>
@@ -9292,6 +9291,33 @@
   <p:transition spd="med">
     <p:fade/>
   </p:transition>
+  <p:timing>
+    <p:tnLst>
+      <p:par>
+        <p:cTn id="24" dur="indefinite" restart="never" nodeType="tmRoot">
+          <p:childTnLst>
+            <p:seq>
+              <p:cTn id="25" nodeType="mainSeq"/>
+              <p:prevCondLst>
+                <p:cond delay="0" evt="onPrev">
+                  <p:tgtEl>
+                    <p:sldTgt/>
+                  </p:tgtEl>
+                </p:cond>
+              </p:prevCondLst>
+              <p:nextCondLst>
+                <p:cond delay="0" evt="onNext">
+                  <p:tgtEl>
+                    <p:sldTgt/>
+                  </p:tgtEl>
+                </p:cond>
+              </p:nextCondLst>
+            </p:seq>
+          </p:childTnLst>
+        </p:cTn>
+      </p:par>
+    </p:tnLst>
+  </p:timing>
 </p:sld>
 </file>
 
